--- a/slides/3-JavaBasico.pptx
+++ b/slides/3-JavaBasico.pptx
@@ -5,7 +5,7 @@
     <p:sldMasterId id="2147483648" r:id="rId1"/>
   </p:sldMasterIdLst>
   <p:notesMasterIdLst>
-    <p:notesMasterId r:id="rId20"/>
+    <p:notesMasterId r:id="rId21"/>
   </p:notesMasterIdLst>
   <p:sldIdLst>
     <p:sldId id="256" r:id="rId2"/>
@@ -26,6 +26,7 @@
     <p:sldId id="271" r:id="rId17"/>
     <p:sldId id="272" r:id="rId18"/>
     <p:sldId id="273" r:id="rId19"/>
+    <p:sldId id="275" r:id="rId20"/>
   </p:sldIdLst>
   <p:sldSz cx="9144000" cy="6858000" type="screen4x3"/>
   <p:notesSz cx="6858000" cy="9144000"/>
@@ -210,7 +211,7 @@
             <a:fld id="{8478C54E-4FE2-4F2D-8BA0-82A0C6A1764B}" type="datetimeFigureOut">
               <a:rPr lang="pt-BR" smtClean="0"/>
               <a:pPr/>
-              <a:t>03/01/2012</a:t>
+              <a:t>03/02/2012</a:t>
             </a:fld>
             <a:endParaRPr lang="pt-BR"/>
           </a:p>
@@ -379,7 +380,7 @@
     </p:spTree>
     <p:extLst>
       <p:ext uri="{BB962C8B-B14F-4D97-AF65-F5344CB8AC3E}">
-        <p14:creationId xmlns="" xmlns:p14="http://schemas.microsoft.com/office/powerpoint/2010/main" val="856038157"/>
+        <p14:creationId xmlns:p14="http://schemas.microsoft.com/office/powerpoint/2010/main" val="856038157"/>
       </p:ext>
     </p:extLst>
   </p:cSld>
@@ -554,7 +555,7 @@
     </p:spTree>
     <p:extLst>
       <p:ext uri="{BB962C8B-B14F-4D97-AF65-F5344CB8AC3E}">
-        <p14:creationId xmlns="" xmlns:p14="http://schemas.microsoft.com/office/powerpoint/2010/main" val="1127043079"/>
+        <p14:creationId xmlns:p14="http://schemas.microsoft.com/office/powerpoint/2010/main" val="1127043079"/>
       </p:ext>
     </p:extLst>
   </p:cSld>
@@ -639,7 +640,7 @@
     </p:spTree>
     <p:extLst>
       <p:ext uri="{BB962C8B-B14F-4D97-AF65-F5344CB8AC3E}">
-        <p14:creationId xmlns="" xmlns:p14="http://schemas.microsoft.com/office/powerpoint/2010/main" val="1127043079"/>
+        <p14:creationId xmlns:p14="http://schemas.microsoft.com/office/powerpoint/2010/main" val="1127043079"/>
       </p:ext>
     </p:extLst>
   </p:cSld>
@@ -752,7 +753,7 @@
     </p:spTree>
     <p:extLst>
       <p:ext uri="{BB962C8B-B14F-4D97-AF65-F5344CB8AC3E}">
-        <p14:creationId xmlns="" xmlns:p14="http://schemas.microsoft.com/office/powerpoint/2010/main" val="2142181943"/>
+        <p14:creationId xmlns:p14="http://schemas.microsoft.com/office/powerpoint/2010/main" val="2142181943"/>
       </p:ext>
     </p:extLst>
   </p:cSld>
@@ -953,7 +954,7 @@
             <a:fld id="{B4E7ACB1-C3B5-47C6-AE9F-6E5695BE8FDA}" type="datetimeFigureOut">
               <a:rPr lang="pt-BR" smtClean="0"/>
               <a:pPr/>
-              <a:t>03/01/2012</a:t>
+              <a:t>03/02/2012</a:t>
             </a:fld>
             <a:endParaRPr lang="pt-BR"/>
           </a:p>
@@ -1005,7 +1006,7 @@
     </p:spTree>
     <p:extLst>
       <p:ext uri="{BB962C8B-B14F-4D97-AF65-F5344CB8AC3E}">
-        <p14:creationId xmlns="" xmlns:p14="http://schemas.microsoft.com/office/powerpoint/2010/main" val="3819067513"/>
+        <p14:creationId xmlns:p14="http://schemas.microsoft.com/office/powerpoint/2010/main" val="3819067513"/>
       </p:ext>
     </p:extLst>
   </p:cSld>
@@ -1177,7 +1178,7 @@
             <a:fld id="{B4E7ACB1-C3B5-47C6-AE9F-6E5695BE8FDA}" type="datetimeFigureOut">
               <a:rPr lang="pt-BR" smtClean="0"/>
               <a:pPr/>
-              <a:t>03/01/2012</a:t>
+              <a:t>03/02/2012</a:t>
             </a:fld>
             <a:endParaRPr lang="pt-BR"/>
           </a:p>
@@ -1229,7 +1230,7 @@
     </p:spTree>
     <p:extLst>
       <p:ext uri="{BB962C8B-B14F-4D97-AF65-F5344CB8AC3E}">
-        <p14:creationId xmlns="" xmlns:p14="http://schemas.microsoft.com/office/powerpoint/2010/main" val="4293683188"/>
+        <p14:creationId xmlns:p14="http://schemas.microsoft.com/office/powerpoint/2010/main" val="4293683188"/>
       </p:ext>
     </p:extLst>
   </p:cSld>
@@ -1411,7 +1412,7 @@
             <a:fld id="{B4E7ACB1-C3B5-47C6-AE9F-6E5695BE8FDA}" type="datetimeFigureOut">
               <a:rPr lang="pt-BR" smtClean="0"/>
               <a:pPr/>
-              <a:t>03/01/2012</a:t>
+              <a:t>03/02/2012</a:t>
             </a:fld>
             <a:endParaRPr lang="pt-BR"/>
           </a:p>
@@ -1463,7 +1464,7 @@
     </p:spTree>
     <p:extLst>
       <p:ext uri="{BB962C8B-B14F-4D97-AF65-F5344CB8AC3E}">
-        <p14:creationId xmlns="" xmlns:p14="http://schemas.microsoft.com/office/powerpoint/2010/main" val="932540526"/>
+        <p14:creationId xmlns:p14="http://schemas.microsoft.com/office/powerpoint/2010/main" val="932540526"/>
       </p:ext>
     </p:extLst>
   </p:cSld>
@@ -1510,7 +1511,7 @@
           <a:blip r:embed="rId2" cstate="print">
             <a:extLst>
               <a:ext uri="{BEBA8EAE-BF5A-486C-A8C5-ECC9F3942E4B}">
-                <a14:imgProps xmlns="" xmlns:a14="http://schemas.microsoft.com/office/drawing/2010/main">
+                <a14:imgProps xmlns:a14="http://schemas.microsoft.com/office/drawing/2010/main">
                   <a14:imgLayer r:embed="rId3">
                     <a14:imgEffect>
                       <a14:artisticBlur/>
@@ -1519,7 +1520,7 @@
                 </a14:imgProps>
               </a:ext>
               <a:ext uri="{28A0092B-C50C-407E-A947-70E740481C1C}">
-                <a14:useLocalDpi xmlns="" xmlns:a14="http://schemas.microsoft.com/office/drawing/2010/main" val="0"/>
+                <a14:useLocalDpi xmlns:a14="http://schemas.microsoft.com/office/drawing/2010/main" val="0"/>
               </a:ext>
             </a:extLst>
           </a:blip>
@@ -1541,14 +1542,14 @@
           </a:ln>
           <a:extLst>
             <a:ext uri="{909E8E84-426E-40DD-AFC4-6F175D3DCCD1}">
-              <a14:hiddenFill xmlns="" xmlns:a14="http://schemas.microsoft.com/office/drawing/2010/main">
+              <a14:hiddenFill xmlns:a14="http://schemas.microsoft.com/office/drawing/2010/main">
                 <a:solidFill>
                   <a:schemeClr val="accent1"/>
                 </a:solidFill>
               </a14:hiddenFill>
             </a:ext>
             <a:ext uri="{91240B29-F687-4F45-9708-019B960494DF}">
-              <a14:hiddenLine xmlns="" xmlns:a14="http://schemas.microsoft.com/office/drawing/2010/main" w="9525">
+              <a14:hiddenLine xmlns:a14="http://schemas.microsoft.com/office/drawing/2010/main" w="9525">
                 <a:solidFill>
                   <a:schemeClr val="tx1"/>
                 </a:solidFill>
@@ -1558,7 +1559,7 @@
               </a14:hiddenLine>
             </a:ext>
             <a:ext uri="{AF507438-7753-43E0-B8FC-AC1667EBCBE1}">
-              <a14:hiddenEffects xmlns="" xmlns:a14="http://schemas.microsoft.com/office/drawing/2010/main">
+              <a14:hiddenEffects xmlns:a14="http://schemas.microsoft.com/office/drawing/2010/main">
                 <a:effectLst>
                   <a:outerShdw dist="35921" dir="2700000" algn="ctr" rotWithShape="0">
                     <a:schemeClr val="bg2"/>
@@ -1754,7 +1755,7 @@
             <a:fld id="{B4E7ACB1-C3B5-47C6-AE9F-6E5695BE8FDA}" type="datetimeFigureOut">
               <a:rPr lang="pt-BR" smtClean="0"/>
               <a:pPr/>
-              <a:t>03/01/2012</a:t>
+              <a:t>03/02/2012</a:t>
             </a:fld>
             <a:endParaRPr lang="pt-BR"/>
           </a:p>
@@ -1806,7 +1807,7 @@
     </p:spTree>
     <p:extLst>
       <p:ext uri="{BB962C8B-B14F-4D97-AF65-F5344CB8AC3E}">
-        <p14:creationId xmlns="" xmlns:p14="http://schemas.microsoft.com/office/powerpoint/2010/main" val="1140807732"/>
+        <p14:creationId xmlns:p14="http://schemas.microsoft.com/office/powerpoint/2010/main" val="1140807732"/>
       </p:ext>
     </p:extLst>
   </p:cSld>
@@ -2012,7 +2013,7 @@
             <a:fld id="{B4E7ACB1-C3B5-47C6-AE9F-6E5695BE8FDA}" type="datetimeFigureOut">
               <a:rPr lang="pt-BR" smtClean="0"/>
               <a:pPr/>
-              <a:t>03/01/2012</a:t>
+              <a:t>03/02/2012</a:t>
             </a:fld>
             <a:endParaRPr lang="pt-BR"/>
           </a:p>
@@ -2064,7 +2065,7 @@
     </p:spTree>
     <p:extLst>
       <p:ext uri="{BB962C8B-B14F-4D97-AF65-F5344CB8AC3E}">
-        <p14:creationId xmlns="" xmlns:p14="http://schemas.microsoft.com/office/powerpoint/2010/main" val="3735907881"/>
+        <p14:creationId xmlns:p14="http://schemas.microsoft.com/office/powerpoint/2010/main" val="3735907881"/>
       </p:ext>
     </p:extLst>
   </p:cSld>
@@ -2358,7 +2359,7 @@
             <a:fld id="{B4E7ACB1-C3B5-47C6-AE9F-6E5695BE8FDA}" type="datetimeFigureOut">
               <a:rPr lang="pt-BR" smtClean="0"/>
               <a:pPr/>
-              <a:t>03/01/2012</a:t>
+              <a:t>03/02/2012</a:t>
             </a:fld>
             <a:endParaRPr lang="pt-BR"/>
           </a:p>
@@ -2410,7 +2411,7 @@
     </p:spTree>
     <p:extLst>
       <p:ext uri="{BB962C8B-B14F-4D97-AF65-F5344CB8AC3E}">
-        <p14:creationId xmlns="" xmlns:p14="http://schemas.microsoft.com/office/powerpoint/2010/main" val="2820318444"/>
+        <p14:creationId xmlns:p14="http://schemas.microsoft.com/office/powerpoint/2010/main" val="2820318444"/>
       </p:ext>
     </p:extLst>
   </p:cSld>
@@ -2842,7 +2843,7 @@
             <a:fld id="{B4E7ACB1-C3B5-47C6-AE9F-6E5695BE8FDA}" type="datetimeFigureOut">
               <a:rPr lang="pt-BR" smtClean="0"/>
               <a:pPr/>
-              <a:t>03/01/2012</a:t>
+              <a:t>03/02/2012</a:t>
             </a:fld>
             <a:endParaRPr lang="pt-BR"/>
           </a:p>
@@ -2894,7 +2895,7 @@
     </p:spTree>
     <p:extLst>
       <p:ext uri="{BB962C8B-B14F-4D97-AF65-F5344CB8AC3E}">
-        <p14:creationId xmlns="" xmlns:p14="http://schemas.microsoft.com/office/powerpoint/2010/main" val="566552069"/>
+        <p14:creationId xmlns:p14="http://schemas.microsoft.com/office/powerpoint/2010/main" val="566552069"/>
       </p:ext>
     </p:extLst>
   </p:cSld>
@@ -2978,7 +2979,7 @@
             <a:fld id="{B4E7ACB1-C3B5-47C6-AE9F-6E5695BE8FDA}" type="datetimeFigureOut">
               <a:rPr lang="pt-BR" smtClean="0"/>
               <a:pPr/>
-              <a:t>03/01/2012</a:t>
+              <a:t>03/02/2012</a:t>
             </a:fld>
             <a:endParaRPr lang="pt-BR"/>
           </a:p>
@@ -3030,7 +3031,7 @@
     </p:spTree>
     <p:extLst>
       <p:ext uri="{BB962C8B-B14F-4D97-AF65-F5344CB8AC3E}">
-        <p14:creationId xmlns="" xmlns:p14="http://schemas.microsoft.com/office/powerpoint/2010/main" val="1358390184"/>
+        <p14:creationId xmlns:p14="http://schemas.microsoft.com/office/powerpoint/2010/main" val="1358390184"/>
       </p:ext>
     </p:extLst>
   </p:cSld>
@@ -3083,7 +3084,7 @@
             <a:fld id="{B4E7ACB1-C3B5-47C6-AE9F-6E5695BE8FDA}" type="datetimeFigureOut">
               <a:rPr lang="pt-BR" smtClean="0"/>
               <a:pPr/>
-              <a:t>03/01/2012</a:t>
+              <a:t>03/02/2012</a:t>
             </a:fld>
             <a:endParaRPr lang="pt-BR"/>
           </a:p>
@@ -3135,7 +3136,7 @@
     </p:spTree>
     <p:extLst>
       <p:ext uri="{BB962C8B-B14F-4D97-AF65-F5344CB8AC3E}">
-        <p14:creationId xmlns="" xmlns:p14="http://schemas.microsoft.com/office/powerpoint/2010/main" val="3705262111"/>
+        <p14:creationId xmlns:p14="http://schemas.microsoft.com/office/powerpoint/2010/main" val="3705262111"/>
       </p:ext>
     </p:extLst>
   </p:cSld>
@@ -3398,7 +3399,7 @@
             <a:fld id="{B4E7ACB1-C3B5-47C6-AE9F-6E5695BE8FDA}" type="datetimeFigureOut">
               <a:rPr lang="pt-BR" smtClean="0"/>
               <a:pPr/>
-              <a:t>03/01/2012</a:t>
+              <a:t>03/02/2012</a:t>
             </a:fld>
             <a:endParaRPr lang="pt-BR"/>
           </a:p>
@@ -3450,7 +3451,7 @@
     </p:spTree>
     <p:extLst>
       <p:ext uri="{BB962C8B-B14F-4D97-AF65-F5344CB8AC3E}">
-        <p14:creationId xmlns="" xmlns:p14="http://schemas.microsoft.com/office/powerpoint/2010/main" val="2189634051"/>
+        <p14:creationId xmlns:p14="http://schemas.microsoft.com/office/powerpoint/2010/main" val="2189634051"/>
       </p:ext>
     </p:extLst>
   </p:cSld>
@@ -3673,7 +3674,7 @@
             <a:fld id="{B4E7ACB1-C3B5-47C6-AE9F-6E5695BE8FDA}" type="datetimeFigureOut">
               <a:rPr lang="pt-BR" smtClean="0"/>
               <a:pPr/>
-              <a:t>03/01/2012</a:t>
+              <a:t>03/02/2012</a:t>
             </a:fld>
             <a:endParaRPr lang="pt-BR"/>
           </a:p>
@@ -3725,7 +3726,7 @@
     </p:spTree>
     <p:extLst>
       <p:ext uri="{BB962C8B-B14F-4D97-AF65-F5344CB8AC3E}">
-        <p14:creationId xmlns="" xmlns:p14="http://schemas.microsoft.com/office/powerpoint/2010/main" val="3848481695"/>
+        <p14:creationId xmlns:p14="http://schemas.microsoft.com/office/powerpoint/2010/main" val="3848481695"/>
       </p:ext>
     </p:extLst>
   </p:cSld>
@@ -3889,7 +3890,7 @@
             <a:fld id="{B4E7ACB1-C3B5-47C6-AE9F-6E5695BE8FDA}" type="datetimeFigureOut">
               <a:rPr lang="pt-BR" smtClean="0"/>
               <a:pPr/>
-              <a:t>03/01/2012</a:t>
+              <a:t>03/02/2012</a:t>
             </a:fld>
             <a:endParaRPr lang="pt-BR"/>
           </a:p>
@@ -4003,7 +4004,7 @@
     </p:spTree>
     <p:extLst>
       <p:ext uri="{BB962C8B-B14F-4D97-AF65-F5344CB8AC3E}">
-        <p14:creationId xmlns="" xmlns:p14="http://schemas.microsoft.com/office/powerpoint/2010/main" val="2257276274"/>
+        <p14:creationId xmlns:p14="http://schemas.microsoft.com/office/powerpoint/2010/main" val="2257276274"/>
       </p:ext>
     </p:extLst>
   </p:cSld>
@@ -4311,7 +4312,7 @@
           <a:blip r:embed="rId2" cstate="print">
             <a:extLst>
               <a:ext uri="{28A0092B-C50C-407E-A947-70E740481C1C}">
-                <a14:useLocalDpi xmlns="" xmlns:a14="http://schemas.microsoft.com/office/drawing/2010/main" val="0"/>
+                <a14:useLocalDpi xmlns:a14="http://schemas.microsoft.com/office/drawing/2010/main" val="0"/>
               </a:ext>
             </a:extLst>
           </a:blip>
@@ -4335,14 +4336,14 @@
           <a:effectLst/>
           <a:extLst>
             <a:ext uri="{909E8E84-426E-40DD-AFC4-6F175D3DCCD1}">
-              <a14:hiddenFill xmlns="" xmlns:a14="http://schemas.microsoft.com/office/drawing/2010/main">
+              <a14:hiddenFill xmlns:a14="http://schemas.microsoft.com/office/drawing/2010/main">
                 <a:solidFill>
                   <a:schemeClr val="accent1"/>
                 </a:solidFill>
               </a14:hiddenFill>
             </a:ext>
             <a:ext uri="{91240B29-F687-4F45-9708-019B960494DF}">
-              <a14:hiddenLine xmlns="" xmlns:a14="http://schemas.microsoft.com/office/drawing/2010/main" w="9525">
+              <a14:hiddenLine xmlns:a14="http://schemas.microsoft.com/office/drawing/2010/main" w="9525">
                 <a:solidFill>
                   <a:schemeClr val="tx1"/>
                 </a:solidFill>
@@ -4352,7 +4353,7 @@
               </a14:hiddenLine>
             </a:ext>
             <a:ext uri="{AF507438-7753-43E0-B8FC-AC1667EBCBE1}">
-              <a14:hiddenEffects xmlns="" xmlns:a14="http://schemas.microsoft.com/office/drawing/2010/main">
+              <a14:hiddenEffects xmlns:a14="http://schemas.microsoft.com/office/drawing/2010/main">
                 <a:effectLst>
                   <a:outerShdw dist="35921" dir="2700000" algn="ctr" rotWithShape="0">
                     <a:schemeClr val="bg2"/>
@@ -4448,7 +4449,7 @@
     </p:spTree>
     <p:extLst>
       <p:ext uri="{BB962C8B-B14F-4D97-AF65-F5344CB8AC3E}">
-        <p14:creationId xmlns="" xmlns:p14="http://schemas.microsoft.com/office/powerpoint/2010/main" val="313402792"/>
+        <p14:creationId xmlns:p14="http://schemas.microsoft.com/office/powerpoint/2010/main" val="313402792"/>
       </p:ext>
     </p:extLst>
   </p:cSld>
@@ -4565,54 +4566,31 @@
               </a:spcAft>
             </a:pPr>
             <a:r>
-              <a:rPr lang="en-US" sz="1600" b="1" dirty="0" smtClean="0">
-                <a:solidFill>
-                  <a:srgbClr val="7F0055"/>
-                </a:solidFill>
+              <a:rPr lang="en-US" sz="1600" dirty="0" smtClean="0">
                 <a:latin typeface="Courier New"/>
                 <a:ea typeface="Calibri"/>
                 <a:cs typeface="Times New Roman"/>
               </a:rPr>
-              <a:t>public</a:t>
-            </a:r>
-            <a:r>
-              <a:rPr lang="en-US" sz="1600" dirty="0" smtClean="0">
-                <a:solidFill>
-                  <a:srgbClr val="000000"/>
-                </a:solidFill>
+              <a:t>public </a:t>
+            </a:r>
+            <a:r>
+              <a:rPr lang="en-US" sz="1600" dirty="0" err="1">
                 <a:latin typeface="Courier New"/>
                 <a:ea typeface="Calibri"/>
                 <a:cs typeface="Times New Roman"/>
               </a:rPr>
+              <a:t>int</a:t>
+            </a:r>
+            <a:r>
+              <a:rPr lang="en-US" sz="1600" dirty="0">
+                <a:latin typeface="Courier New"/>
+                <a:ea typeface="Calibri"/>
+                <a:cs typeface="Times New Roman"/>
+              </a:rPr>
               <a:t> </a:t>
             </a:r>
             <a:r>
-              <a:rPr lang="en-US" sz="1600" b="1" dirty="0" err="1">
-                <a:solidFill>
-                  <a:srgbClr val="7F0055"/>
-                </a:solidFill>
-                <a:latin typeface="Courier New"/>
-                <a:ea typeface="Calibri"/>
-                <a:cs typeface="Times New Roman"/>
-              </a:rPr>
-              <a:t>int</a:t>
-            </a:r>
-            <a:r>
-              <a:rPr lang="en-US" sz="1600" dirty="0">
-                <a:solidFill>
-                  <a:srgbClr val="000000"/>
-                </a:solidFill>
-                <a:latin typeface="Courier New"/>
-                <a:ea typeface="Calibri"/>
-                <a:cs typeface="Times New Roman"/>
-              </a:rPr>
-              <a:t> </a:t>
-            </a:r>
-            <a:r>
               <a:rPr lang="en-US" sz="1600" dirty="0" err="1">
-                <a:solidFill>
-                  <a:srgbClr val="0000C0"/>
-                </a:solidFill>
                 <a:highlight>
                   <a:srgbClr val="FFFF00"/>
                 </a:highlight>
@@ -4624,9 +4602,6 @@
             </a:r>
             <a:r>
               <a:rPr lang="en-US" sz="1600" dirty="0">
-                <a:solidFill>
-                  <a:srgbClr val="000000"/>
-                </a:solidFill>
                 <a:latin typeface="Courier New"/>
                 <a:ea typeface="Calibri"/>
                 <a:cs typeface="Times New Roman"/>
@@ -4648,81 +4623,20 @@
               </a:spcAft>
             </a:pPr>
             <a:r>
-              <a:rPr lang="en-US" sz="1600" b="1" dirty="0" smtClean="0">
-                <a:solidFill>
-                  <a:srgbClr val="7F0055"/>
-                </a:solidFill>
+              <a:rPr lang="en-US" sz="1600" dirty="0" smtClean="0">
                 <a:latin typeface="Courier New"/>
                 <a:ea typeface="Calibri"/>
                 <a:cs typeface="Times New Roman"/>
               </a:rPr>
-              <a:t>public</a:t>
-            </a:r>
-            <a:r>
-              <a:rPr lang="en-US" sz="1600" dirty="0" smtClean="0">
-                <a:solidFill>
-                  <a:srgbClr val="000000"/>
-                </a:solidFill>
+              <a:t>public </a:t>
+            </a:r>
+            <a:r>
+              <a:rPr lang="en-US" sz="1600" dirty="0">
                 <a:latin typeface="Courier New"/>
                 <a:ea typeface="Calibri"/>
                 <a:cs typeface="Times New Roman"/>
               </a:rPr>
-              <a:t> </a:t>
-            </a:r>
-            <a:r>
-              <a:rPr lang="en-US" sz="1600" dirty="0">
-                <a:solidFill>
-                  <a:srgbClr val="000000"/>
-                </a:solidFill>
-                <a:latin typeface="Courier New"/>
-                <a:ea typeface="Calibri"/>
-                <a:cs typeface="Times New Roman"/>
-              </a:rPr>
-              <a:t>String </a:t>
-            </a:r>
-            <a:r>
-              <a:rPr lang="en-US" sz="1600" dirty="0">
-                <a:solidFill>
-                  <a:srgbClr val="0000C0"/>
-                </a:solidFill>
-                <a:latin typeface="Courier New"/>
-                <a:ea typeface="Calibri"/>
-                <a:cs typeface="Times New Roman"/>
-              </a:rPr>
-              <a:t>description</a:t>
-            </a:r>
-            <a:r>
-              <a:rPr lang="en-US" sz="1600" dirty="0">
-                <a:solidFill>
-                  <a:srgbClr val="000000"/>
-                </a:solidFill>
-                <a:latin typeface="Courier New"/>
-                <a:ea typeface="Calibri"/>
-                <a:cs typeface="Times New Roman"/>
-              </a:rPr>
-              <a:t> = </a:t>
-            </a:r>
-            <a:r>
-              <a:rPr lang="en-US" sz="1600" dirty="0">
-                <a:solidFill>
-                  <a:srgbClr val="2A00FF"/>
-                </a:solidFill>
-                <a:latin typeface="Courier New"/>
-                <a:ea typeface="Calibri"/>
-                <a:cs typeface="Times New Roman"/>
-              </a:rPr>
-              <a:t>"-description required-"</a:t>
-            </a:r>
-            <a:r>
-              <a:rPr lang="en-US" sz="1600" dirty="0">
-                <a:solidFill>
-                  <a:srgbClr val="000000"/>
-                </a:solidFill>
-                <a:latin typeface="Courier New"/>
-                <a:ea typeface="Calibri"/>
-                <a:cs typeface="Times New Roman"/>
-              </a:rPr>
-              <a:t>;</a:t>
+              <a:t>String description = "-description required-";</a:t>
             </a:r>
             <a:endParaRPr lang="pt-BR" sz="2000" dirty="0">
               <a:ea typeface="Calibri"/>
@@ -4739,92 +4653,36 @@
               </a:spcAft>
             </a:pPr>
             <a:r>
-              <a:rPr lang="en-US" sz="1600" b="1" dirty="0" smtClean="0">
-                <a:solidFill>
-                  <a:srgbClr val="7F0055"/>
-                </a:solidFill>
+              <a:rPr lang="en-US" sz="1600" dirty="0" smtClean="0">
                 <a:latin typeface="Courier New"/>
                 <a:ea typeface="Calibri"/>
                 <a:cs typeface="Times New Roman"/>
               </a:rPr>
-              <a:t>public</a:t>
-            </a:r>
-            <a:r>
-              <a:rPr lang="en-US" sz="1600" dirty="0" smtClean="0">
-                <a:solidFill>
-                  <a:srgbClr val="000000"/>
-                </a:solidFill>
+              <a:t>public </a:t>
+            </a:r>
+            <a:r>
+              <a:rPr lang="en-US" sz="1600" dirty="0">
                 <a:latin typeface="Courier New"/>
                 <a:ea typeface="Calibri"/>
                 <a:cs typeface="Times New Roman"/>
               </a:rPr>
-              <a:t> </a:t>
-            </a:r>
-            <a:r>
-              <a:rPr lang="en-US" sz="1600" b="1" dirty="0">
-                <a:solidFill>
-                  <a:srgbClr val="7F0055"/>
-                </a:solidFill>
+              <a:t>char </a:t>
+            </a:r>
+            <a:r>
+              <a:rPr lang="en-US" sz="1600" dirty="0" err="1">
                 <a:latin typeface="Courier New"/>
                 <a:ea typeface="Calibri"/>
                 <a:cs typeface="Times New Roman"/>
               </a:rPr>
-              <a:t>char</a:t>
+              <a:t>colorCode</a:t>
             </a:r>
             <a:r>
               <a:rPr lang="en-US" sz="1600" dirty="0">
-                <a:solidFill>
-                  <a:srgbClr val="000000"/>
-                </a:solidFill>
                 <a:latin typeface="Courier New"/>
                 <a:ea typeface="Calibri"/>
                 <a:cs typeface="Times New Roman"/>
               </a:rPr>
-              <a:t> </a:t>
-            </a:r>
-            <a:r>
-              <a:rPr lang="en-US" sz="1600" dirty="0" err="1">
-                <a:solidFill>
-                  <a:srgbClr val="0000C0"/>
-                </a:solidFill>
-                <a:latin typeface="Courier New"/>
-                <a:ea typeface="Calibri"/>
-                <a:cs typeface="Times New Roman"/>
-              </a:rPr>
-              <a:t>colorCode</a:t>
-            </a:r>
-            <a:r>
-              <a:rPr lang="en-US" sz="1600" dirty="0">
-                <a:solidFill>
-                  <a:srgbClr val="000000"/>
-                </a:solidFill>
-                <a:latin typeface="Courier New"/>
-                <a:ea typeface="Calibri"/>
-                <a:cs typeface="Times New Roman"/>
-              </a:rPr>
-              <a:t> = </a:t>
-            </a:r>
-            <a:r>
-              <a:rPr lang="en-US" sz="1600" dirty="0">
-                <a:solidFill>
-                  <a:srgbClr val="2A00FF"/>
-                </a:solidFill>
-                <a:latin typeface="Courier New"/>
-                <a:ea typeface="Calibri"/>
-                <a:cs typeface="Times New Roman"/>
-              </a:rPr>
-              <a:t>'U'</a:t>
-            </a:r>
-            <a:r>
-              <a:rPr lang="en-US" sz="1600" dirty="0">
-                <a:solidFill>
-                  <a:srgbClr val="000000"/>
-                </a:solidFill>
-                <a:latin typeface="Courier New"/>
-                <a:ea typeface="Calibri"/>
-                <a:cs typeface="Times New Roman"/>
-              </a:rPr>
-              <a:t>;</a:t>
+              <a:t> = 'U';</a:t>
             </a:r>
             <a:endParaRPr lang="pt-BR" sz="2000" dirty="0">
               <a:ea typeface="Calibri"/>
@@ -4841,70 +4699,28 @@
               </a:spcAft>
             </a:pPr>
             <a:r>
-              <a:rPr lang="en-US" sz="1600" b="1" dirty="0" smtClean="0">
-                <a:solidFill>
-                  <a:srgbClr val="7F0055"/>
-                </a:solidFill>
+              <a:rPr lang="en-US" sz="1600" dirty="0" smtClean="0">
                 <a:latin typeface="Courier New"/>
                 <a:ea typeface="Calibri"/>
                 <a:cs typeface="Times New Roman"/>
               </a:rPr>
-              <a:t>public</a:t>
+              <a:t>public </a:t>
+            </a:r>
+            <a:r>
+              <a:rPr lang="en-US" sz="1600" dirty="0">
+                <a:latin typeface="Courier New"/>
+                <a:ea typeface="Calibri"/>
+                <a:cs typeface="Times New Roman"/>
+              </a:rPr>
+              <a:t>double </a:t>
             </a:r>
             <a:r>
               <a:rPr lang="en-US" sz="1600" dirty="0" smtClean="0">
-                <a:solidFill>
-                  <a:srgbClr val="000000"/>
-                </a:solidFill>
                 <a:latin typeface="Courier New"/>
                 <a:ea typeface="Calibri"/>
                 <a:cs typeface="Times New Roman"/>
               </a:rPr>
-              <a:t> </a:t>
-            </a:r>
-            <a:r>
-              <a:rPr lang="en-US" sz="1600" b="1" dirty="0">
-                <a:solidFill>
-                  <a:srgbClr val="7F0055"/>
-                </a:solidFill>
-                <a:latin typeface="Courier New"/>
-                <a:ea typeface="Calibri"/>
-                <a:cs typeface="Times New Roman"/>
-              </a:rPr>
-              <a:t>double</a:t>
-            </a:r>
-            <a:r>
-              <a:rPr lang="en-US" sz="1600" dirty="0">
-                <a:solidFill>
-                  <a:srgbClr val="000000"/>
-                </a:solidFill>
-                <a:latin typeface="Courier New"/>
-                <a:ea typeface="Calibri"/>
-                <a:cs typeface="Times New Roman"/>
-              </a:rPr>
-              <a:t> </a:t>
-            </a:r>
-            <a:r>
-              <a:rPr lang="en-US" sz="1600" dirty="0">
-                <a:solidFill>
-                  <a:srgbClr val="0000C0"/>
-                </a:solidFill>
-                <a:latin typeface="Courier New"/>
-                <a:ea typeface="Calibri"/>
-                <a:cs typeface="Times New Roman"/>
-              </a:rPr>
-              <a:t>price</a:t>
-            </a:r>
-            <a:r>
-              <a:rPr lang="en-US" sz="1600" dirty="0">
-                <a:solidFill>
-                  <a:srgbClr val="000000"/>
-                </a:solidFill>
-                <a:latin typeface="Courier New"/>
-                <a:ea typeface="Calibri"/>
-                <a:cs typeface="Times New Roman"/>
-              </a:rPr>
-              <a:t> = 0.0;</a:t>
+              <a:t>price;</a:t>
             </a:r>
             <a:endParaRPr lang="pt-BR" sz="2000" dirty="0">
               <a:ea typeface="Calibri"/>
@@ -4921,10 +4737,7 @@
               </a:spcAft>
             </a:pPr>
             <a:r>
-              <a:rPr lang="pt-BR" sz="1600" b="1" dirty="0" err="1" smtClean="0">
-                <a:solidFill>
-                  <a:srgbClr val="7F0055"/>
-                </a:solidFill>
+              <a:rPr lang="pt-BR" sz="1600" dirty="0" err="1" smtClean="0">
                 <a:latin typeface="Courier New"/>
                 <a:ea typeface="Calibri"/>
                 <a:cs typeface="Times New Roman"/>
@@ -4933,9 +4746,6 @@
             </a:r>
             <a:r>
               <a:rPr lang="pt-BR" sz="1600" dirty="0" smtClean="0">
-                <a:solidFill>
-                  <a:srgbClr val="000000"/>
-                </a:solidFill>
                 <a:latin typeface="Courier New"/>
                 <a:ea typeface="Calibri"/>
                 <a:cs typeface="Times New Roman"/>
@@ -4943,10 +4753,7 @@
               <a:t> </a:t>
             </a:r>
             <a:r>
-              <a:rPr lang="pt-BR" sz="1600" b="1" dirty="0" err="1">
-                <a:solidFill>
-                  <a:srgbClr val="7F0055"/>
-                </a:solidFill>
+              <a:rPr lang="pt-BR" sz="1600" dirty="0" err="1">
                 <a:latin typeface="Courier New"/>
                 <a:ea typeface="Calibri"/>
                 <a:cs typeface="Times New Roman"/>
@@ -4955,9 +4762,6 @@
             </a:r>
             <a:r>
               <a:rPr lang="pt-BR" sz="1600" dirty="0">
-                <a:solidFill>
-                  <a:srgbClr val="000000"/>
-                </a:solidFill>
                 <a:latin typeface="Courier New"/>
                 <a:ea typeface="Calibri"/>
                 <a:cs typeface="Times New Roman"/>
@@ -4965,10 +4769,7 @@
               <a:t> </a:t>
             </a:r>
             <a:r>
-              <a:rPr lang="pt-BR" sz="1600" dirty="0" err="1">
-                <a:solidFill>
-                  <a:srgbClr val="0000C0"/>
-                </a:solidFill>
+              <a:rPr lang="pt-BR" sz="1600" dirty="0" err="1" smtClean="0">
                 <a:latin typeface="Courier New"/>
                 <a:ea typeface="Calibri"/>
                 <a:cs typeface="Times New Roman"/>
@@ -4976,34 +4777,25 @@
               <a:t>quantityInStock</a:t>
             </a:r>
             <a:r>
-              <a:rPr lang="pt-BR" sz="1600" dirty="0">
-                <a:solidFill>
-                  <a:srgbClr val="000000"/>
-                </a:solidFill>
+              <a:rPr lang="pt-BR" sz="1600" dirty="0" smtClean="0">
                 <a:latin typeface="Courier New"/>
                 <a:ea typeface="Calibri"/>
                 <a:cs typeface="Times New Roman"/>
               </a:rPr>
-              <a:t> = 0</a:t>
-            </a:r>
-            <a:r>
-              <a:rPr lang="pt-BR" sz="1600" dirty="0" smtClean="0">
-                <a:solidFill>
-                  <a:srgbClr val="000000"/>
-                </a:solidFill>
-                <a:latin typeface="Courier New"/>
-                <a:ea typeface="Calibri"/>
-                <a:cs typeface="Times New Roman"/>
-              </a:rPr>
               <a:t>;</a:t>
             </a:r>
+            <a:endParaRPr lang="pt-BR" sz="1600" dirty="0" smtClean="0">
+              <a:latin typeface="Courier New"/>
+              <a:ea typeface="Calibri"/>
+              <a:cs typeface="Times New Roman"/>
+            </a:endParaRPr>
           </a:p>
         </p:txBody>
       </p:sp>
     </p:spTree>
     <p:extLst>
       <p:ext uri="{BB962C8B-B14F-4D97-AF65-F5344CB8AC3E}">
-        <p14:creationId xmlns="" xmlns:p14="http://schemas.microsoft.com/office/powerpoint/2010/main" val="1178508651"/>
+        <p14:creationId xmlns:p14="http://schemas.microsoft.com/office/powerpoint/2010/main" val="1178508651"/>
       </p:ext>
     </p:extLst>
   </p:cSld>
@@ -5154,21 +4946,23 @@
               </a:spcAft>
             </a:pPr>
             <a:r>
-              <a:rPr lang="en-US" sz="1600" b="1" dirty="0">
-                <a:solidFill>
-                  <a:srgbClr val="7F0055"/>
-                </a:solidFill>
+              <a:rPr lang="en-US" sz="1600" dirty="0">
                 <a:latin typeface="Courier New"/>
                 <a:ea typeface="Calibri"/>
                 <a:cs typeface="Times New Roman"/>
               </a:rPr>
-              <a:t>public</a:t>
+              <a:t>public </a:t>
+            </a:r>
+            <a:r>
+              <a:rPr lang="en-US" sz="1600" dirty="0" err="1">
+                <a:latin typeface="Courier New"/>
+                <a:ea typeface="Calibri"/>
+                <a:cs typeface="Times New Roman"/>
+              </a:rPr>
+              <a:t>int</a:t>
             </a:r>
             <a:r>
               <a:rPr lang="en-US" sz="1600" dirty="0">
-                <a:solidFill>
-                  <a:srgbClr val="000000"/>
-                </a:solidFill>
                 <a:latin typeface="Courier New"/>
                 <a:ea typeface="Calibri"/>
                 <a:cs typeface="Times New Roman"/>
@@ -5176,59 +4970,20 @@
               <a:t> </a:t>
             </a:r>
             <a:r>
-              <a:rPr lang="en-US" sz="1600" b="1" dirty="0" err="1">
-                <a:solidFill>
-                  <a:srgbClr val="7F0055"/>
-                </a:solidFill>
+              <a:rPr lang="en-US" sz="1600" dirty="0" err="1">
                 <a:latin typeface="Courier New"/>
                 <a:ea typeface="Calibri"/>
                 <a:cs typeface="Times New Roman"/>
               </a:rPr>
-              <a:t>int</a:t>
+              <a:t>shirtID</a:t>
             </a:r>
             <a:r>
               <a:rPr lang="en-US" sz="1600" dirty="0">
-                <a:solidFill>
-                  <a:srgbClr val="000000"/>
-                </a:solidFill>
                 <a:latin typeface="Courier New"/>
                 <a:ea typeface="Calibri"/>
                 <a:cs typeface="Times New Roman"/>
               </a:rPr>
-              <a:t> </a:t>
-            </a:r>
-            <a:r>
-              <a:rPr lang="en-US" sz="1600" dirty="0" err="1">
-                <a:solidFill>
-                  <a:srgbClr val="0000C0"/>
-                </a:solidFill>
-                <a:latin typeface="Courier New"/>
-                <a:ea typeface="Calibri"/>
-                <a:cs typeface="Times New Roman"/>
-              </a:rPr>
-              <a:t>shirtID</a:t>
-            </a:r>
-            <a:r>
-              <a:rPr lang="en-US" sz="1600" dirty="0">
-                <a:solidFill>
-                  <a:srgbClr val="000000"/>
-                </a:solidFill>
-                <a:latin typeface="Courier New"/>
-                <a:ea typeface="Calibri"/>
-                <a:cs typeface="Times New Roman"/>
-              </a:rPr>
-              <a:t> = 0; </a:t>
-            </a:r>
-            <a:r>
-              <a:rPr lang="en-US" sz="1600" dirty="0">
-                <a:solidFill>
-                  <a:srgbClr val="3F7F5F"/>
-                </a:solidFill>
-                <a:latin typeface="Courier New"/>
-                <a:ea typeface="Calibri"/>
-                <a:cs typeface="Times New Roman"/>
-              </a:rPr>
-              <a:t>// Default ID for the shirt</a:t>
+              <a:t> = 0; // Default ID for the shirt</a:t>
             </a:r>
             <a:endParaRPr lang="pt-BR" sz="2000" dirty="0">
               <a:ea typeface="Calibri"/>
@@ -5245,81 +5000,12 @@
               </a:spcAft>
             </a:pPr>
             <a:r>
-              <a:rPr lang="en-US" sz="1600" b="1" dirty="0">
-                <a:solidFill>
-                  <a:srgbClr val="7F0055"/>
-                </a:solidFill>
+              <a:rPr lang="en-US" sz="1600" dirty="0">
                 <a:latin typeface="Courier New"/>
                 <a:ea typeface="Calibri"/>
                 <a:cs typeface="Times New Roman"/>
               </a:rPr>
-              <a:t>public</a:t>
-            </a:r>
-            <a:r>
-              <a:rPr lang="en-US" sz="1600" dirty="0">
-                <a:solidFill>
-                  <a:srgbClr val="000000"/>
-                </a:solidFill>
-                <a:latin typeface="Courier New"/>
-                <a:ea typeface="Calibri"/>
-                <a:cs typeface="Times New Roman"/>
-              </a:rPr>
-              <a:t> </a:t>
-            </a:r>
-            <a:r>
-              <a:rPr lang="en-US" sz="1600" b="1" dirty="0">
-                <a:solidFill>
-                  <a:srgbClr val="7F0055"/>
-                </a:solidFill>
-                <a:latin typeface="Courier New"/>
-                <a:ea typeface="Calibri"/>
-                <a:cs typeface="Times New Roman"/>
-              </a:rPr>
-              <a:t>double</a:t>
-            </a:r>
-            <a:r>
-              <a:rPr lang="en-US" sz="1600" dirty="0">
-                <a:solidFill>
-                  <a:srgbClr val="000000"/>
-                </a:solidFill>
-                <a:latin typeface="Courier New"/>
-                <a:ea typeface="Calibri"/>
-                <a:cs typeface="Times New Roman"/>
-              </a:rPr>
-              <a:t> </a:t>
-            </a:r>
-            <a:r>
-              <a:rPr lang="en-US" sz="1600" dirty="0">
-                <a:solidFill>
-                  <a:srgbClr val="0000C0"/>
-                </a:solidFill>
-                <a:latin typeface="Courier New"/>
-                <a:ea typeface="Calibri"/>
-                <a:cs typeface="Times New Roman"/>
-              </a:rPr>
-              <a:t>price</a:t>
-            </a:r>
-            <a:r>
-              <a:rPr lang="en-US" sz="1600" dirty="0">
-                <a:solidFill>
-                  <a:srgbClr val="000000"/>
-                </a:solidFill>
-                <a:latin typeface="Courier New"/>
-                <a:ea typeface="Calibri"/>
-                <a:cs typeface="Times New Roman"/>
-              </a:rPr>
-              <a:t> = 0.0; </a:t>
-            </a:r>
-            <a:r>
-              <a:rPr lang="en-US" sz="1600" dirty="0">
-                <a:solidFill>
-                  <a:srgbClr val="3F7F5F"/>
-                </a:solidFill>
-                <a:latin typeface="Courier New"/>
-                <a:ea typeface="Calibri"/>
-                <a:cs typeface="Times New Roman"/>
-              </a:rPr>
-              <a:t>// Default price for all shirts</a:t>
+              <a:t>public double price = 0.0; // Default price for all shirts</a:t>
             </a:r>
             <a:endParaRPr lang="pt-BR" sz="2000" dirty="0">
               <a:ea typeface="Calibri"/>
@@ -5329,18 +5015,12 @@
           <a:p>
             <a:r>
               <a:rPr lang="en-US" sz="1600" dirty="0">
-                <a:solidFill>
-                  <a:srgbClr val="3F7F5F"/>
-                </a:solidFill>
                 <a:latin typeface="Courier New"/>
                 <a:ea typeface="Calibri"/>
               </a:rPr>
               <a:t>// The color codes are R=Red, B=Blue, G=Green</a:t>
             </a:r>
             <a:endParaRPr lang="pt-BR" sz="1600" dirty="0" smtClean="0">
-              <a:solidFill>
-                <a:srgbClr val="000000"/>
-              </a:solidFill>
               <a:latin typeface="Courier New"/>
               <a:ea typeface="Calibri"/>
               <a:cs typeface="Times New Roman"/>
@@ -5547,7 +5227,7 @@
     </p:spTree>
     <p:extLst>
       <p:ext uri="{BB962C8B-B14F-4D97-AF65-F5344CB8AC3E}">
-        <p14:creationId xmlns="" xmlns:p14="http://schemas.microsoft.com/office/powerpoint/2010/main" val="2857801122"/>
+        <p14:creationId xmlns:p14="http://schemas.microsoft.com/office/powerpoint/2010/main" val="2857801122"/>
       </p:ext>
     </p:extLst>
   </p:cSld>
@@ -5599,7 +5279,7 @@
           <a:p>
             <a:r>
               <a:rPr lang="en-US" dirty="0" err="1" smtClean="0"/>
-              <a:t>Sintax</a:t>
+              <a:t>Sintaxe</a:t>
             </a:r>
             <a:endParaRPr lang="en-US" dirty="0" smtClean="0"/>
           </a:p>
@@ -5744,65 +5424,23 @@
               </a:spcAft>
             </a:pPr>
             <a:r>
-              <a:rPr lang="en-US" sz="1600" b="1" dirty="0">
-                <a:solidFill>
-                  <a:srgbClr val="7F0055"/>
-                </a:solidFill>
-                <a:latin typeface="Consolas" pitchFamily="49" charset="0"/>
-                <a:ea typeface="Calibri"/>
-                <a:cs typeface="Consolas" pitchFamily="49" charset="0"/>
-              </a:rPr>
-              <a:t>public</a:t>
-            </a:r>
-            <a:r>
               <a:rPr lang="en-US" sz="1600" dirty="0">
-                <a:solidFill>
-                  <a:srgbClr val="000000"/>
-                </a:solidFill>
-                <a:latin typeface="Consolas" pitchFamily="49" charset="0"/>
-                <a:ea typeface="Calibri"/>
-                <a:cs typeface="Consolas" pitchFamily="49" charset="0"/>
-              </a:rPr>
-              <a:t> </a:t>
-            </a:r>
-            <a:r>
-              <a:rPr lang="en-US" sz="1600" b="1" dirty="0">
-                <a:solidFill>
-                  <a:srgbClr val="7F0055"/>
-                </a:solidFill>
-                <a:latin typeface="Consolas" pitchFamily="49" charset="0"/>
-                <a:ea typeface="Calibri"/>
-                <a:cs typeface="Consolas" pitchFamily="49" charset="0"/>
-              </a:rPr>
-              <a:t>void</a:t>
+                <a:latin typeface="Consolas" pitchFamily="49" charset="0"/>
+                <a:ea typeface="Calibri"/>
+                <a:cs typeface="Consolas" pitchFamily="49" charset="0"/>
+              </a:rPr>
+              <a:t>public void </a:t>
+            </a:r>
+            <a:r>
+              <a:rPr lang="en-US" sz="1600" dirty="0" err="1">
+                <a:latin typeface="Consolas" pitchFamily="49" charset="0"/>
+                <a:ea typeface="Calibri"/>
+                <a:cs typeface="Consolas" pitchFamily="49" charset="0"/>
+              </a:rPr>
+              <a:t>displayShirtInformation</a:t>
             </a:r>
             <a:r>
               <a:rPr lang="en-US" sz="1600" dirty="0">
-                <a:solidFill>
-                  <a:srgbClr val="000000"/>
-                </a:solidFill>
-                <a:latin typeface="Consolas" pitchFamily="49" charset="0"/>
-                <a:ea typeface="Calibri"/>
-                <a:cs typeface="Consolas" pitchFamily="49" charset="0"/>
-              </a:rPr>
-              <a:t> </a:t>
-            </a:r>
-            <a:r>
-              <a:rPr lang="en-US" sz="1600" dirty="0" err="1">
-                <a:solidFill>
-                  <a:srgbClr val="000000"/>
-                </a:solidFill>
-                <a:latin typeface="Consolas" pitchFamily="49" charset="0"/>
-                <a:ea typeface="Calibri"/>
-                <a:cs typeface="Consolas" pitchFamily="49" charset="0"/>
-              </a:rPr>
-              <a:t>displayShirtInformation</a:t>
-            </a:r>
-            <a:r>
-              <a:rPr lang="en-US" sz="1600" dirty="0">
-                <a:solidFill>
-                  <a:srgbClr val="000000"/>
-                </a:solidFill>
                 <a:latin typeface="Consolas" pitchFamily="49" charset="0"/>
                 <a:ea typeface="Calibri"/>
                 <a:cs typeface="Consolas" pitchFamily="49" charset="0"/>
@@ -5826,9 +5464,6 @@
             </a:pPr>
             <a:r>
               <a:rPr lang="en-US" sz="1600" dirty="0">
-                <a:solidFill>
-                  <a:srgbClr val="000000"/>
-                </a:solidFill>
                 <a:latin typeface="Consolas" pitchFamily="49" charset="0"/>
                 <a:ea typeface="Calibri"/>
                 <a:cs typeface="Consolas" pitchFamily="49" charset="0"/>
@@ -5837,9 +5472,6 @@
             </a:r>
             <a:r>
               <a:rPr lang="en-US" sz="1600" dirty="0" err="1">
-                <a:solidFill>
-                  <a:srgbClr val="000000"/>
-                </a:solidFill>
                 <a:highlight>
                   <a:srgbClr val="C0C0C0"/>
                 </a:highlight>
@@ -5851,9 +5483,6 @@
             </a:r>
             <a:r>
               <a:rPr lang="en-US" sz="1600" dirty="0" err="1">
-                <a:solidFill>
-                  <a:srgbClr val="000000"/>
-                </a:solidFill>
                 <a:latin typeface="Consolas" pitchFamily="49" charset="0"/>
                 <a:ea typeface="Calibri"/>
                 <a:cs typeface="Consolas" pitchFamily="49" charset="0"/>
@@ -5862,9 +5491,6 @@
             </a:r>
             <a:r>
               <a:rPr lang="en-US" sz="1600" i="1" dirty="0" err="1">
-                <a:solidFill>
-                  <a:srgbClr val="0000C0"/>
-                </a:solidFill>
                 <a:latin typeface="Consolas" pitchFamily="49" charset="0"/>
                 <a:ea typeface="Calibri"/>
                 <a:cs typeface="Consolas" pitchFamily="49" charset="0"/>
@@ -5873,9 +5499,6 @@
             </a:r>
             <a:r>
               <a:rPr lang="en-US" sz="1600" dirty="0" err="1">
-                <a:solidFill>
-                  <a:srgbClr val="000000"/>
-                </a:solidFill>
                 <a:latin typeface="Consolas" pitchFamily="49" charset="0"/>
                 <a:ea typeface="Calibri"/>
                 <a:cs typeface="Consolas" pitchFamily="49" charset="0"/>
@@ -5884,53 +5507,22 @@
             </a:r>
             <a:r>
               <a:rPr lang="en-US" sz="1600" dirty="0">
-                <a:solidFill>
-                  <a:srgbClr val="000000"/>
-                </a:solidFill>
-                <a:latin typeface="Consolas" pitchFamily="49" charset="0"/>
-                <a:ea typeface="Calibri"/>
-                <a:cs typeface="Consolas" pitchFamily="49" charset="0"/>
-              </a:rPr>
-              <a:t>(</a:t>
+                <a:latin typeface="Consolas" pitchFamily="49" charset="0"/>
+                <a:ea typeface="Calibri"/>
+                <a:cs typeface="Consolas" pitchFamily="49" charset="0"/>
+              </a:rPr>
+              <a:t>("Shirt ID: " + </a:t>
+            </a:r>
+            <a:r>
+              <a:rPr lang="en-US" sz="1600" dirty="0" err="1">
+                <a:latin typeface="Consolas" pitchFamily="49" charset="0"/>
+                <a:ea typeface="Calibri"/>
+                <a:cs typeface="Consolas" pitchFamily="49" charset="0"/>
+              </a:rPr>
+              <a:t>shirtID</a:t>
             </a:r>
             <a:r>
               <a:rPr lang="en-US" sz="1600" dirty="0">
-                <a:solidFill>
-                  <a:srgbClr val="2A00FF"/>
-                </a:solidFill>
-                <a:latin typeface="Consolas" pitchFamily="49" charset="0"/>
-                <a:ea typeface="Calibri"/>
-                <a:cs typeface="Consolas" pitchFamily="49" charset="0"/>
-              </a:rPr>
-              <a:t>"Shirt ID: "</a:t>
-            </a:r>
-            <a:r>
-              <a:rPr lang="en-US" sz="1600" dirty="0">
-                <a:solidFill>
-                  <a:srgbClr val="000000"/>
-                </a:solidFill>
-                <a:latin typeface="Consolas" pitchFamily="49" charset="0"/>
-                <a:ea typeface="Calibri"/>
-                <a:cs typeface="Consolas" pitchFamily="49" charset="0"/>
-              </a:rPr>
-              <a:t> + </a:t>
-            </a:r>
-            <a:r>
-              <a:rPr lang="en-US" sz="1600" dirty="0" err="1">
-                <a:solidFill>
-                  <a:srgbClr val="000000"/>
-                </a:solidFill>
-                <a:latin typeface="Consolas" pitchFamily="49" charset="0"/>
-                <a:ea typeface="Calibri"/>
-                <a:cs typeface="Consolas" pitchFamily="49" charset="0"/>
-              </a:rPr>
-              <a:t>shirtID</a:t>
-            </a:r>
-            <a:r>
-              <a:rPr lang="en-US" sz="1600" dirty="0">
-                <a:solidFill>
-                  <a:srgbClr val="000000"/>
-                </a:solidFill>
                 <a:latin typeface="Consolas" pitchFamily="49" charset="0"/>
                 <a:ea typeface="Calibri"/>
                 <a:cs typeface="Consolas" pitchFamily="49" charset="0"/>
@@ -5954,9 +5546,6 @@
             </a:pPr>
             <a:r>
               <a:rPr lang="en-US" sz="1600" dirty="0">
-                <a:solidFill>
-                  <a:srgbClr val="000000"/>
-                </a:solidFill>
                 <a:latin typeface="Consolas" pitchFamily="49" charset="0"/>
                 <a:ea typeface="Calibri"/>
                 <a:cs typeface="Consolas" pitchFamily="49" charset="0"/>
@@ -5965,9 +5554,6 @@
             </a:r>
             <a:r>
               <a:rPr lang="en-US" sz="1600" dirty="0" err="1">
-                <a:solidFill>
-                  <a:srgbClr val="000000"/>
-                </a:solidFill>
                 <a:highlight>
                   <a:srgbClr val="C0C0C0"/>
                 </a:highlight>
@@ -5979,9 +5565,6 @@
             </a:r>
             <a:r>
               <a:rPr lang="en-US" sz="1600" dirty="0" err="1">
-                <a:solidFill>
-                  <a:srgbClr val="000000"/>
-                </a:solidFill>
                 <a:latin typeface="Consolas" pitchFamily="49" charset="0"/>
                 <a:ea typeface="Calibri"/>
                 <a:cs typeface="Consolas" pitchFamily="49" charset="0"/>
@@ -5990,9 +5573,6 @@
             </a:r>
             <a:r>
               <a:rPr lang="en-US" sz="1600" i="1" dirty="0" err="1">
-                <a:solidFill>
-                  <a:srgbClr val="0000C0"/>
-                </a:solidFill>
                 <a:latin typeface="Consolas" pitchFamily="49" charset="0"/>
                 <a:ea typeface="Calibri"/>
                 <a:cs typeface="Consolas" pitchFamily="49" charset="0"/>
@@ -6001,9 +5581,6 @@
             </a:r>
             <a:r>
               <a:rPr lang="en-US" sz="1600" dirty="0" err="1">
-                <a:solidFill>
-                  <a:srgbClr val="000000"/>
-                </a:solidFill>
                 <a:latin typeface="Consolas" pitchFamily="49" charset="0"/>
                 <a:ea typeface="Calibri"/>
                 <a:cs typeface="Consolas" pitchFamily="49" charset="0"/>
@@ -6012,36 +5589,11 @@
             </a:r>
             <a:r>
               <a:rPr lang="en-US" sz="1600" dirty="0">
-                <a:solidFill>
-                  <a:srgbClr val="000000"/>
-                </a:solidFill>
-                <a:latin typeface="Consolas" pitchFamily="49" charset="0"/>
-                <a:ea typeface="Calibri"/>
-                <a:cs typeface="Consolas" pitchFamily="49" charset="0"/>
-              </a:rPr>
-              <a:t>(</a:t>
-            </a:r>
-            <a:r>
-              <a:rPr lang="en-US" sz="1600" dirty="0">
-                <a:solidFill>
-                  <a:srgbClr val="2A00FF"/>
-                </a:solidFill>
-                <a:latin typeface="Consolas" pitchFamily="49" charset="0"/>
-                <a:ea typeface="Calibri"/>
-                <a:cs typeface="Consolas" pitchFamily="49" charset="0"/>
-              </a:rPr>
-              <a:t>"Shirt description:"</a:t>
-            </a:r>
-            <a:r>
-              <a:rPr lang="en-US" sz="1600" dirty="0">
-                <a:solidFill>
-                  <a:srgbClr val="000000"/>
-                </a:solidFill>
-                <a:latin typeface="Consolas" pitchFamily="49" charset="0"/>
-                <a:ea typeface="Calibri"/>
-                <a:cs typeface="Consolas" pitchFamily="49" charset="0"/>
-              </a:rPr>
-              <a:t> + description);</a:t>
+                <a:latin typeface="Consolas" pitchFamily="49" charset="0"/>
+                <a:ea typeface="Calibri"/>
+                <a:cs typeface="Consolas" pitchFamily="49" charset="0"/>
+              </a:rPr>
+              <a:t>("Shirt description:" + description);</a:t>
             </a:r>
             <a:endParaRPr lang="pt-BR" sz="1600" dirty="0">
               <a:latin typeface="Consolas" pitchFamily="49" charset="0"/>
@@ -6060,9 +5612,6 @@
             </a:pPr>
             <a:r>
               <a:rPr lang="en-US" sz="1600" dirty="0">
-                <a:solidFill>
-                  <a:srgbClr val="000000"/>
-                </a:solidFill>
                 <a:latin typeface="Consolas" pitchFamily="49" charset="0"/>
                 <a:ea typeface="Calibri"/>
                 <a:cs typeface="Consolas" pitchFamily="49" charset="0"/>
@@ -6071,9 +5620,6 @@
             </a:r>
             <a:r>
               <a:rPr lang="en-US" sz="1600" dirty="0" err="1">
-                <a:solidFill>
-                  <a:srgbClr val="000000"/>
-                </a:solidFill>
                 <a:highlight>
                   <a:srgbClr val="C0C0C0"/>
                 </a:highlight>
@@ -6085,9 +5631,6 @@
             </a:r>
             <a:r>
               <a:rPr lang="en-US" sz="1600" dirty="0" err="1">
-                <a:solidFill>
-                  <a:srgbClr val="000000"/>
-                </a:solidFill>
                 <a:latin typeface="Consolas" pitchFamily="49" charset="0"/>
                 <a:ea typeface="Calibri"/>
                 <a:cs typeface="Consolas" pitchFamily="49" charset="0"/>
@@ -6096,9 +5639,6 @@
             </a:r>
             <a:r>
               <a:rPr lang="en-US" sz="1600" i="1" dirty="0" err="1">
-                <a:solidFill>
-                  <a:srgbClr val="0000C0"/>
-                </a:solidFill>
                 <a:latin typeface="Consolas" pitchFamily="49" charset="0"/>
                 <a:ea typeface="Calibri"/>
                 <a:cs typeface="Consolas" pitchFamily="49" charset="0"/>
@@ -6107,9 +5647,6 @@
             </a:r>
             <a:r>
               <a:rPr lang="en-US" sz="1600" dirty="0" err="1">
-                <a:solidFill>
-                  <a:srgbClr val="000000"/>
-                </a:solidFill>
                 <a:latin typeface="Consolas" pitchFamily="49" charset="0"/>
                 <a:ea typeface="Calibri"/>
                 <a:cs typeface="Consolas" pitchFamily="49" charset="0"/>
@@ -6118,53 +5655,22 @@
             </a:r>
             <a:r>
               <a:rPr lang="en-US" sz="1600" dirty="0">
-                <a:solidFill>
-                  <a:srgbClr val="000000"/>
-                </a:solidFill>
-                <a:latin typeface="Consolas" pitchFamily="49" charset="0"/>
-                <a:ea typeface="Calibri"/>
-                <a:cs typeface="Consolas" pitchFamily="49" charset="0"/>
-              </a:rPr>
-              <a:t>(</a:t>
+                <a:latin typeface="Consolas" pitchFamily="49" charset="0"/>
+                <a:ea typeface="Calibri"/>
+                <a:cs typeface="Consolas" pitchFamily="49" charset="0"/>
+              </a:rPr>
+              <a:t>("Color Code: " + </a:t>
+            </a:r>
+            <a:r>
+              <a:rPr lang="en-US" sz="1600" dirty="0" err="1">
+                <a:latin typeface="Consolas" pitchFamily="49" charset="0"/>
+                <a:ea typeface="Calibri"/>
+                <a:cs typeface="Consolas" pitchFamily="49" charset="0"/>
+              </a:rPr>
+              <a:t>colorCode</a:t>
             </a:r>
             <a:r>
               <a:rPr lang="en-US" sz="1600" dirty="0">
-                <a:solidFill>
-                  <a:srgbClr val="2A00FF"/>
-                </a:solidFill>
-                <a:latin typeface="Consolas" pitchFamily="49" charset="0"/>
-                <a:ea typeface="Calibri"/>
-                <a:cs typeface="Consolas" pitchFamily="49" charset="0"/>
-              </a:rPr>
-              <a:t>"Color Code: "</a:t>
-            </a:r>
-            <a:r>
-              <a:rPr lang="en-US" sz="1600" dirty="0">
-                <a:solidFill>
-                  <a:srgbClr val="000000"/>
-                </a:solidFill>
-                <a:latin typeface="Consolas" pitchFamily="49" charset="0"/>
-                <a:ea typeface="Calibri"/>
-                <a:cs typeface="Consolas" pitchFamily="49" charset="0"/>
-              </a:rPr>
-              <a:t> + </a:t>
-            </a:r>
-            <a:r>
-              <a:rPr lang="en-US" sz="1600" dirty="0" err="1">
-                <a:solidFill>
-                  <a:srgbClr val="000000"/>
-                </a:solidFill>
-                <a:latin typeface="Consolas" pitchFamily="49" charset="0"/>
-                <a:ea typeface="Calibri"/>
-                <a:cs typeface="Consolas" pitchFamily="49" charset="0"/>
-              </a:rPr>
-              <a:t>colorCode</a:t>
-            </a:r>
-            <a:r>
-              <a:rPr lang="en-US" sz="1600" dirty="0">
-                <a:solidFill>
-                  <a:srgbClr val="000000"/>
-                </a:solidFill>
                 <a:latin typeface="Consolas" pitchFamily="49" charset="0"/>
                 <a:ea typeface="Calibri"/>
                 <a:cs typeface="Consolas" pitchFamily="49" charset="0"/>
@@ -6188,9 +5694,6 @@
             </a:pPr>
             <a:r>
               <a:rPr lang="en-US" sz="1600" dirty="0">
-                <a:solidFill>
-                  <a:srgbClr val="000000"/>
-                </a:solidFill>
                 <a:latin typeface="Consolas" pitchFamily="49" charset="0"/>
                 <a:ea typeface="Calibri"/>
                 <a:cs typeface="Consolas" pitchFamily="49" charset="0"/>
@@ -6199,9 +5702,6 @@
             </a:r>
             <a:r>
               <a:rPr lang="en-US" sz="1600" dirty="0" err="1">
-                <a:solidFill>
-                  <a:srgbClr val="000000"/>
-                </a:solidFill>
                 <a:highlight>
                   <a:srgbClr val="C0C0C0"/>
                 </a:highlight>
@@ -6213,9 +5713,6 @@
             </a:r>
             <a:r>
               <a:rPr lang="en-US" sz="1600" dirty="0" err="1">
-                <a:solidFill>
-                  <a:srgbClr val="000000"/>
-                </a:solidFill>
                 <a:latin typeface="Consolas" pitchFamily="49" charset="0"/>
                 <a:ea typeface="Calibri"/>
                 <a:cs typeface="Consolas" pitchFamily="49" charset="0"/>
@@ -6224,9 +5721,6 @@
             </a:r>
             <a:r>
               <a:rPr lang="en-US" sz="1600" i="1" dirty="0" err="1">
-                <a:solidFill>
-                  <a:srgbClr val="0000C0"/>
-                </a:solidFill>
                 <a:latin typeface="Consolas" pitchFamily="49" charset="0"/>
                 <a:ea typeface="Calibri"/>
                 <a:cs typeface="Consolas" pitchFamily="49" charset="0"/>
@@ -6235,9 +5729,6 @@
             </a:r>
             <a:r>
               <a:rPr lang="en-US" sz="1600" dirty="0" err="1">
-                <a:solidFill>
-                  <a:srgbClr val="000000"/>
-                </a:solidFill>
                 <a:latin typeface="Consolas" pitchFamily="49" charset="0"/>
                 <a:ea typeface="Calibri"/>
                 <a:cs typeface="Consolas" pitchFamily="49" charset="0"/>
@@ -6246,36 +5737,11 @@
             </a:r>
             <a:r>
               <a:rPr lang="en-US" sz="1600" dirty="0">
-                <a:solidFill>
-                  <a:srgbClr val="000000"/>
-                </a:solidFill>
-                <a:latin typeface="Consolas" pitchFamily="49" charset="0"/>
-                <a:ea typeface="Calibri"/>
-                <a:cs typeface="Consolas" pitchFamily="49" charset="0"/>
-              </a:rPr>
-              <a:t>(</a:t>
-            </a:r>
-            <a:r>
-              <a:rPr lang="en-US" sz="1600" dirty="0">
-                <a:solidFill>
-                  <a:srgbClr val="2A00FF"/>
-                </a:solidFill>
-                <a:latin typeface="Consolas" pitchFamily="49" charset="0"/>
-                <a:ea typeface="Calibri"/>
-                <a:cs typeface="Consolas" pitchFamily="49" charset="0"/>
-              </a:rPr>
-              <a:t>"Shirt price: "</a:t>
-            </a:r>
-            <a:r>
-              <a:rPr lang="en-US" sz="1600" dirty="0">
-                <a:solidFill>
-                  <a:srgbClr val="000000"/>
-                </a:solidFill>
-                <a:latin typeface="Consolas" pitchFamily="49" charset="0"/>
-                <a:ea typeface="Calibri"/>
-                <a:cs typeface="Consolas" pitchFamily="49" charset="0"/>
-              </a:rPr>
-              <a:t> + price);</a:t>
+                <a:latin typeface="Consolas" pitchFamily="49" charset="0"/>
+                <a:ea typeface="Calibri"/>
+                <a:cs typeface="Consolas" pitchFamily="49" charset="0"/>
+              </a:rPr>
+              <a:t>("Shirt price: " + price);</a:t>
             </a:r>
             <a:endParaRPr lang="pt-BR" sz="1600" dirty="0">
               <a:latin typeface="Consolas" pitchFamily="49" charset="0"/>
@@ -6294,9 +5760,6 @@
             </a:pPr>
             <a:r>
               <a:rPr lang="en-US" sz="1600" dirty="0">
-                <a:solidFill>
-                  <a:srgbClr val="000000"/>
-                </a:solidFill>
                 <a:latin typeface="Consolas" pitchFamily="49" charset="0"/>
                 <a:ea typeface="Calibri"/>
                 <a:cs typeface="Consolas" pitchFamily="49" charset="0"/>
@@ -6305,9 +5768,6 @@
             </a:r>
             <a:r>
               <a:rPr lang="en-US" sz="1600" dirty="0" err="1">
-                <a:solidFill>
-                  <a:srgbClr val="000000"/>
-                </a:solidFill>
                 <a:highlight>
                   <a:srgbClr val="C0C0C0"/>
                 </a:highlight>
@@ -6319,9 +5779,6 @@
             </a:r>
             <a:r>
               <a:rPr lang="en-US" sz="1600" dirty="0" err="1">
-                <a:solidFill>
-                  <a:srgbClr val="000000"/>
-                </a:solidFill>
                 <a:latin typeface="Consolas" pitchFamily="49" charset="0"/>
                 <a:ea typeface="Calibri"/>
                 <a:cs typeface="Consolas" pitchFamily="49" charset="0"/>
@@ -6330,9 +5787,6 @@
             </a:r>
             <a:r>
               <a:rPr lang="en-US" sz="1600" i="1" dirty="0" err="1">
-                <a:solidFill>
-                  <a:srgbClr val="0000C0"/>
-                </a:solidFill>
                 <a:latin typeface="Consolas" pitchFamily="49" charset="0"/>
                 <a:ea typeface="Calibri"/>
                 <a:cs typeface="Consolas" pitchFamily="49" charset="0"/>
@@ -6341,9 +5795,6 @@
             </a:r>
             <a:r>
               <a:rPr lang="en-US" sz="1600" dirty="0" err="1">
-                <a:solidFill>
-                  <a:srgbClr val="000000"/>
-                </a:solidFill>
                 <a:latin typeface="Consolas" pitchFamily="49" charset="0"/>
                 <a:ea typeface="Calibri"/>
                 <a:cs typeface="Consolas" pitchFamily="49" charset="0"/>
@@ -6352,53 +5803,22 @@
             </a:r>
             <a:r>
               <a:rPr lang="en-US" sz="1600" dirty="0">
-                <a:solidFill>
-                  <a:srgbClr val="000000"/>
-                </a:solidFill>
-                <a:latin typeface="Consolas" pitchFamily="49" charset="0"/>
-                <a:ea typeface="Calibri"/>
-                <a:cs typeface="Consolas" pitchFamily="49" charset="0"/>
-              </a:rPr>
-              <a:t>(</a:t>
+                <a:latin typeface="Consolas" pitchFamily="49" charset="0"/>
+                <a:ea typeface="Calibri"/>
+                <a:cs typeface="Consolas" pitchFamily="49" charset="0"/>
+              </a:rPr>
+              <a:t>("Quantity in stock: " + </a:t>
+            </a:r>
+            <a:r>
+              <a:rPr lang="en-US" sz="1600" dirty="0" err="1">
+                <a:latin typeface="Consolas" pitchFamily="49" charset="0"/>
+                <a:ea typeface="Calibri"/>
+                <a:cs typeface="Consolas" pitchFamily="49" charset="0"/>
+              </a:rPr>
+              <a:t>quantityInStock</a:t>
             </a:r>
             <a:r>
               <a:rPr lang="en-US" sz="1600" dirty="0">
-                <a:solidFill>
-                  <a:srgbClr val="2A00FF"/>
-                </a:solidFill>
-                <a:latin typeface="Consolas" pitchFamily="49" charset="0"/>
-                <a:ea typeface="Calibri"/>
-                <a:cs typeface="Consolas" pitchFamily="49" charset="0"/>
-              </a:rPr>
-              <a:t>"Quantity in stock: "</a:t>
-            </a:r>
-            <a:r>
-              <a:rPr lang="en-US" sz="1600" dirty="0">
-                <a:solidFill>
-                  <a:srgbClr val="000000"/>
-                </a:solidFill>
-                <a:latin typeface="Consolas" pitchFamily="49" charset="0"/>
-                <a:ea typeface="Calibri"/>
-                <a:cs typeface="Consolas" pitchFamily="49" charset="0"/>
-              </a:rPr>
-              <a:t> + </a:t>
-            </a:r>
-            <a:r>
-              <a:rPr lang="en-US" sz="1600" dirty="0" err="1">
-                <a:solidFill>
-                  <a:srgbClr val="000000"/>
-                </a:solidFill>
-                <a:latin typeface="Consolas" pitchFamily="49" charset="0"/>
-                <a:ea typeface="Calibri"/>
-                <a:cs typeface="Consolas" pitchFamily="49" charset="0"/>
-              </a:rPr>
-              <a:t>quantityInStock</a:t>
-            </a:r>
-            <a:r>
-              <a:rPr lang="en-US" sz="1600" dirty="0">
-                <a:solidFill>
-                  <a:srgbClr val="000000"/>
-                </a:solidFill>
                 <a:latin typeface="Consolas" pitchFamily="49" charset="0"/>
                 <a:ea typeface="Calibri"/>
                 <a:cs typeface="Consolas" pitchFamily="49" charset="0"/>
@@ -6414,75 +5834,46 @@
           <a:p>
             <a:r>
               <a:rPr lang="pt-BR" sz="1600" dirty="0">
-                <a:solidFill>
-                  <a:srgbClr val="000000"/>
-                </a:solidFill>
-                <a:latin typeface="Consolas" pitchFamily="49" charset="0"/>
-                <a:ea typeface="Calibri"/>
-                <a:cs typeface="Consolas" pitchFamily="49" charset="0"/>
-              </a:rPr>
-              <a:t>} </a:t>
+                <a:latin typeface="Consolas" pitchFamily="49" charset="0"/>
+                <a:ea typeface="Calibri"/>
+                <a:cs typeface="Consolas" pitchFamily="49" charset="0"/>
+              </a:rPr>
+              <a:t>} // </a:t>
+            </a:r>
+            <a:r>
+              <a:rPr lang="pt-BR" sz="1600" dirty="0" err="1">
+                <a:latin typeface="Consolas" pitchFamily="49" charset="0"/>
+                <a:ea typeface="Calibri"/>
+                <a:cs typeface="Consolas" pitchFamily="49" charset="0"/>
+              </a:rPr>
+              <a:t>end</a:t>
             </a:r>
             <a:r>
               <a:rPr lang="pt-BR" sz="1600" dirty="0">
-                <a:solidFill>
-                  <a:srgbClr val="3F7F5F"/>
-                </a:solidFill>
-                <a:latin typeface="Consolas" pitchFamily="49" charset="0"/>
-                <a:ea typeface="Calibri"/>
-                <a:cs typeface="Consolas" pitchFamily="49" charset="0"/>
-              </a:rPr>
-              <a:t>// </a:t>
+                <a:latin typeface="Consolas" pitchFamily="49" charset="0"/>
+                <a:ea typeface="Calibri"/>
+                <a:cs typeface="Consolas" pitchFamily="49" charset="0"/>
+              </a:rPr>
+              <a:t> </a:t>
             </a:r>
             <a:r>
               <a:rPr lang="pt-BR" sz="1600" dirty="0" err="1">
-                <a:solidFill>
-                  <a:srgbClr val="3F7F5F"/>
-                </a:solidFill>
-                <a:latin typeface="Consolas" pitchFamily="49" charset="0"/>
-                <a:ea typeface="Calibri"/>
-                <a:cs typeface="Consolas" pitchFamily="49" charset="0"/>
-              </a:rPr>
-              <a:t>end</a:t>
+                <a:latin typeface="Consolas" pitchFamily="49" charset="0"/>
+                <a:ea typeface="Calibri"/>
+                <a:cs typeface="Consolas" pitchFamily="49" charset="0"/>
+              </a:rPr>
+              <a:t>of</a:t>
             </a:r>
             <a:r>
               <a:rPr lang="pt-BR" sz="1600" dirty="0">
-                <a:solidFill>
-                  <a:srgbClr val="3F7F5F"/>
-                </a:solidFill>
-                <a:latin typeface="Consolas" pitchFamily="49" charset="0"/>
-                <a:ea typeface="Calibri"/>
-                <a:cs typeface="Consolas" pitchFamily="49" charset="0"/>
-              </a:rPr>
-              <a:t> </a:t>
+                <a:latin typeface="Consolas" pitchFamily="49" charset="0"/>
+                <a:ea typeface="Calibri"/>
+                <a:cs typeface="Consolas" pitchFamily="49" charset="0"/>
+              </a:rPr>
+              <a:t> display </a:t>
             </a:r>
             <a:r>
               <a:rPr lang="pt-BR" sz="1600" dirty="0" err="1">
-                <a:solidFill>
-                  <a:srgbClr val="3F7F5F"/>
-                </a:solidFill>
-                <a:latin typeface="Consolas" pitchFamily="49" charset="0"/>
-                <a:ea typeface="Calibri"/>
-                <a:cs typeface="Consolas" pitchFamily="49" charset="0"/>
-              </a:rPr>
-              <a:t>of</a:t>
-            </a:r>
-            <a:r>
-              <a:rPr lang="pt-BR" sz="1600" dirty="0">
-                <a:solidFill>
-                  <a:srgbClr val="3F7F5F"/>
-                </a:solidFill>
-                <a:latin typeface="Consolas" pitchFamily="49" charset="0"/>
-                <a:ea typeface="Calibri"/>
-                <a:cs typeface="Consolas" pitchFamily="49" charset="0"/>
-              </a:rPr>
-              <a:t> display </a:t>
-            </a:r>
-            <a:r>
-              <a:rPr lang="pt-BR" sz="1600" dirty="0" err="1">
-                <a:solidFill>
-                  <a:srgbClr val="3F7F5F"/>
-                </a:solidFill>
                 <a:latin typeface="Consolas" pitchFamily="49" charset="0"/>
                 <a:ea typeface="Calibri"/>
                 <a:cs typeface="Consolas" pitchFamily="49" charset="0"/>
@@ -6490,9 +5881,6 @@
               <a:t>method</a:t>
             </a:r>
             <a:endParaRPr lang="pt-BR" sz="1600" dirty="0" smtClean="0">
-              <a:solidFill>
-                <a:srgbClr val="000000"/>
-              </a:solidFill>
               <a:latin typeface="Consolas" pitchFamily="49" charset="0"/>
               <a:ea typeface="Calibri"/>
               <a:cs typeface="Consolas" pitchFamily="49" charset="0"/>
@@ -6503,7 +5891,7 @@
     </p:spTree>
     <p:extLst>
       <p:ext uri="{BB962C8B-B14F-4D97-AF65-F5344CB8AC3E}">
-        <p14:creationId xmlns="" xmlns:p14="http://schemas.microsoft.com/office/powerpoint/2010/main" val="1893529985"/>
+        <p14:creationId xmlns:p14="http://schemas.microsoft.com/office/powerpoint/2010/main" val="1893529985"/>
       </p:ext>
     </p:extLst>
   </p:cSld>
@@ -6606,65 +5994,23 @@
               </a:spcAft>
             </a:pPr>
             <a:r>
-              <a:rPr lang="en-US" sz="1600" b="1" dirty="0">
-                <a:solidFill>
-                  <a:srgbClr val="7F0055"/>
-                </a:solidFill>
+              <a:rPr lang="en-US" sz="1600" dirty="0">
                 <a:latin typeface="Courier New"/>
                 <a:ea typeface="Calibri"/>
                 <a:cs typeface="Times New Roman"/>
               </a:rPr>
-              <a:t>public</a:t>
+              <a:t>public class </a:t>
+            </a:r>
+            <a:r>
+              <a:rPr lang="en-US" sz="1600" dirty="0" err="1">
+                <a:latin typeface="Courier New"/>
+                <a:ea typeface="Calibri"/>
+                <a:cs typeface="Times New Roman"/>
+              </a:rPr>
+              <a:t>ShirtTest</a:t>
             </a:r>
             <a:r>
               <a:rPr lang="en-US" sz="1600" dirty="0">
-                <a:solidFill>
-                  <a:srgbClr val="000000"/>
-                </a:solidFill>
-                <a:latin typeface="Courier New"/>
-                <a:ea typeface="Calibri"/>
-                <a:cs typeface="Times New Roman"/>
-              </a:rPr>
-              <a:t> </a:t>
-            </a:r>
-            <a:r>
-              <a:rPr lang="en-US" sz="1600" b="1" dirty="0">
-                <a:solidFill>
-                  <a:srgbClr val="7F0055"/>
-                </a:solidFill>
-                <a:latin typeface="Courier New"/>
-                <a:ea typeface="Calibri"/>
-                <a:cs typeface="Times New Roman"/>
-              </a:rPr>
-              <a:t>class</a:t>
-            </a:r>
-            <a:r>
-              <a:rPr lang="en-US" sz="1600" dirty="0">
-                <a:solidFill>
-                  <a:srgbClr val="000000"/>
-                </a:solidFill>
-                <a:latin typeface="Courier New"/>
-                <a:ea typeface="Calibri"/>
-                <a:cs typeface="Times New Roman"/>
-              </a:rPr>
-              <a:t> </a:t>
-            </a:r>
-            <a:r>
-              <a:rPr lang="en-US" sz="1600" dirty="0" err="1">
-                <a:solidFill>
-                  <a:srgbClr val="000000"/>
-                </a:solidFill>
-                <a:latin typeface="Courier New"/>
-                <a:ea typeface="Calibri"/>
-                <a:cs typeface="Times New Roman"/>
-              </a:rPr>
-              <a:t>ShirtTest</a:t>
-            </a:r>
-            <a:r>
-              <a:rPr lang="en-US" sz="1600" dirty="0">
-                <a:solidFill>
-                  <a:srgbClr val="000000"/>
-                </a:solidFill>
                 <a:latin typeface="Courier New"/>
                 <a:ea typeface="Calibri"/>
                 <a:cs typeface="Times New Roman"/>
@@ -6687,97 +6033,22 @@
             </a:pPr>
             <a:r>
               <a:rPr lang="en-US" sz="1600" dirty="0">
-                <a:solidFill>
-                  <a:srgbClr val="000000"/>
-                </a:solidFill>
                 <a:latin typeface="Courier New"/>
                 <a:ea typeface="Calibri"/>
                 <a:cs typeface="Times New Roman"/>
               </a:rPr>
-              <a:t>	</a:t>
-            </a:r>
-            <a:r>
-              <a:rPr lang="en-US" sz="1600" b="1" dirty="0">
-                <a:solidFill>
-                  <a:srgbClr val="7F0055"/>
-                </a:solidFill>
+              <a:t>	public static void main(String </a:t>
+            </a:r>
+            <a:r>
+              <a:rPr lang="en-US" sz="1600" dirty="0" err="1">
                 <a:latin typeface="Courier New"/>
                 <a:ea typeface="Calibri"/>
                 <a:cs typeface="Times New Roman"/>
               </a:rPr>
-              <a:t>public</a:t>
+              <a:t>args</a:t>
             </a:r>
             <a:r>
               <a:rPr lang="en-US" sz="1600" dirty="0">
-                <a:solidFill>
-                  <a:srgbClr val="000000"/>
-                </a:solidFill>
-                <a:latin typeface="Courier New"/>
-                <a:ea typeface="Calibri"/>
-                <a:cs typeface="Times New Roman"/>
-              </a:rPr>
-              <a:t> </a:t>
-            </a:r>
-            <a:r>
-              <a:rPr lang="en-US" sz="1600" b="1" dirty="0">
-                <a:solidFill>
-                  <a:srgbClr val="7F0055"/>
-                </a:solidFill>
-                <a:latin typeface="Courier New"/>
-                <a:ea typeface="Calibri"/>
-                <a:cs typeface="Times New Roman"/>
-              </a:rPr>
-              <a:t>static</a:t>
-            </a:r>
-            <a:r>
-              <a:rPr lang="en-US" sz="1600" dirty="0">
-                <a:solidFill>
-                  <a:srgbClr val="000000"/>
-                </a:solidFill>
-                <a:latin typeface="Courier New"/>
-                <a:ea typeface="Calibri"/>
-                <a:cs typeface="Times New Roman"/>
-              </a:rPr>
-              <a:t> </a:t>
-            </a:r>
-            <a:r>
-              <a:rPr lang="en-US" sz="1600" b="1" dirty="0">
-                <a:solidFill>
-                  <a:srgbClr val="7F0055"/>
-                </a:solidFill>
-                <a:latin typeface="Courier New"/>
-                <a:ea typeface="Calibri"/>
-                <a:cs typeface="Times New Roman"/>
-              </a:rPr>
-              <a:t>void</a:t>
-            </a:r>
-            <a:r>
-              <a:rPr lang="en-US" sz="1600" dirty="0">
-                <a:solidFill>
-                  <a:srgbClr val="000000"/>
-                </a:solidFill>
-                <a:latin typeface="Courier New"/>
-                <a:ea typeface="Calibri"/>
-                <a:cs typeface="Times New Roman"/>
-              </a:rPr>
-              <a:t> main(String </a:t>
-            </a:r>
-            <a:r>
-              <a:rPr lang="en-US" sz="1600" dirty="0" err="1">
-                <a:solidFill>
-                  <a:srgbClr val="000000"/>
-                </a:solidFill>
-                <a:latin typeface="Courier New"/>
-                <a:ea typeface="Calibri"/>
-                <a:cs typeface="Times New Roman"/>
-              </a:rPr>
-              <a:t>args</a:t>
-            </a:r>
-            <a:r>
-              <a:rPr lang="en-US" sz="1600" dirty="0">
-                <a:solidFill>
-                  <a:srgbClr val="000000"/>
-                </a:solidFill>
                 <a:latin typeface="Courier New"/>
                 <a:ea typeface="Calibri"/>
                 <a:cs typeface="Times New Roman"/>
@@ -6800,9 +6071,6 @@
             </a:pPr>
             <a:r>
               <a:rPr lang="en-US" sz="1600" dirty="0">
-                <a:solidFill>
-                  <a:srgbClr val="000000"/>
-                </a:solidFill>
                 <a:latin typeface="Courier New"/>
                 <a:ea typeface="Calibri"/>
                 <a:cs typeface="Times New Roman"/>
@@ -6811,9 +6079,6 @@
             </a:r>
             <a:r>
               <a:rPr lang="en-US" sz="1600" dirty="0" err="1">
-                <a:solidFill>
-                  <a:srgbClr val="000000"/>
-                </a:solidFill>
                 <a:latin typeface="Courier New"/>
                 <a:ea typeface="Calibri"/>
                 <a:cs typeface="Times New Roman"/>
@@ -6822,9 +6087,6 @@
             </a:r>
             <a:r>
               <a:rPr lang="en-US" sz="1600" dirty="0">
-                <a:solidFill>
-                  <a:srgbClr val="000000"/>
-                </a:solidFill>
                 <a:latin typeface="Courier New"/>
                 <a:ea typeface="Calibri"/>
                 <a:cs typeface="Times New Roman"/>
@@ -6847,9 +6109,6 @@
             </a:pPr>
             <a:r>
               <a:rPr lang="en-US" sz="1600" dirty="0">
-                <a:solidFill>
-                  <a:srgbClr val="000000"/>
-                </a:solidFill>
                 <a:latin typeface="Courier New"/>
                 <a:ea typeface="Calibri"/>
                 <a:cs typeface="Times New Roman"/>
@@ -6858,9 +6117,6 @@
             </a:r>
             <a:r>
               <a:rPr lang="en-US" sz="1600" dirty="0" err="1" smtClean="0">
-                <a:solidFill>
-                  <a:srgbClr val="000000"/>
-                </a:solidFill>
                 <a:latin typeface="Courier New"/>
                 <a:ea typeface="Calibri"/>
                 <a:cs typeface="Times New Roman"/>
@@ -6869,9 +6125,6 @@
             </a:r>
             <a:r>
               <a:rPr lang="en-US" sz="1600" dirty="0" smtClean="0">
-                <a:solidFill>
-                  <a:srgbClr val="000000"/>
-                </a:solidFill>
                 <a:latin typeface="Courier New"/>
                 <a:ea typeface="Calibri"/>
                 <a:cs typeface="Times New Roman"/>
@@ -6880,36 +6133,11 @@
             </a:r>
             <a:r>
               <a:rPr lang="en-US" sz="1600" dirty="0">
-                <a:solidFill>
-                  <a:srgbClr val="000000"/>
-                </a:solidFill>
                 <a:latin typeface="Courier New"/>
                 <a:ea typeface="Calibri"/>
                 <a:cs typeface="Times New Roman"/>
               </a:rPr>
-              <a:t>= </a:t>
-            </a:r>
-            <a:r>
-              <a:rPr lang="en-US" sz="1600" b="1" dirty="0">
-                <a:solidFill>
-                  <a:srgbClr val="7F0055"/>
-                </a:solidFill>
-                <a:latin typeface="Courier New"/>
-                <a:ea typeface="Calibri"/>
-                <a:cs typeface="Times New Roman"/>
-              </a:rPr>
-              <a:t>new</a:t>
-            </a:r>
-            <a:r>
-              <a:rPr lang="en-US" sz="1600" dirty="0">
-                <a:solidFill>
-                  <a:srgbClr val="000000"/>
-                </a:solidFill>
-                <a:latin typeface="Courier New"/>
-                <a:ea typeface="Calibri"/>
-                <a:cs typeface="Times New Roman"/>
-              </a:rPr>
-              <a:t> Shirt();</a:t>
+              <a:t>= new Shirt();</a:t>
             </a:r>
             <a:endParaRPr lang="pt-BR" sz="2000" dirty="0">
               <a:ea typeface="Calibri"/>
@@ -6927,9 +6155,6 @@
             </a:pPr>
             <a:r>
               <a:rPr lang="en-US" sz="1600" dirty="0">
-                <a:solidFill>
-                  <a:srgbClr val="000000"/>
-                </a:solidFill>
                 <a:latin typeface="Courier New"/>
                 <a:ea typeface="Calibri"/>
                 <a:cs typeface="Times New Roman"/>
@@ -6938,9 +6163,6 @@
             </a:r>
             <a:r>
               <a:rPr lang="pt-BR" sz="1600" dirty="0" err="1">
-                <a:solidFill>
-                  <a:srgbClr val="000000"/>
-                </a:solidFill>
                 <a:latin typeface="Courier New"/>
                 <a:ea typeface="Calibri"/>
                 <a:cs typeface="Times New Roman"/>
@@ -6949,9 +6171,6 @@
             </a:r>
             <a:r>
               <a:rPr lang="pt-BR" sz="1600" dirty="0">
-                <a:solidFill>
-                  <a:srgbClr val="000000"/>
-                </a:solidFill>
                 <a:latin typeface="Courier New"/>
                 <a:ea typeface="Calibri"/>
                 <a:cs typeface="Times New Roman"/>
@@ -6974,9 +6193,6 @@
             </a:pPr>
             <a:r>
               <a:rPr lang="pt-BR" sz="1600" dirty="0">
-                <a:solidFill>
-                  <a:srgbClr val="000000"/>
-                </a:solidFill>
                 <a:latin typeface="Courier New"/>
                 <a:ea typeface="Calibri"/>
                 <a:cs typeface="Times New Roman"/>
@@ -6998,10 +6214,7 @@
               </a:spcAft>
             </a:pPr>
             <a:r>
-              <a:rPr lang="pt-BR" sz="1600" dirty="0">
-                <a:solidFill>
-                  <a:srgbClr val="000000"/>
-                </a:solidFill>
+              <a:rPr lang="pt-BR" sz="1600" dirty="0" smtClean="0">
                 <a:latin typeface="Courier New"/>
                 <a:ea typeface="Calibri"/>
                 <a:cs typeface="Times New Roman"/>
@@ -7018,7 +6231,7 @@
     </p:spTree>
     <p:extLst>
       <p:ext uri="{BB962C8B-B14F-4D97-AF65-F5344CB8AC3E}">
-        <p14:creationId xmlns="" xmlns:p14="http://schemas.microsoft.com/office/powerpoint/2010/main" val="1275225332"/>
+        <p14:creationId xmlns:p14="http://schemas.microsoft.com/office/powerpoint/2010/main" val="1275225332"/>
       </p:ext>
     </p:extLst>
   </p:cSld>
@@ -7070,7 +6283,7 @@
           <a:p>
             <a:r>
               <a:rPr lang="en-US" dirty="0" err="1" smtClean="0"/>
-              <a:t>Sintax</a:t>
+              <a:t>Sintaxe</a:t>
             </a:r>
             <a:endParaRPr lang="pt-BR" dirty="0"/>
           </a:p>
@@ -7124,7 +6337,7 @@
         <p:spPr>
           <a:xfrm>
             <a:off x="1043608" y="2325823"/>
-            <a:ext cx="6192688" cy="1751249"/>
+            <a:ext cx="6192688" cy="1950277"/>
           </a:xfrm>
           <a:prstGeom prst="rect">
             <a:avLst/>
@@ -7156,97 +6369,37 @@
               </a:spcAft>
             </a:pPr>
             <a:r>
-              <a:rPr lang="en-US" b="1" dirty="0">
-                <a:solidFill>
-                  <a:srgbClr val="006699"/>
-                </a:solidFill>
+              <a:rPr lang="en-US" sz="1500" dirty="0">
                 <a:latin typeface="Consolas"/>
                 <a:ea typeface="Calibri"/>
                 <a:cs typeface="Times New Roman"/>
               </a:rPr>
-              <a:t>public</a:t>
-            </a:r>
-            <a:r>
-              <a:rPr lang="en-US" dirty="0">
-                <a:solidFill>
-                  <a:srgbClr val="000000"/>
-                </a:solidFill>
+              <a:t>public static void main(String[] </a:t>
+            </a:r>
+            <a:r>
+              <a:rPr lang="en-US" sz="1500" dirty="0" err="1">
                 <a:latin typeface="Consolas"/>
                 <a:ea typeface="Calibri"/>
                 <a:cs typeface="Times New Roman"/>
               </a:rPr>
-              <a:t> </a:t>
-            </a:r>
-            <a:r>
-              <a:rPr lang="en-US" b="1" dirty="0">
-                <a:solidFill>
-                  <a:srgbClr val="006699"/>
-                </a:solidFill>
+              <a:t>args</a:t>
+            </a:r>
+            <a:r>
+              <a:rPr lang="en-US" sz="1500" dirty="0">
                 <a:latin typeface="Consolas"/>
                 <a:ea typeface="Calibri"/>
                 <a:cs typeface="Times New Roman"/>
               </a:rPr>
-              <a:t>static</a:t>
-            </a:r>
-            <a:r>
-              <a:rPr lang="en-US" dirty="0">
-                <a:solidFill>
-                  <a:srgbClr val="000000"/>
-                </a:solidFill>
+              <a:t>) </a:t>
+            </a:r>
+            <a:r>
+              <a:rPr lang="en-US" sz="1500" dirty="0" smtClean="0">
                 <a:latin typeface="Consolas"/>
                 <a:ea typeface="Calibri"/>
                 <a:cs typeface="Times New Roman"/>
               </a:rPr>
-              <a:t> </a:t>
-            </a:r>
-            <a:r>
-              <a:rPr lang="en-US" b="1" dirty="0">
-                <a:solidFill>
-                  <a:srgbClr val="006699"/>
-                </a:solidFill>
-                <a:latin typeface="Consolas"/>
-                <a:ea typeface="Calibri"/>
-                <a:cs typeface="Times New Roman"/>
-              </a:rPr>
-              <a:t>void</a:t>
-            </a:r>
-            <a:r>
-              <a:rPr lang="en-US" dirty="0">
-                <a:solidFill>
-                  <a:srgbClr val="000000"/>
-                </a:solidFill>
-                <a:latin typeface="Consolas"/>
-                <a:ea typeface="Calibri"/>
-                <a:cs typeface="Times New Roman"/>
-              </a:rPr>
-              <a:t> main(String[] </a:t>
-            </a:r>
-            <a:r>
-              <a:rPr lang="en-US" dirty="0" err="1">
-                <a:solidFill>
-                  <a:srgbClr val="000000"/>
-                </a:solidFill>
-                <a:latin typeface="Consolas"/>
-                <a:ea typeface="Calibri"/>
-                <a:cs typeface="Times New Roman"/>
-              </a:rPr>
-              <a:t>args</a:t>
-            </a:r>
-            <a:r>
-              <a:rPr lang="en-US" dirty="0">
-                <a:solidFill>
-                  <a:srgbClr val="000000"/>
-                </a:solidFill>
-                <a:latin typeface="Consolas"/>
-                <a:ea typeface="Calibri"/>
-                <a:cs typeface="Times New Roman"/>
-              </a:rPr>
-              <a:t>) {}</a:t>
-            </a:r>
-            <a:endParaRPr lang="pt-BR" sz="2800" dirty="0">
-              <a:ea typeface="Calibri"/>
-              <a:cs typeface="Times New Roman"/>
-            </a:endParaRPr>
+              <a:t>{}</a:t>
+            </a:r>
           </a:p>
           <a:p>
             <a:pPr>
@@ -7258,94 +6411,46 @@
               </a:spcAft>
             </a:pPr>
             <a:r>
-              <a:rPr lang="en-US" b="1" dirty="0">
-                <a:solidFill>
-                  <a:srgbClr val="006699"/>
-                </a:solidFill>
+              <a:rPr lang="en-US" sz="1600" dirty="0">
                 <a:latin typeface="Consolas"/>
                 <a:ea typeface="Calibri"/>
                 <a:cs typeface="Times New Roman"/>
               </a:rPr>
-              <a:t>public</a:t>
-            </a:r>
-            <a:r>
-              <a:rPr lang="en-US" dirty="0">
-                <a:solidFill>
-                  <a:srgbClr val="000000"/>
-                </a:solidFill>
+              <a:t>public static void main(String</a:t>
+            </a:r>
+            <a:r>
+              <a:rPr lang="en-US" sz="1600" dirty="0" smtClean="0">
                 <a:latin typeface="Consolas"/>
                 <a:ea typeface="Calibri"/>
                 <a:cs typeface="Times New Roman"/>
               </a:rPr>
-              <a:t> </a:t>
-            </a:r>
-            <a:r>
-              <a:rPr lang="en-US" b="1" dirty="0">
-                <a:solidFill>
-                  <a:srgbClr val="006699"/>
-                </a:solidFill>
+              <a:t>[]</a:t>
+            </a:r>
+            <a:r>
+              <a:rPr lang="en-US" sz="1600" dirty="0" err="1" smtClean="0">
                 <a:latin typeface="Consolas"/>
                 <a:ea typeface="Calibri"/>
                 <a:cs typeface="Times New Roman"/>
               </a:rPr>
-              <a:t>static</a:t>
-            </a:r>
-            <a:r>
-              <a:rPr lang="en-US" dirty="0">
-                <a:solidFill>
-                  <a:srgbClr val="000000"/>
-                </a:solidFill>
+              <a:t>bargs</a:t>
+            </a:r>
+            <a:r>
+              <a:rPr lang="en-US" sz="1600" dirty="0">
                 <a:latin typeface="Consolas"/>
                 <a:ea typeface="Calibri"/>
                 <a:cs typeface="Times New Roman"/>
               </a:rPr>
-              <a:t> </a:t>
-            </a:r>
-            <a:r>
-              <a:rPr lang="en-US" b="1" dirty="0">
-                <a:solidFill>
-                  <a:srgbClr val="006699"/>
-                </a:solidFill>
+              <a:t>) </a:t>
+            </a:r>
+            <a:r>
+              <a:rPr lang="en-US" sz="1600" dirty="0" smtClean="0">
                 <a:latin typeface="Consolas"/>
                 <a:ea typeface="Calibri"/>
                 <a:cs typeface="Times New Roman"/>
               </a:rPr>
-              <a:t>void</a:t>
-            </a:r>
-            <a:r>
-              <a:rPr lang="en-US" dirty="0">
-                <a:solidFill>
-                  <a:srgbClr val="000000"/>
-                </a:solidFill>
-                <a:latin typeface="Consolas"/>
-                <a:ea typeface="Calibri"/>
-                <a:cs typeface="Times New Roman"/>
-              </a:rPr>
-              <a:t> main(String </a:t>
-            </a:r>
-            <a:r>
-              <a:rPr lang="en-US" dirty="0" err="1">
-                <a:solidFill>
-                  <a:srgbClr val="000000"/>
-                </a:solidFill>
-                <a:latin typeface="Consolas"/>
-                <a:ea typeface="Calibri"/>
-                <a:cs typeface="Times New Roman"/>
-              </a:rPr>
-              <a:t>args</a:t>
-            </a:r>
-            <a:r>
-              <a:rPr lang="en-US" dirty="0">
-                <a:solidFill>
-                  <a:srgbClr val="000000"/>
-                </a:solidFill>
-                <a:latin typeface="Consolas"/>
-                <a:ea typeface="Calibri"/>
-                <a:cs typeface="Times New Roman"/>
-              </a:rPr>
-              <a:t>[]) {}</a:t>
-            </a:r>
-            <a:endParaRPr lang="pt-BR" sz="2800" dirty="0">
+              <a:t>{}</a:t>
+            </a:r>
+            <a:endParaRPr lang="pt-BR" sz="1500" dirty="0" smtClean="0">
               <a:ea typeface="Calibri"/>
               <a:cs typeface="Times New Roman"/>
             </a:endParaRPr>
@@ -7360,104 +6465,41 @@
               </a:spcAft>
             </a:pPr>
             <a:r>
-              <a:rPr lang="en-US" b="1" dirty="0">
-                <a:solidFill>
-                  <a:srgbClr val="006699"/>
-                </a:solidFill>
+              <a:rPr lang="en-US" sz="1500" dirty="0" smtClean="0">
                 <a:latin typeface="Consolas"/>
                 <a:ea typeface="Calibri"/>
                 <a:cs typeface="Times New Roman"/>
               </a:rPr>
-              <a:t>public</a:t>
-            </a:r>
-            <a:r>
-              <a:rPr lang="en-US" dirty="0">
-                <a:solidFill>
-                  <a:srgbClr val="000000"/>
-                </a:solidFill>
+              <a:t>public </a:t>
+            </a:r>
+            <a:r>
+              <a:rPr lang="en-US" sz="1500" dirty="0">
                 <a:latin typeface="Consolas"/>
                 <a:ea typeface="Calibri"/>
                 <a:cs typeface="Times New Roman"/>
               </a:rPr>
-              <a:t> </a:t>
-            </a:r>
-            <a:r>
-              <a:rPr lang="en-US" b="1" dirty="0">
-                <a:solidFill>
-                  <a:srgbClr val="006699"/>
-                </a:solidFill>
+              <a:t>static void main(String </a:t>
+            </a:r>
+            <a:r>
+              <a:rPr lang="en-US" sz="1500" dirty="0" err="1">
                 <a:latin typeface="Consolas"/>
                 <a:ea typeface="Calibri"/>
                 <a:cs typeface="Times New Roman"/>
               </a:rPr>
-              <a:t>static</a:t>
-            </a:r>
-            <a:r>
-              <a:rPr lang="en-US" dirty="0">
-                <a:solidFill>
-                  <a:srgbClr val="000000"/>
-                </a:solidFill>
+              <a:t>args</a:t>
+            </a:r>
+            <a:r>
+              <a:rPr lang="en-US" sz="1500" dirty="0">
                 <a:latin typeface="Consolas"/>
                 <a:ea typeface="Calibri"/>
                 <a:cs typeface="Times New Roman"/>
               </a:rPr>
-              <a:t> </a:t>
-            </a:r>
-            <a:r>
-              <a:rPr lang="en-US" b="1" dirty="0">
-                <a:solidFill>
-                  <a:srgbClr val="006699"/>
-                </a:solidFill>
-                <a:latin typeface="Consolas"/>
-                <a:ea typeface="Calibri"/>
-                <a:cs typeface="Times New Roman"/>
-              </a:rPr>
-              <a:t>void</a:t>
-            </a:r>
-            <a:r>
-              <a:rPr lang="en-US" dirty="0">
-                <a:solidFill>
-                  <a:srgbClr val="000000"/>
-                </a:solidFill>
-                <a:latin typeface="Consolas"/>
-                <a:ea typeface="Calibri"/>
-                <a:cs typeface="Times New Roman"/>
-              </a:rPr>
-              <a:t> main(String... </a:t>
-            </a:r>
-            <a:r>
-              <a:rPr lang="en-US" dirty="0" err="1">
-                <a:solidFill>
-                  <a:srgbClr val="000000"/>
-                </a:solidFill>
-                <a:latin typeface="Consolas"/>
-                <a:ea typeface="Calibri"/>
-                <a:cs typeface="Times New Roman"/>
-              </a:rPr>
-              <a:t>args</a:t>
-            </a:r>
-            <a:r>
-              <a:rPr lang="en-US" dirty="0">
-                <a:solidFill>
-                  <a:srgbClr val="000000"/>
-                </a:solidFill>
-                <a:latin typeface="Consolas"/>
-                <a:ea typeface="Calibri"/>
-                <a:cs typeface="Times New Roman"/>
-              </a:rPr>
-              <a:t>) </a:t>
-            </a:r>
-            <a:r>
-              <a:rPr lang="en-US" dirty="0" smtClean="0">
-                <a:solidFill>
-                  <a:srgbClr val="000000"/>
-                </a:solidFill>
-                <a:latin typeface="Consolas"/>
-                <a:ea typeface="Calibri"/>
-                <a:cs typeface="Times New Roman"/>
-              </a:rPr>
-              <a:t>{}</a:t>
-            </a:r>
+              <a:t>[]) {}</a:t>
+            </a:r>
+            <a:endParaRPr lang="pt-BR" sz="1500" dirty="0">
+              <a:ea typeface="Calibri"/>
+              <a:cs typeface="Times New Roman"/>
+            </a:endParaRPr>
           </a:p>
           <a:p>
             <a:pPr>
@@ -7469,116 +6511,88 @@
               </a:spcAft>
             </a:pPr>
             <a:r>
-              <a:rPr lang="en-US" b="1" dirty="0">
-                <a:solidFill>
-                  <a:srgbClr val="006699"/>
-                </a:solidFill>
+              <a:rPr lang="en-US" sz="1500" dirty="0">
                 <a:latin typeface="Consolas"/>
                 <a:ea typeface="Calibri"/>
                 <a:cs typeface="Times New Roman"/>
               </a:rPr>
-              <a:t>public</a:t>
-            </a:r>
-            <a:r>
-              <a:rPr lang="en-US" dirty="0">
-                <a:solidFill>
-                  <a:srgbClr val="000000"/>
-                </a:solidFill>
+              <a:t>public static void main(String... </a:t>
+            </a:r>
+            <a:r>
+              <a:rPr lang="en-US" sz="1500" dirty="0" err="1">
                 <a:latin typeface="Consolas"/>
                 <a:ea typeface="Calibri"/>
                 <a:cs typeface="Times New Roman"/>
               </a:rPr>
-              <a:t> </a:t>
-            </a:r>
-            <a:r>
-              <a:rPr lang="en-US" b="1" dirty="0">
-                <a:solidFill>
-                  <a:srgbClr val="006699"/>
-                </a:solidFill>
+              <a:t>args</a:t>
+            </a:r>
+            <a:r>
+              <a:rPr lang="en-US" sz="1500" dirty="0">
                 <a:latin typeface="Consolas"/>
                 <a:ea typeface="Calibri"/>
                 <a:cs typeface="Times New Roman"/>
               </a:rPr>
-              <a:t>static</a:t>
-            </a:r>
-            <a:r>
-              <a:rPr lang="en-US" dirty="0">
-                <a:solidFill>
-                  <a:srgbClr val="000000"/>
-                </a:solidFill>
+              <a:t>) </a:t>
+            </a:r>
+            <a:r>
+              <a:rPr lang="en-US" sz="1500" dirty="0" smtClean="0">
                 <a:latin typeface="Consolas"/>
                 <a:ea typeface="Calibri"/>
                 <a:cs typeface="Times New Roman"/>
               </a:rPr>
-              <a:t> </a:t>
-            </a:r>
-            <a:r>
-              <a:rPr lang="en-US" b="1" dirty="0">
-                <a:solidFill>
-                  <a:srgbClr val="006699"/>
-                </a:solidFill>
+              <a:t>{}</a:t>
+            </a:r>
+          </a:p>
+          <a:p>
+            <a:pPr>
+              <a:lnSpc>
+                <a:spcPct val="115000"/>
+              </a:lnSpc>
+              <a:spcAft>
+                <a:spcPts val="1000"/>
+              </a:spcAft>
+            </a:pPr>
+            <a:r>
+              <a:rPr lang="en-US" sz="1500" dirty="0">
                 <a:latin typeface="Consolas"/>
                 <a:ea typeface="Calibri"/>
                 <a:cs typeface="Times New Roman"/>
               </a:rPr>
-              <a:t>void</a:t>
-            </a:r>
-            <a:r>
-              <a:rPr lang="en-US" dirty="0">
-                <a:solidFill>
-                  <a:srgbClr val="000000"/>
-                </a:solidFill>
+              <a:t>public static void main(String</a:t>
+            </a:r>
+            <a:r>
+              <a:rPr lang="en-US" sz="1500" dirty="0" smtClean="0">
                 <a:latin typeface="Consolas"/>
                 <a:ea typeface="Calibri"/>
                 <a:cs typeface="Times New Roman"/>
               </a:rPr>
-              <a:t> main(String</a:t>
-            </a:r>
-            <a:r>
-              <a:rPr lang="en-US" dirty="0" smtClean="0">
-                <a:solidFill>
-                  <a:srgbClr val="000000"/>
-                </a:solidFill>
+              <a:t>...</a:t>
+            </a:r>
+            <a:r>
+              <a:rPr lang="en-US" sz="1500" dirty="0" err="1" smtClean="0">
                 <a:latin typeface="Consolas"/>
                 <a:ea typeface="Calibri"/>
                 <a:cs typeface="Times New Roman"/>
               </a:rPr>
-              <a:t>...</a:t>
-            </a:r>
-            <a:r>
-              <a:rPr lang="en-US" dirty="0" err="1" smtClean="0">
-                <a:solidFill>
-                  <a:srgbClr val="000000"/>
-                </a:solidFill>
+              <a:t>args</a:t>
+            </a:r>
+            <a:r>
+              <a:rPr lang="en-US" sz="1500" dirty="0">
                 <a:latin typeface="Consolas"/>
                 <a:ea typeface="Calibri"/>
                 <a:cs typeface="Times New Roman"/>
               </a:rPr>
-              <a:t>args</a:t>
-            </a:r>
-            <a:r>
-              <a:rPr lang="en-US" dirty="0">
-                <a:solidFill>
-                  <a:srgbClr val="000000"/>
-                </a:solidFill>
+              <a:t>) </a:t>
+            </a:r>
+            <a:r>
+              <a:rPr lang="en-US" sz="1500" dirty="0" smtClean="0">
                 <a:latin typeface="Consolas"/>
                 <a:ea typeface="Calibri"/>
                 <a:cs typeface="Times New Roman"/>
               </a:rPr>
-              <a:t>) </a:t>
-            </a:r>
-            <a:r>
-              <a:rPr lang="en-US" dirty="0" smtClean="0">
-                <a:solidFill>
-                  <a:srgbClr val="000000"/>
-                </a:solidFill>
-                <a:latin typeface="Consolas"/>
-                <a:ea typeface="Calibri"/>
-                <a:cs typeface="Times New Roman"/>
-              </a:rPr>
               <a:t>{}</a:t>
             </a:r>
-            <a:endParaRPr lang="pt-BR" dirty="0">
+            <a:endParaRPr lang="pt-BR" sz="1500" dirty="0">
               <a:ea typeface="Calibri"/>
               <a:cs typeface="Times New Roman"/>
             </a:endParaRPr>
@@ -7588,7 +6602,7 @@
     </p:spTree>
     <p:extLst>
       <p:ext uri="{BB962C8B-B14F-4D97-AF65-F5344CB8AC3E}">
-        <p14:creationId xmlns="" xmlns:p14="http://schemas.microsoft.com/office/powerpoint/2010/main" val="73751125"/>
+        <p14:creationId xmlns:p14="http://schemas.microsoft.com/office/powerpoint/2010/main" val="73751125"/>
       </p:ext>
     </p:extLst>
   </p:cSld>
@@ -7681,9 +6695,14 @@
               <a:t>Sintax</a:t>
             </a:r>
             <a:r>
-              <a:rPr lang="en-US" dirty="0"/>
+              <a:rPr lang="en-US" dirty="0" err="1"/>
+              <a:t>e</a:t>
+            </a:r>
+            <a:r>
+              <a:rPr lang="en-US" dirty="0" smtClean="0"/>
               <a:t>:</a:t>
             </a:r>
+            <a:endParaRPr lang="en-US" dirty="0"/>
           </a:p>
           <a:p>
             <a:pPr marL="0" indent="0">
@@ -7743,11 +6762,11 @@
               <a:t>javac</a:t>
             </a:r>
             <a:r>
-              <a:rPr lang="en-US"/>
+              <a:rPr lang="en-US" dirty="0"/>
               <a:t> </a:t>
             </a:r>
             <a:r>
-              <a:rPr lang="en-US" smtClean="0"/>
+              <a:rPr lang="en-US" dirty="0" smtClean="0"/>
               <a:t> Shirt.java</a:t>
             </a:r>
             <a:endParaRPr lang="pt-BR" dirty="0"/>
@@ -7794,7 +6813,7 @@
     </p:spTree>
     <p:extLst>
       <p:ext uri="{BB962C8B-B14F-4D97-AF65-F5344CB8AC3E}">
-        <p14:creationId xmlns="" xmlns:p14="http://schemas.microsoft.com/office/powerpoint/2010/main" val="2019952651"/>
+        <p14:creationId xmlns:p14="http://schemas.microsoft.com/office/powerpoint/2010/main" val="2019952651"/>
       </p:ext>
     </p:extLst>
   </p:cSld>
@@ -7963,7 +6982,7 @@
     </p:spTree>
     <p:extLst>
       <p:ext uri="{BB962C8B-B14F-4D97-AF65-F5344CB8AC3E}">
-        <p14:creationId xmlns="" xmlns:p14="http://schemas.microsoft.com/office/powerpoint/2010/main" val="2365857562"/>
+        <p14:creationId xmlns:p14="http://schemas.microsoft.com/office/powerpoint/2010/main" val="2365857562"/>
       </p:ext>
     </p:extLst>
   </p:cSld>
@@ -8224,7 +7243,7 @@
     </p:spTree>
     <p:extLst>
       <p:ext uri="{BB962C8B-B14F-4D97-AF65-F5344CB8AC3E}">
-        <p14:creationId xmlns="" xmlns:p14="http://schemas.microsoft.com/office/powerpoint/2010/main" val="751370023"/>
+        <p14:creationId xmlns:p14="http://schemas.microsoft.com/office/powerpoint/2010/main" val="751370023"/>
       </p:ext>
     </p:extLst>
   </p:cSld>
@@ -8276,19 +7295,7 @@
           <a:p>
             <a:r>
               <a:rPr lang="pt-BR" dirty="0" smtClean="0"/>
-              <a:t>Criem uma classe  Java com duas variáveis de instância </a:t>
-            </a:r>
-            <a:r>
-              <a:rPr lang="pt-BR" dirty="0" smtClean="0"/>
-              <a:t>inteiras </a:t>
-            </a:r>
-            <a:r>
-              <a:rPr lang="pt-BR" dirty="0" smtClean="0"/>
-              <a:t>e dois </a:t>
-            </a:r>
-            <a:r>
-              <a:rPr lang="pt-BR" dirty="0" smtClean="0"/>
-              <a:t>métodos: um que retorna a soma e outro que retorna a multiplicação</a:t>
+              <a:t>Criem uma classe  Java com duas variáveis de instância inteiras e dois métodos: um que retorna a soma e outro que retorna a multiplicação</a:t>
             </a:r>
             <a:endParaRPr lang="pt-BR" dirty="0"/>
           </a:p>
@@ -8362,7 +7369,1160 @@
     </p:spTree>
     <p:extLst>
       <p:ext uri="{BB962C8B-B14F-4D97-AF65-F5344CB8AC3E}">
-        <p14:creationId xmlns="" xmlns:p14="http://schemas.microsoft.com/office/powerpoint/2010/main" val="1683263212"/>
+        <p14:creationId xmlns:p14="http://schemas.microsoft.com/office/powerpoint/2010/main" val="1683263212"/>
+      </p:ext>
+    </p:extLst>
+  </p:cSld>
+  <p:clrMapOvr>
+    <a:masterClrMapping/>
+  </p:clrMapOvr>
+  <p:transition spd="slow"/>
+  <p:timing>
+    <p:tnLst>
+      <p:par>
+        <p:cTn id="1" dur="indefinite" restart="never" nodeType="tmRoot"/>
+      </p:par>
+    </p:tnLst>
+  </p:timing>
+</p:sld>
+</file>
+
+<file path=ppt/slides/slide19.xml><?xml version="1.0" encoding="utf-8"?>
+<p:sld xmlns:a="http://schemas.openxmlformats.org/drawingml/2006/main" xmlns:r="http://schemas.openxmlformats.org/officeDocument/2006/relationships" xmlns:p="http://schemas.openxmlformats.org/presentationml/2006/main">
+  <p:cSld>
+    <p:spTree>
+      <p:nvGrpSpPr>
+        <p:cNvPr id="1" name=""/>
+        <p:cNvGrpSpPr/>
+        <p:nvPr/>
+      </p:nvGrpSpPr>
+      <p:grpSpPr>
+        <a:xfrm>
+          <a:off x="0" y="0"/>
+          <a:ext cx="0" cy="0"/>
+          <a:chOff x="0" y="0"/>
+          <a:chExt cx="0" cy="0"/>
+        </a:xfrm>
+      </p:grpSpPr>
+      <p:sp>
+        <p:nvSpPr>
+          <p:cNvPr id="5" name="CaixaDeTexto 4"/>
+          <p:cNvSpPr txBox="1"/>
+          <p:nvPr/>
+        </p:nvSpPr>
+        <p:spPr>
+          <a:xfrm>
+            <a:off x="107504" y="-27384"/>
+            <a:ext cx="8855968" cy="4905958"/>
+          </a:xfrm>
+          <a:prstGeom prst="rect">
+            <a:avLst/>
+          </a:prstGeom>
+          <a:solidFill>
+            <a:schemeClr val="accent1">
+              <a:lumMod val="20000"/>
+              <a:lumOff val="80000"/>
+            </a:schemeClr>
+          </a:solidFill>
+          <a:ln>
+            <a:solidFill>
+              <a:schemeClr val="accent1"/>
+            </a:solidFill>
+          </a:ln>
+        </p:spPr>
+        <p:txBody>
+          <a:bodyPr wrap="square" rtlCol="0">
+            <a:spAutoFit/>
+          </a:bodyPr>
+          <a:lstStyle/>
+          <a:p>
+            <a:pPr>
+              <a:lnSpc>
+                <a:spcPct val="115000"/>
+              </a:lnSpc>
+              <a:spcAft>
+                <a:spcPts val="0"/>
+              </a:spcAft>
+            </a:pPr>
+            <a:r>
+              <a:rPr lang="en-US" sz="1600" dirty="0">
+                <a:latin typeface="Consolas" pitchFamily="49" charset="0"/>
+                <a:ea typeface="Calibri"/>
+                <a:cs typeface="Consolas" pitchFamily="49" charset="0"/>
+              </a:rPr>
+              <a:t>public class Shirt {</a:t>
+            </a:r>
+            <a:endParaRPr lang="pt-BR" sz="1600" dirty="0">
+              <a:latin typeface="Consolas" pitchFamily="49" charset="0"/>
+              <a:ea typeface="Calibri"/>
+              <a:cs typeface="Consolas" pitchFamily="49" charset="0"/>
+            </a:endParaRPr>
+          </a:p>
+          <a:p>
+            <a:pPr>
+              <a:lnSpc>
+                <a:spcPct val="115000"/>
+              </a:lnSpc>
+              <a:spcAft>
+                <a:spcPts val="0"/>
+              </a:spcAft>
+            </a:pPr>
+            <a:r>
+              <a:rPr lang="en-US" sz="1600" dirty="0">
+                <a:latin typeface="Consolas" pitchFamily="49" charset="0"/>
+                <a:ea typeface="Calibri"/>
+                <a:cs typeface="Consolas" pitchFamily="49" charset="0"/>
+              </a:rPr>
+              <a:t>	public </a:t>
+            </a:r>
+            <a:r>
+              <a:rPr lang="en-US" sz="1600" dirty="0" err="1">
+                <a:latin typeface="Consolas" pitchFamily="49" charset="0"/>
+                <a:ea typeface="Calibri"/>
+                <a:cs typeface="Consolas" pitchFamily="49" charset="0"/>
+              </a:rPr>
+              <a:t>int</a:t>
+            </a:r>
+            <a:r>
+              <a:rPr lang="en-US" sz="1600" dirty="0">
+                <a:latin typeface="Consolas" pitchFamily="49" charset="0"/>
+                <a:ea typeface="Calibri"/>
+                <a:cs typeface="Consolas" pitchFamily="49" charset="0"/>
+              </a:rPr>
+              <a:t> </a:t>
+            </a:r>
+            <a:r>
+              <a:rPr lang="en-US" sz="1600" dirty="0" err="1">
+                <a:latin typeface="Consolas" pitchFamily="49" charset="0"/>
+                <a:ea typeface="Calibri"/>
+                <a:cs typeface="Consolas" pitchFamily="49" charset="0"/>
+              </a:rPr>
+              <a:t>shirtID</a:t>
+            </a:r>
+            <a:r>
+              <a:rPr lang="en-US" sz="1600" dirty="0">
+                <a:latin typeface="Consolas" pitchFamily="49" charset="0"/>
+                <a:ea typeface="Calibri"/>
+                <a:cs typeface="Consolas" pitchFamily="49" charset="0"/>
+              </a:rPr>
+              <a:t> = 0; // Default ID for the </a:t>
+            </a:r>
+            <a:r>
+              <a:rPr lang="en-US" sz="1600" dirty="0" smtClean="0">
+                <a:latin typeface="Consolas" pitchFamily="49" charset="0"/>
+                <a:ea typeface="Calibri"/>
+                <a:cs typeface="Consolas" pitchFamily="49" charset="0"/>
+              </a:rPr>
+              <a:t>shirt</a:t>
+            </a:r>
+          </a:p>
+          <a:p>
+            <a:pPr lvl="0">
+              <a:lnSpc>
+                <a:spcPct val="115000"/>
+              </a:lnSpc>
+            </a:pPr>
+            <a:r>
+              <a:rPr lang="en-US" sz="1600" dirty="0" smtClean="0">
+                <a:latin typeface="Consolas" pitchFamily="49" charset="0"/>
+                <a:ea typeface="Calibri"/>
+                <a:cs typeface="Consolas" pitchFamily="49" charset="0"/>
+              </a:rPr>
+              <a:t>	</a:t>
+            </a:r>
+            <a:r>
+              <a:rPr lang="en-US" sz="1600" dirty="0">
+                <a:latin typeface="Consolas" pitchFamily="49" charset="0"/>
+                <a:ea typeface="Calibri"/>
+                <a:cs typeface="Consolas" pitchFamily="49" charset="0"/>
+              </a:rPr>
+              <a:t>// </a:t>
+            </a:r>
+            <a:r>
+              <a:rPr lang="en-US" sz="1600" dirty="0" smtClean="0">
+                <a:latin typeface="Consolas" pitchFamily="49" charset="0"/>
+                <a:ea typeface="Calibri"/>
+                <a:cs typeface="Consolas" pitchFamily="49" charset="0"/>
+              </a:rPr>
+              <a:t>default</a:t>
+            </a:r>
+            <a:endParaRPr lang="pt-BR" sz="1600" dirty="0" smtClean="0">
+              <a:latin typeface="Consolas" pitchFamily="49" charset="0"/>
+              <a:ea typeface="Calibri"/>
+              <a:cs typeface="Consolas" pitchFamily="49" charset="0"/>
+            </a:endParaRPr>
+          </a:p>
+          <a:p>
+            <a:pPr>
+              <a:lnSpc>
+                <a:spcPct val="115000"/>
+              </a:lnSpc>
+              <a:spcAft>
+                <a:spcPts val="0"/>
+              </a:spcAft>
+            </a:pPr>
+            <a:r>
+              <a:rPr lang="en-US" sz="1600" dirty="0">
+                <a:latin typeface="Consolas" pitchFamily="49" charset="0"/>
+                <a:ea typeface="Calibri"/>
+                <a:cs typeface="Consolas" pitchFamily="49" charset="0"/>
+              </a:rPr>
+              <a:t>	public String description = "-description required-"; </a:t>
+            </a:r>
+            <a:endParaRPr lang="en-US" sz="1600" dirty="0" smtClean="0">
+              <a:latin typeface="Consolas" pitchFamily="49" charset="0"/>
+              <a:ea typeface="Calibri"/>
+              <a:cs typeface="Consolas" pitchFamily="49" charset="0"/>
+            </a:endParaRPr>
+          </a:p>
+          <a:p>
+            <a:pPr>
+              <a:lnSpc>
+                <a:spcPct val="115000"/>
+              </a:lnSpc>
+              <a:spcAft>
+                <a:spcPts val="0"/>
+              </a:spcAft>
+            </a:pPr>
+            <a:r>
+              <a:rPr lang="en-US" sz="1600" dirty="0">
+                <a:latin typeface="Consolas" pitchFamily="49" charset="0"/>
+                <a:ea typeface="Calibri"/>
+                <a:cs typeface="Consolas" pitchFamily="49" charset="0"/>
+              </a:rPr>
+              <a:t>	// The color codes are R=Red, B=Blue, G=Green, U=</a:t>
+            </a:r>
+            <a:r>
+              <a:rPr lang="en-US" sz="1600" u="sng" dirty="0">
+                <a:latin typeface="Consolas" pitchFamily="49" charset="0"/>
+                <a:ea typeface="Calibri"/>
+                <a:cs typeface="Consolas" pitchFamily="49" charset="0"/>
+              </a:rPr>
+              <a:t>Unset</a:t>
+            </a:r>
+            <a:endParaRPr lang="pt-BR" sz="1600" dirty="0">
+              <a:latin typeface="Consolas" pitchFamily="49" charset="0"/>
+              <a:ea typeface="Calibri"/>
+              <a:cs typeface="Consolas" pitchFamily="49" charset="0"/>
+            </a:endParaRPr>
+          </a:p>
+          <a:p>
+            <a:pPr>
+              <a:lnSpc>
+                <a:spcPct val="115000"/>
+              </a:lnSpc>
+              <a:spcAft>
+                <a:spcPts val="0"/>
+              </a:spcAft>
+            </a:pPr>
+            <a:r>
+              <a:rPr lang="en-US" sz="1600" dirty="0">
+                <a:latin typeface="Consolas" pitchFamily="49" charset="0"/>
+                <a:ea typeface="Calibri"/>
+                <a:cs typeface="Consolas" pitchFamily="49" charset="0"/>
+              </a:rPr>
+              <a:t>	public char </a:t>
+            </a:r>
+            <a:r>
+              <a:rPr lang="en-US" sz="1600" dirty="0" err="1">
+                <a:latin typeface="Consolas" pitchFamily="49" charset="0"/>
+                <a:ea typeface="Calibri"/>
+                <a:cs typeface="Consolas" pitchFamily="49" charset="0"/>
+              </a:rPr>
+              <a:t>colorCode</a:t>
+            </a:r>
+            <a:r>
+              <a:rPr lang="en-US" sz="1600" dirty="0">
+                <a:latin typeface="Consolas" pitchFamily="49" charset="0"/>
+                <a:ea typeface="Calibri"/>
+                <a:cs typeface="Consolas" pitchFamily="49" charset="0"/>
+              </a:rPr>
+              <a:t> = 'U';</a:t>
+            </a:r>
+            <a:endParaRPr lang="pt-BR" sz="1600" dirty="0">
+              <a:latin typeface="Consolas" pitchFamily="49" charset="0"/>
+              <a:ea typeface="Calibri"/>
+              <a:cs typeface="Consolas" pitchFamily="49" charset="0"/>
+            </a:endParaRPr>
+          </a:p>
+          <a:p>
+            <a:pPr>
+              <a:lnSpc>
+                <a:spcPct val="115000"/>
+              </a:lnSpc>
+              <a:spcAft>
+                <a:spcPts val="0"/>
+              </a:spcAft>
+            </a:pPr>
+            <a:r>
+              <a:rPr lang="en-US" sz="1600" dirty="0">
+                <a:latin typeface="Consolas" pitchFamily="49" charset="0"/>
+                <a:ea typeface="Calibri"/>
+                <a:cs typeface="Consolas" pitchFamily="49" charset="0"/>
+              </a:rPr>
+              <a:t>	public double price = 0.0; // Default price for all shirts</a:t>
+            </a:r>
+            <a:endParaRPr lang="pt-BR" sz="1600" dirty="0">
+              <a:latin typeface="Consolas" pitchFamily="49" charset="0"/>
+              <a:ea typeface="Calibri"/>
+              <a:cs typeface="Consolas" pitchFamily="49" charset="0"/>
+            </a:endParaRPr>
+          </a:p>
+          <a:p>
+            <a:pPr>
+              <a:lnSpc>
+                <a:spcPct val="115000"/>
+              </a:lnSpc>
+              <a:spcAft>
+                <a:spcPts val="0"/>
+              </a:spcAft>
+            </a:pPr>
+            <a:r>
+              <a:rPr lang="en-US" sz="1600" dirty="0">
+                <a:latin typeface="Consolas" pitchFamily="49" charset="0"/>
+                <a:ea typeface="Calibri"/>
+                <a:cs typeface="Consolas" pitchFamily="49" charset="0"/>
+              </a:rPr>
+              <a:t>	public </a:t>
+            </a:r>
+            <a:r>
+              <a:rPr lang="en-US" sz="1600" dirty="0" err="1">
+                <a:latin typeface="Consolas" pitchFamily="49" charset="0"/>
+                <a:ea typeface="Calibri"/>
+                <a:cs typeface="Consolas" pitchFamily="49" charset="0"/>
+              </a:rPr>
+              <a:t>int</a:t>
+            </a:r>
+            <a:r>
+              <a:rPr lang="en-US" sz="1600" dirty="0">
+                <a:latin typeface="Consolas" pitchFamily="49" charset="0"/>
+                <a:ea typeface="Calibri"/>
+                <a:cs typeface="Consolas" pitchFamily="49" charset="0"/>
+              </a:rPr>
+              <a:t> </a:t>
+            </a:r>
+            <a:r>
+              <a:rPr lang="en-US" sz="1600" dirty="0" err="1">
+                <a:latin typeface="Consolas" pitchFamily="49" charset="0"/>
+                <a:ea typeface="Calibri"/>
+                <a:cs typeface="Consolas" pitchFamily="49" charset="0"/>
+              </a:rPr>
+              <a:t>quantityInStock</a:t>
+            </a:r>
+            <a:r>
+              <a:rPr lang="en-US" sz="1600" dirty="0">
+                <a:latin typeface="Consolas" pitchFamily="49" charset="0"/>
+                <a:ea typeface="Calibri"/>
+                <a:cs typeface="Consolas" pitchFamily="49" charset="0"/>
+              </a:rPr>
+              <a:t> = 0; // Default quantity for all shirts</a:t>
+            </a:r>
+            <a:endParaRPr lang="pt-BR" sz="1600" dirty="0">
+              <a:latin typeface="Consolas" pitchFamily="49" charset="0"/>
+              <a:ea typeface="Calibri"/>
+              <a:cs typeface="Consolas" pitchFamily="49" charset="0"/>
+            </a:endParaRPr>
+          </a:p>
+          <a:p>
+            <a:pPr>
+              <a:lnSpc>
+                <a:spcPct val="115000"/>
+              </a:lnSpc>
+              <a:spcAft>
+                <a:spcPts val="0"/>
+              </a:spcAft>
+            </a:pPr>
+            <a:r>
+              <a:rPr lang="en-US" sz="1600" dirty="0">
+                <a:latin typeface="Consolas" pitchFamily="49" charset="0"/>
+                <a:ea typeface="Calibri"/>
+                <a:cs typeface="Consolas" pitchFamily="49" charset="0"/>
+              </a:rPr>
+              <a:t>	// This method displays the values for an item</a:t>
+            </a:r>
+            <a:endParaRPr lang="pt-BR" sz="1600" dirty="0">
+              <a:latin typeface="Consolas" pitchFamily="49" charset="0"/>
+              <a:ea typeface="Calibri"/>
+              <a:cs typeface="Consolas" pitchFamily="49" charset="0"/>
+            </a:endParaRPr>
+          </a:p>
+          <a:p>
+            <a:pPr>
+              <a:lnSpc>
+                <a:spcPct val="115000"/>
+              </a:lnSpc>
+              <a:spcAft>
+                <a:spcPts val="0"/>
+              </a:spcAft>
+            </a:pPr>
+            <a:r>
+              <a:rPr lang="en-US" sz="1600" dirty="0">
+                <a:latin typeface="Consolas" pitchFamily="49" charset="0"/>
+                <a:ea typeface="Calibri"/>
+                <a:cs typeface="Consolas" pitchFamily="49" charset="0"/>
+              </a:rPr>
+              <a:t>	public void </a:t>
+            </a:r>
+            <a:r>
+              <a:rPr lang="en-US" sz="1600" dirty="0" err="1">
+                <a:latin typeface="Consolas" pitchFamily="49" charset="0"/>
+                <a:ea typeface="Calibri"/>
+                <a:cs typeface="Consolas" pitchFamily="49" charset="0"/>
+              </a:rPr>
+              <a:t>displayShirtInformation</a:t>
+            </a:r>
+            <a:r>
+              <a:rPr lang="en-US" sz="1600" dirty="0">
+                <a:latin typeface="Consolas" pitchFamily="49" charset="0"/>
+                <a:ea typeface="Calibri"/>
+                <a:cs typeface="Consolas" pitchFamily="49" charset="0"/>
+              </a:rPr>
+              <a:t>() {</a:t>
+            </a:r>
+            <a:endParaRPr lang="pt-BR" sz="1600" dirty="0">
+              <a:latin typeface="Consolas" pitchFamily="49" charset="0"/>
+              <a:ea typeface="Calibri"/>
+              <a:cs typeface="Consolas" pitchFamily="49" charset="0"/>
+            </a:endParaRPr>
+          </a:p>
+          <a:p>
+            <a:pPr>
+              <a:lnSpc>
+                <a:spcPct val="115000"/>
+              </a:lnSpc>
+              <a:spcAft>
+                <a:spcPts val="0"/>
+              </a:spcAft>
+            </a:pPr>
+            <a:r>
+              <a:rPr lang="en-US" sz="1600" dirty="0">
+                <a:latin typeface="Consolas" pitchFamily="49" charset="0"/>
+                <a:ea typeface="Calibri"/>
+                <a:cs typeface="Consolas" pitchFamily="49" charset="0"/>
+              </a:rPr>
+              <a:t>		</a:t>
+            </a:r>
+            <a:r>
+              <a:rPr lang="en-US" sz="1600" dirty="0" err="1">
+                <a:latin typeface="Consolas" pitchFamily="49" charset="0"/>
+                <a:ea typeface="Calibri"/>
+                <a:cs typeface="Consolas" pitchFamily="49" charset="0"/>
+              </a:rPr>
+              <a:t>System.</a:t>
+            </a:r>
+            <a:r>
+              <a:rPr lang="en-US" sz="1600" i="1" dirty="0" err="1">
+                <a:latin typeface="Consolas" pitchFamily="49" charset="0"/>
+                <a:ea typeface="Calibri"/>
+                <a:cs typeface="Consolas" pitchFamily="49" charset="0"/>
+              </a:rPr>
+              <a:t>out</a:t>
+            </a:r>
+            <a:r>
+              <a:rPr lang="en-US" sz="1600" dirty="0" err="1">
+                <a:latin typeface="Consolas" pitchFamily="49" charset="0"/>
+                <a:ea typeface="Calibri"/>
+                <a:cs typeface="Consolas" pitchFamily="49" charset="0"/>
+              </a:rPr>
+              <a:t>.println</a:t>
+            </a:r>
+            <a:r>
+              <a:rPr lang="en-US" sz="1600" dirty="0">
+                <a:latin typeface="Consolas" pitchFamily="49" charset="0"/>
+                <a:ea typeface="Calibri"/>
+                <a:cs typeface="Consolas" pitchFamily="49" charset="0"/>
+              </a:rPr>
+              <a:t>("Shirt ID: " + </a:t>
+            </a:r>
+            <a:r>
+              <a:rPr lang="en-US" sz="1600" dirty="0" err="1">
+                <a:latin typeface="Consolas" pitchFamily="49" charset="0"/>
+                <a:ea typeface="Calibri"/>
+                <a:cs typeface="Consolas" pitchFamily="49" charset="0"/>
+              </a:rPr>
+              <a:t>shirtID</a:t>
+            </a:r>
+            <a:r>
+              <a:rPr lang="en-US" sz="1600" dirty="0">
+                <a:latin typeface="Consolas" pitchFamily="49" charset="0"/>
+                <a:ea typeface="Calibri"/>
+                <a:cs typeface="Consolas" pitchFamily="49" charset="0"/>
+              </a:rPr>
+              <a:t>);</a:t>
+            </a:r>
+            <a:endParaRPr lang="pt-BR" sz="1600" dirty="0">
+              <a:latin typeface="Consolas" pitchFamily="49" charset="0"/>
+              <a:ea typeface="Calibri"/>
+              <a:cs typeface="Consolas" pitchFamily="49" charset="0"/>
+            </a:endParaRPr>
+          </a:p>
+          <a:p>
+            <a:pPr>
+              <a:lnSpc>
+                <a:spcPct val="115000"/>
+              </a:lnSpc>
+              <a:spcAft>
+                <a:spcPts val="0"/>
+              </a:spcAft>
+            </a:pPr>
+            <a:r>
+              <a:rPr lang="en-US" sz="1600" dirty="0">
+                <a:latin typeface="Consolas" pitchFamily="49" charset="0"/>
+                <a:ea typeface="Calibri"/>
+                <a:cs typeface="Consolas" pitchFamily="49" charset="0"/>
+              </a:rPr>
+              <a:t>		</a:t>
+            </a:r>
+            <a:r>
+              <a:rPr lang="en-US" sz="1600" dirty="0" err="1">
+                <a:latin typeface="Consolas" pitchFamily="49" charset="0"/>
+                <a:ea typeface="Calibri"/>
+                <a:cs typeface="Consolas" pitchFamily="49" charset="0"/>
+              </a:rPr>
+              <a:t>System.</a:t>
+            </a:r>
+            <a:r>
+              <a:rPr lang="en-US" sz="1600" i="1" dirty="0" err="1">
+                <a:latin typeface="Consolas" pitchFamily="49" charset="0"/>
+                <a:ea typeface="Calibri"/>
+                <a:cs typeface="Consolas" pitchFamily="49" charset="0"/>
+              </a:rPr>
+              <a:t>out</a:t>
+            </a:r>
+            <a:r>
+              <a:rPr lang="en-US" sz="1600" dirty="0" err="1">
+                <a:latin typeface="Consolas" pitchFamily="49" charset="0"/>
+                <a:ea typeface="Calibri"/>
+                <a:cs typeface="Consolas" pitchFamily="49" charset="0"/>
+              </a:rPr>
+              <a:t>.println</a:t>
+            </a:r>
+            <a:r>
+              <a:rPr lang="en-US" sz="1600" dirty="0">
+                <a:latin typeface="Consolas" pitchFamily="49" charset="0"/>
+                <a:ea typeface="Calibri"/>
+                <a:cs typeface="Consolas" pitchFamily="49" charset="0"/>
+              </a:rPr>
+              <a:t>("Shirt description:" + description);</a:t>
+            </a:r>
+            <a:endParaRPr lang="pt-BR" sz="1600" dirty="0">
+              <a:latin typeface="Consolas" pitchFamily="49" charset="0"/>
+              <a:ea typeface="Calibri"/>
+              <a:cs typeface="Consolas" pitchFamily="49" charset="0"/>
+            </a:endParaRPr>
+          </a:p>
+          <a:p>
+            <a:pPr>
+              <a:lnSpc>
+                <a:spcPct val="115000"/>
+              </a:lnSpc>
+              <a:spcAft>
+                <a:spcPts val="0"/>
+              </a:spcAft>
+            </a:pPr>
+            <a:r>
+              <a:rPr lang="en-US" sz="1600" dirty="0">
+                <a:latin typeface="Consolas" pitchFamily="49" charset="0"/>
+                <a:ea typeface="Calibri"/>
+                <a:cs typeface="Consolas" pitchFamily="49" charset="0"/>
+              </a:rPr>
+              <a:t>		</a:t>
+            </a:r>
+            <a:r>
+              <a:rPr lang="en-US" sz="1600" dirty="0" err="1">
+                <a:latin typeface="Consolas" pitchFamily="49" charset="0"/>
+                <a:ea typeface="Calibri"/>
+                <a:cs typeface="Consolas" pitchFamily="49" charset="0"/>
+              </a:rPr>
+              <a:t>System.</a:t>
+            </a:r>
+            <a:r>
+              <a:rPr lang="en-US" sz="1600" i="1" dirty="0" err="1">
+                <a:latin typeface="Consolas" pitchFamily="49" charset="0"/>
+                <a:ea typeface="Calibri"/>
+                <a:cs typeface="Consolas" pitchFamily="49" charset="0"/>
+              </a:rPr>
+              <a:t>out</a:t>
+            </a:r>
+            <a:r>
+              <a:rPr lang="en-US" sz="1600" dirty="0" err="1">
+                <a:latin typeface="Consolas" pitchFamily="49" charset="0"/>
+                <a:ea typeface="Calibri"/>
+                <a:cs typeface="Consolas" pitchFamily="49" charset="0"/>
+              </a:rPr>
+              <a:t>.println</a:t>
+            </a:r>
+            <a:r>
+              <a:rPr lang="en-US" sz="1600" dirty="0">
+                <a:latin typeface="Consolas" pitchFamily="49" charset="0"/>
+                <a:ea typeface="Calibri"/>
+                <a:cs typeface="Consolas" pitchFamily="49" charset="0"/>
+              </a:rPr>
+              <a:t>("Color Code: " + </a:t>
+            </a:r>
+            <a:r>
+              <a:rPr lang="en-US" sz="1600" dirty="0" err="1">
+                <a:latin typeface="Consolas" pitchFamily="49" charset="0"/>
+                <a:ea typeface="Calibri"/>
+                <a:cs typeface="Consolas" pitchFamily="49" charset="0"/>
+              </a:rPr>
+              <a:t>colorCode</a:t>
+            </a:r>
+            <a:r>
+              <a:rPr lang="en-US" sz="1600" dirty="0">
+                <a:latin typeface="Consolas" pitchFamily="49" charset="0"/>
+                <a:ea typeface="Calibri"/>
+                <a:cs typeface="Consolas" pitchFamily="49" charset="0"/>
+              </a:rPr>
+              <a:t>);</a:t>
+            </a:r>
+            <a:endParaRPr lang="pt-BR" sz="1600" dirty="0">
+              <a:latin typeface="Consolas" pitchFamily="49" charset="0"/>
+              <a:ea typeface="Calibri"/>
+              <a:cs typeface="Consolas" pitchFamily="49" charset="0"/>
+            </a:endParaRPr>
+          </a:p>
+          <a:p>
+            <a:pPr>
+              <a:lnSpc>
+                <a:spcPct val="115000"/>
+              </a:lnSpc>
+              <a:spcAft>
+                <a:spcPts val="0"/>
+              </a:spcAft>
+            </a:pPr>
+            <a:r>
+              <a:rPr lang="en-US" sz="1600" dirty="0">
+                <a:latin typeface="Consolas" pitchFamily="49" charset="0"/>
+                <a:ea typeface="Calibri"/>
+                <a:cs typeface="Consolas" pitchFamily="49" charset="0"/>
+              </a:rPr>
+              <a:t>		</a:t>
+            </a:r>
+            <a:r>
+              <a:rPr lang="en-US" sz="1600" dirty="0" err="1">
+                <a:latin typeface="Consolas" pitchFamily="49" charset="0"/>
+                <a:ea typeface="Calibri"/>
+                <a:cs typeface="Consolas" pitchFamily="49" charset="0"/>
+              </a:rPr>
+              <a:t>System.</a:t>
+            </a:r>
+            <a:r>
+              <a:rPr lang="en-US" sz="1600" i="1" dirty="0" err="1">
+                <a:latin typeface="Consolas" pitchFamily="49" charset="0"/>
+                <a:ea typeface="Calibri"/>
+                <a:cs typeface="Consolas" pitchFamily="49" charset="0"/>
+              </a:rPr>
+              <a:t>out</a:t>
+            </a:r>
+            <a:r>
+              <a:rPr lang="en-US" sz="1600" dirty="0" err="1">
+                <a:latin typeface="Consolas" pitchFamily="49" charset="0"/>
+                <a:ea typeface="Calibri"/>
+                <a:cs typeface="Consolas" pitchFamily="49" charset="0"/>
+              </a:rPr>
+              <a:t>.println</a:t>
+            </a:r>
+            <a:r>
+              <a:rPr lang="en-US" sz="1600" dirty="0">
+                <a:latin typeface="Consolas" pitchFamily="49" charset="0"/>
+                <a:ea typeface="Calibri"/>
+                <a:cs typeface="Consolas" pitchFamily="49" charset="0"/>
+              </a:rPr>
+              <a:t>("Shirt price: " + price);</a:t>
+            </a:r>
+            <a:endParaRPr lang="pt-BR" sz="1600" dirty="0">
+              <a:latin typeface="Consolas" pitchFamily="49" charset="0"/>
+              <a:ea typeface="Calibri"/>
+              <a:cs typeface="Consolas" pitchFamily="49" charset="0"/>
+            </a:endParaRPr>
+          </a:p>
+          <a:p>
+            <a:pPr>
+              <a:lnSpc>
+                <a:spcPct val="115000"/>
+              </a:lnSpc>
+              <a:spcAft>
+                <a:spcPts val="0"/>
+              </a:spcAft>
+            </a:pPr>
+            <a:r>
+              <a:rPr lang="en-US" sz="1600" dirty="0">
+                <a:latin typeface="Consolas" pitchFamily="49" charset="0"/>
+                <a:ea typeface="Calibri"/>
+                <a:cs typeface="Consolas" pitchFamily="49" charset="0"/>
+              </a:rPr>
+              <a:t>		</a:t>
+            </a:r>
+            <a:r>
+              <a:rPr lang="en-US" sz="1600" dirty="0" err="1">
+                <a:latin typeface="Consolas" pitchFamily="49" charset="0"/>
+                <a:ea typeface="Calibri"/>
+                <a:cs typeface="Consolas" pitchFamily="49" charset="0"/>
+              </a:rPr>
+              <a:t>System.</a:t>
+            </a:r>
+            <a:r>
+              <a:rPr lang="en-US" sz="1600" i="1" dirty="0" err="1">
+                <a:latin typeface="Consolas" pitchFamily="49" charset="0"/>
+                <a:ea typeface="Calibri"/>
+                <a:cs typeface="Consolas" pitchFamily="49" charset="0"/>
+              </a:rPr>
+              <a:t>out</a:t>
+            </a:r>
+            <a:r>
+              <a:rPr lang="en-US" sz="1600" dirty="0" err="1">
+                <a:latin typeface="Consolas" pitchFamily="49" charset="0"/>
+                <a:ea typeface="Calibri"/>
+                <a:cs typeface="Consolas" pitchFamily="49" charset="0"/>
+              </a:rPr>
+              <a:t>.println</a:t>
+            </a:r>
+            <a:r>
+              <a:rPr lang="en-US" sz="1600" dirty="0">
+                <a:latin typeface="Consolas" pitchFamily="49" charset="0"/>
+                <a:ea typeface="Calibri"/>
+                <a:cs typeface="Consolas" pitchFamily="49" charset="0"/>
+              </a:rPr>
+              <a:t>("Quantity in stock: " + </a:t>
+            </a:r>
+            <a:r>
+              <a:rPr lang="en-US" sz="1600" dirty="0" err="1">
+                <a:latin typeface="Consolas" pitchFamily="49" charset="0"/>
+                <a:ea typeface="Calibri"/>
+                <a:cs typeface="Consolas" pitchFamily="49" charset="0"/>
+              </a:rPr>
+              <a:t>quantityInStock</a:t>
+            </a:r>
+            <a:r>
+              <a:rPr lang="en-US" sz="1600" dirty="0">
+                <a:latin typeface="Consolas" pitchFamily="49" charset="0"/>
+                <a:ea typeface="Calibri"/>
+                <a:cs typeface="Consolas" pitchFamily="49" charset="0"/>
+              </a:rPr>
+              <a:t>);</a:t>
+            </a:r>
+            <a:endParaRPr lang="pt-BR" sz="1600" dirty="0">
+              <a:latin typeface="Consolas" pitchFamily="49" charset="0"/>
+              <a:ea typeface="Calibri"/>
+              <a:cs typeface="Consolas" pitchFamily="49" charset="0"/>
+            </a:endParaRPr>
+          </a:p>
+          <a:p>
+            <a:pPr>
+              <a:lnSpc>
+                <a:spcPct val="115000"/>
+              </a:lnSpc>
+              <a:spcAft>
+                <a:spcPts val="0"/>
+              </a:spcAft>
+            </a:pPr>
+            <a:r>
+              <a:rPr lang="en-US" sz="1600" dirty="0">
+                <a:latin typeface="Consolas" pitchFamily="49" charset="0"/>
+                <a:ea typeface="Calibri"/>
+                <a:cs typeface="Consolas" pitchFamily="49" charset="0"/>
+              </a:rPr>
+              <a:t>	</a:t>
+            </a:r>
+            <a:r>
+              <a:rPr lang="pt-BR" sz="1600" dirty="0">
+                <a:latin typeface="Consolas" pitchFamily="49" charset="0"/>
+                <a:ea typeface="Calibri"/>
+                <a:cs typeface="Consolas" pitchFamily="49" charset="0"/>
+              </a:rPr>
+              <a:t>} // </a:t>
+            </a:r>
+            <a:r>
+              <a:rPr lang="pt-BR" sz="1600" dirty="0" err="1">
+                <a:latin typeface="Consolas" pitchFamily="49" charset="0"/>
+                <a:ea typeface="Calibri"/>
+                <a:cs typeface="Consolas" pitchFamily="49" charset="0"/>
+              </a:rPr>
+              <a:t>end</a:t>
+            </a:r>
+            <a:r>
+              <a:rPr lang="pt-BR" sz="1600" dirty="0">
+                <a:latin typeface="Consolas" pitchFamily="49" charset="0"/>
+                <a:ea typeface="Calibri"/>
+                <a:cs typeface="Consolas" pitchFamily="49" charset="0"/>
+              </a:rPr>
+              <a:t> </a:t>
+            </a:r>
+            <a:r>
+              <a:rPr lang="pt-BR" sz="1600" dirty="0" err="1">
+                <a:latin typeface="Consolas" pitchFamily="49" charset="0"/>
+                <a:ea typeface="Calibri"/>
+                <a:cs typeface="Consolas" pitchFamily="49" charset="0"/>
+              </a:rPr>
+              <a:t>of</a:t>
+            </a:r>
+            <a:r>
+              <a:rPr lang="pt-BR" sz="1600" dirty="0">
+                <a:latin typeface="Consolas" pitchFamily="49" charset="0"/>
+                <a:ea typeface="Calibri"/>
+                <a:cs typeface="Consolas" pitchFamily="49" charset="0"/>
+              </a:rPr>
+              <a:t> display </a:t>
+            </a:r>
+            <a:r>
+              <a:rPr lang="pt-BR" sz="1600" dirty="0" err="1">
+                <a:latin typeface="Consolas" pitchFamily="49" charset="0"/>
+                <a:ea typeface="Calibri"/>
+                <a:cs typeface="Consolas" pitchFamily="49" charset="0"/>
+              </a:rPr>
+              <a:t>method</a:t>
+            </a:r>
+            <a:endParaRPr lang="pt-BR" sz="1600" dirty="0">
+              <a:latin typeface="Consolas" pitchFamily="49" charset="0"/>
+              <a:ea typeface="Calibri"/>
+              <a:cs typeface="Consolas" pitchFamily="49" charset="0"/>
+            </a:endParaRPr>
+          </a:p>
+          <a:p>
+            <a:pPr>
+              <a:lnSpc>
+                <a:spcPct val="115000"/>
+              </a:lnSpc>
+              <a:spcAft>
+                <a:spcPts val="1000"/>
+              </a:spcAft>
+            </a:pPr>
+            <a:r>
+              <a:rPr lang="pt-BR" sz="1600" dirty="0">
+                <a:latin typeface="Consolas" pitchFamily="49" charset="0"/>
+                <a:ea typeface="Calibri"/>
+                <a:cs typeface="Consolas" pitchFamily="49" charset="0"/>
+              </a:rPr>
+              <a:t>} // </a:t>
+            </a:r>
+            <a:r>
+              <a:rPr lang="pt-BR" sz="1600" dirty="0" err="1">
+                <a:latin typeface="Consolas" pitchFamily="49" charset="0"/>
+                <a:ea typeface="Calibri"/>
+                <a:cs typeface="Consolas" pitchFamily="49" charset="0"/>
+              </a:rPr>
+              <a:t>end</a:t>
+            </a:r>
+            <a:r>
+              <a:rPr lang="pt-BR" sz="1600" dirty="0">
+                <a:latin typeface="Consolas" pitchFamily="49" charset="0"/>
+                <a:ea typeface="Calibri"/>
+                <a:cs typeface="Consolas" pitchFamily="49" charset="0"/>
+              </a:rPr>
+              <a:t> </a:t>
+            </a:r>
+            <a:r>
+              <a:rPr lang="pt-BR" sz="1600" dirty="0" err="1">
+                <a:latin typeface="Consolas" pitchFamily="49" charset="0"/>
+                <a:ea typeface="Calibri"/>
+                <a:cs typeface="Consolas" pitchFamily="49" charset="0"/>
+              </a:rPr>
+              <a:t>of</a:t>
+            </a:r>
+            <a:r>
+              <a:rPr lang="pt-BR" sz="1600" dirty="0">
+                <a:latin typeface="Consolas" pitchFamily="49" charset="0"/>
+                <a:ea typeface="Calibri"/>
+                <a:cs typeface="Consolas" pitchFamily="49" charset="0"/>
+              </a:rPr>
+              <a:t> </a:t>
+            </a:r>
+            <a:r>
+              <a:rPr lang="pt-BR" sz="1600" dirty="0" err="1">
+                <a:latin typeface="Consolas" pitchFamily="49" charset="0"/>
+                <a:ea typeface="Calibri"/>
+                <a:cs typeface="Consolas" pitchFamily="49" charset="0"/>
+              </a:rPr>
+              <a:t>class</a:t>
+            </a:r>
+            <a:endParaRPr lang="pt-BR" sz="1600" dirty="0">
+              <a:latin typeface="Consolas" pitchFamily="49" charset="0"/>
+              <a:ea typeface="Calibri"/>
+              <a:cs typeface="Consolas" pitchFamily="49" charset="0"/>
+            </a:endParaRPr>
+          </a:p>
+        </p:txBody>
+      </p:sp>
+      <p:sp>
+        <p:nvSpPr>
+          <p:cNvPr id="3" name="CaixaDeTexto 2"/>
+          <p:cNvSpPr txBox="1"/>
+          <p:nvPr/>
+        </p:nvSpPr>
+        <p:spPr>
+          <a:xfrm>
+            <a:off x="683568" y="4783586"/>
+            <a:ext cx="7344816" cy="2074414"/>
+          </a:xfrm>
+          <a:prstGeom prst="rect">
+            <a:avLst/>
+          </a:prstGeom>
+          <a:solidFill>
+            <a:schemeClr val="accent1">
+              <a:lumMod val="20000"/>
+              <a:lumOff val="80000"/>
+            </a:schemeClr>
+          </a:solidFill>
+          <a:ln>
+            <a:solidFill>
+              <a:schemeClr val="accent1"/>
+            </a:solidFill>
+          </a:ln>
+        </p:spPr>
+        <p:txBody>
+          <a:bodyPr wrap="square" rtlCol="0">
+            <a:spAutoFit/>
+          </a:bodyPr>
+          <a:lstStyle/>
+          <a:p>
+            <a:pPr>
+              <a:lnSpc>
+                <a:spcPct val="115000"/>
+              </a:lnSpc>
+              <a:spcAft>
+                <a:spcPts val="0"/>
+              </a:spcAft>
+            </a:pPr>
+            <a:r>
+              <a:rPr lang="en-US" sz="1600" dirty="0">
+                <a:latin typeface="Courier New"/>
+                <a:ea typeface="Calibri"/>
+                <a:cs typeface="Times New Roman"/>
+              </a:rPr>
+              <a:t>public class </a:t>
+            </a:r>
+            <a:r>
+              <a:rPr lang="en-US" sz="1600" dirty="0" err="1">
+                <a:latin typeface="Courier New"/>
+                <a:ea typeface="Calibri"/>
+                <a:cs typeface="Times New Roman"/>
+              </a:rPr>
+              <a:t>ShirtTest</a:t>
+            </a:r>
+            <a:r>
+              <a:rPr lang="en-US" sz="1600" dirty="0">
+                <a:latin typeface="Courier New"/>
+                <a:ea typeface="Calibri"/>
+                <a:cs typeface="Times New Roman"/>
+              </a:rPr>
+              <a:t> {</a:t>
+            </a:r>
+            <a:endParaRPr lang="pt-BR" sz="2000" dirty="0">
+              <a:ea typeface="Calibri"/>
+              <a:cs typeface="Times New Roman"/>
+            </a:endParaRPr>
+          </a:p>
+          <a:p>
+            <a:pPr>
+              <a:lnSpc>
+                <a:spcPct val="115000"/>
+              </a:lnSpc>
+              <a:spcAft>
+                <a:spcPts val="0"/>
+              </a:spcAft>
+            </a:pPr>
+            <a:r>
+              <a:rPr lang="en-US" sz="1600" dirty="0">
+                <a:latin typeface="Courier New"/>
+                <a:ea typeface="Calibri"/>
+                <a:cs typeface="Times New Roman"/>
+              </a:rPr>
+              <a:t>	public static void main(String </a:t>
+            </a:r>
+            <a:r>
+              <a:rPr lang="en-US" sz="1600" dirty="0" err="1">
+                <a:latin typeface="Courier New"/>
+                <a:ea typeface="Calibri"/>
+                <a:cs typeface="Times New Roman"/>
+              </a:rPr>
+              <a:t>args</a:t>
+            </a:r>
+            <a:r>
+              <a:rPr lang="en-US" sz="1600" dirty="0">
+                <a:latin typeface="Courier New"/>
+                <a:ea typeface="Calibri"/>
+                <a:cs typeface="Times New Roman"/>
+              </a:rPr>
+              <a:t>[]) {</a:t>
+            </a:r>
+            <a:endParaRPr lang="pt-BR" sz="2000" dirty="0">
+              <a:ea typeface="Calibri"/>
+              <a:cs typeface="Times New Roman"/>
+            </a:endParaRPr>
+          </a:p>
+          <a:p>
+            <a:pPr>
+              <a:lnSpc>
+                <a:spcPct val="115000"/>
+              </a:lnSpc>
+              <a:spcAft>
+                <a:spcPts val="0"/>
+              </a:spcAft>
+            </a:pPr>
+            <a:r>
+              <a:rPr lang="en-US" sz="1600" dirty="0">
+                <a:latin typeface="Courier New"/>
+                <a:ea typeface="Calibri"/>
+                <a:cs typeface="Times New Roman"/>
+              </a:rPr>
+              <a:t>		Shirt </a:t>
+            </a:r>
+            <a:r>
+              <a:rPr lang="en-US" sz="1600" dirty="0" err="1">
+                <a:latin typeface="Courier New"/>
+                <a:ea typeface="Calibri"/>
+                <a:cs typeface="Times New Roman"/>
+              </a:rPr>
+              <a:t>myShirt</a:t>
+            </a:r>
+            <a:r>
+              <a:rPr lang="en-US" sz="1600" dirty="0">
+                <a:latin typeface="Courier New"/>
+                <a:ea typeface="Calibri"/>
+                <a:cs typeface="Times New Roman"/>
+              </a:rPr>
+              <a:t>;</a:t>
+            </a:r>
+            <a:endParaRPr lang="pt-BR" sz="2000" dirty="0">
+              <a:ea typeface="Calibri"/>
+              <a:cs typeface="Times New Roman"/>
+            </a:endParaRPr>
+          </a:p>
+          <a:p>
+            <a:pPr>
+              <a:lnSpc>
+                <a:spcPct val="115000"/>
+              </a:lnSpc>
+              <a:spcAft>
+                <a:spcPts val="0"/>
+              </a:spcAft>
+            </a:pPr>
+            <a:r>
+              <a:rPr lang="en-US" sz="1600" dirty="0">
+                <a:latin typeface="Courier New"/>
+                <a:ea typeface="Calibri"/>
+                <a:cs typeface="Times New Roman"/>
+              </a:rPr>
+              <a:t>		</a:t>
+            </a:r>
+            <a:r>
+              <a:rPr lang="en-US" sz="1600" dirty="0" err="1" smtClean="0">
+                <a:latin typeface="Courier New"/>
+                <a:ea typeface="Calibri"/>
+                <a:cs typeface="Times New Roman"/>
+              </a:rPr>
+              <a:t>myShirt</a:t>
+            </a:r>
+            <a:r>
+              <a:rPr lang="en-US" sz="1600" dirty="0" smtClean="0">
+                <a:latin typeface="Courier New"/>
+                <a:ea typeface="Calibri"/>
+                <a:cs typeface="Times New Roman"/>
+              </a:rPr>
+              <a:t> </a:t>
+            </a:r>
+            <a:r>
+              <a:rPr lang="en-US" sz="1600" dirty="0">
+                <a:latin typeface="Courier New"/>
+                <a:ea typeface="Calibri"/>
+                <a:cs typeface="Times New Roman"/>
+              </a:rPr>
+              <a:t>= new Shirt();</a:t>
+            </a:r>
+            <a:endParaRPr lang="pt-BR" sz="2000" dirty="0">
+              <a:ea typeface="Calibri"/>
+              <a:cs typeface="Times New Roman"/>
+            </a:endParaRPr>
+          </a:p>
+          <a:p>
+            <a:pPr>
+              <a:lnSpc>
+                <a:spcPct val="115000"/>
+              </a:lnSpc>
+              <a:spcAft>
+                <a:spcPts val="0"/>
+              </a:spcAft>
+            </a:pPr>
+            <a:r>
+              <a:rPr lang="en-US" sz="1600" dirty="0">
+                <a:latin typeface="Courier New"/>
+                <a:ea typeface="Calibri"/>
+                <a:cs typeface="Times New Roman"/>
+              </a:rPr>
+              <a:t>		</a:t>
+            </a:r>
+            <a:r>
+              <a:rPr lang="pt-BR" sz="1600" dirty="0" err="1">
+                <a:latin typeface="Courier New"/>
+                <a:ea typeface="Calibri"/>
+                <a:cs typeface="Times New Roman"/>
+              </a:rPr>
+              <a:t>myShirt.displayShirtInformation</a:t>
+            </a:r>
+            <a:r>
+              <a:rPr lang="pt-BR" sz="1600" dirty="0">
+                <a:latin typeface="Courier New"/>
+                <a:ea typeface="Calibri"/>
+                <a:cs typeface="Times New Roman"/>
+              </a:rPr>
+              <a:t>();</a:t>
+            </a:r>
+            <a:endParaRPr lang="pt-BR" sz="2000" dirty="0">
+              <a:ea typeface="Calibri"/>
+              <a:cs typeface="Times New Roman"/>
+            </a:endParaRPr>
+          </a:p>
+          <a:p>
+            <a:pPr>
+              <a:lnSpc>
+                <a:spcPct val="115000"/>
+              </a:lnSpc>
+              <a:spcAft>
+                <a:spcPts val="0"/>
+              </a:spcAft>
+            </a:pPr>
+            <a:r>
+              <a:rPr lang="pt-BR" sz="1600" dirty="0">
+                <a:latin typeface="Courier New"/>
+                <a:ea typeface="Calibri"/>
+                <a:cs typeface="Times New Roman"/>
+              </a:rPr>
+              <a:t>	}</a:t>
+            </a:r>
+            <a:endParaRPr lang="pt-BR" sz="2000" dirty="0">
+              <a:ea typeface="Calibri"/>
+              <a:cs typeface="Times New Roman"/>
+            </a:endParaRPr>
+          </a:p>
+          <a:p>
+            <a:pPr>
+              <a:lnSpc>
+                <a:spcPct val="115000"/>
+              </a:lnSpc>
+              <a:spcAft>
+                <a:spcPts val="1000"/>
+              </a:spcAft>
+            </a:pPr>
+            <a:r>
+              <a:rPr lang="pt-BR" sz="1600" dirty="0" smtClean="0">
+                <a:latin typeface="Courier New"/>
+                <a:ea typeface="Calibri"/>
+                <a:cs typeface="Times New Roman"/>
+              </a:rPr>
+              <a:t>}</a:t>
+            </a:r>
+            <a:endParaRPr lang="pt-BR" sz="2000" dirty="0">
+              <a:ea typeface="Calibri"/>
+              <a:cs typeface="Times New Roman"/>
+            </a:endParaRPr>
+          </a:p>
+        </p:txBody>
+      </p:sp>
+    </p:spTree>
+    <p:extLst>
+      <p:ext uri="{BB962C8B-B14F-4D97-AF65-F5344CB8AC3E}">
+        <p14:creationId xmlns:p14="http://schemas.microsoft.com/office/powerpoint/2010/main" val="1721412342"/>
       </p:ext>
     </p:extLst>
   </p:cSld>
@@ -8508,7 +8668,7 @@
     </p:spTree>
     <p:extLst>
       <p:ext uri="{BB962C8B-B14F-4D97-AF65-F5344CB8AC3E}">
-        <p14:creationId xmlns="" xmlns:p14="http://schemas.microsoft.com/office/powerpoint/2010/main" val="628153373"/>
+        <p14:creationId xmlns:p14="http://schemas.microsoft.com/office/powerpoint/2010/main" val="628153373"/>
       </p:ext>
     </p:extLst>
   </p:cSld>
@@ -8583,7 +8743,7 @@
           <a:blip r:embed="rId3" cstate="print">
             <a:extLst>
               <a:ext uri="{28A0092B-C50C-407E-A947-70E740481C1C}">
-                <a14:useLocalDpi xmlns="" xmlns:a14="http://schemas.microsoft.com/office/drawing/2010/main" val="0"/>
+                <a14:useLocalDpi xmlns:a14="http://schemas.microsoft.com/office/drawing/2010/main" val="0"/>
               </a:ext>
             </a:extLst>
           </a:blip>
@@ -8603,7 +8763,7 @@
           <a:noFill/>
           <a:extLst>
             <a:ext uri="{909E8E84-426E-40DD-AFC4-6F175D3DCCD1}">
-              <a14:hiddenFill xmlns="" xmlns:a14="http://schemas.microsoft.com/office/drawing/2010/main">
+              <a14:hiddenFill xmlns:a14="http://schemas.microsoft.com/office/drawing/2010/main">
                 <a:solidFill>
                   <a:srgbClr val="FFFFFF"/>
                 </a:solidFill>
@@ -8652,7 +8812,7 @@
     </p:spTree>
     <p:extLst>
       <p:ext uri="{BB962C8B-B14F-4D97-AF65-F5344CB8AC3E}">
-        <p14:creationId xmlns="" xmlns:p14="http://schemas.microsoft.com/office/powerpoint/2010/main" val="681958526"/>
+        <p14:creationId xmlns:p14="http://schemas.microsoft.com/office/powerpoint/2010/main" val="681958526"/>
       </p:ext>
     </p:extLst>
   </p:cSld>
@@ -8699,7 +8859,7 @@
           <a:blip r:embed="rId3" cstate="print">
             <a:extLst>
               <a:ext uri="{28A0092B-C50C-407E-A947-70E740481C1C}">
-                <a14:useLocalDpi xmlns="" xmlns:a14="http://schemas.microsoft.com/office/drawing/2010/main" val="0"/>
+                <a14:useLocalDpi xmlns:a14="http://schemas.microsoft.com/office/drawing/2010/main" val="0"/>
               </a:ext>
             </a:extLst>
           </a:blip>
@@ -8719,7 +8879,7 @@
           <a:noFill/>
           <a:extLst>
             <a:ext uri="{909E8E84-426E-40DD-AFC4-6F175D3DCCD1}">
-              <a14:hiddenFill xmlns="" xmlns:a14="http://schemas.microsoft.com/office/drawing/2010/main">
+              <a14:hiddenFill xmlns:a14="http://schemas.microsoft.com/office/drawing/2010/main">
                 <a:solidFill>
                   <a:srgbClr val="FFFFFF"/>
                 </a:solidFill>
@@ -8785,7 +8945,7 @@
     </p:spTree>
     <p:extLst>
       <p:ext uri="{BB962C8B-B14F-4D97-AF65-F5344CB8AC3E}">
-        <p14:creationId xmlns="" xmlns:p14="http://schemas.microsoft.com/office/powerpoint/2010/main" val="4129164667"/>
+        <p14:creationId xmlns:p14="http://schemas.microsoft.com/office/powerpoint/2010/main" val="4129164667"/>
       </p:ext>
     </p:extLst>
   </p:cSld>
@@ -8942,7 +9102,7 @@
     </p:spTree>
     <p:extLst>
       <p:ext uri="{BB962C8B-B14F-4D97-AF65-F5344CB8AC3E}">
-        <p14:creationId xmlns="" xmlns:p14="http://schemas.microsoft.com/office/powerpoint/2010/main" val="549431020"/>
+        <p14:creationId xmlns:p14="http://schemas.microsoft.com/office/powerpoint/2010/main" val="549431020"/>
       </p:ext>
     </p:extLst>
   </p:cSld>
@@ -9277,7 +9437,7 @@
     </p:spTree>
     <p:extLst>
       <p:ext uri="{BB962C8B-B14F-4D97-AF65-F5344CB8AC3E}">
-        <p14:creationId xmlns="" xmlns:p14="http://schemas.microsoft.com/office/powerpoint/2010/main" val="4102202702"/>
+        <p14:creationId xmlns:p14="http://schemas.microsoft.com/office/powerpoint/2010/main" val="4102202702"/>
       </p:ext>
     </p:extLst>
   </p:cSld>
@@ -9622,7 +9782,7 @@
     </p:spTree>
     <p:extLst>
       <p:ext uri="{BB962C8B-B14F-4D97-AF65-F5344CB8AC3E}">
-        <p14:creationId xmlns="" xmlns:p14="http://schemas.microsoft.com/office/powerpoint/2010/main" val="384862135"/>
+        <p14:creationId xmlns:p14="http://schemas.microsoft.com/office/powerpoint/2010/main" val="384862135"/>
       </p:ext>
     </p:extLst>
   </p:cSld>
@@ -9698,48 +9858,12 @@
               </a:spcAft>
             </a:pPr>
             <a:r>
-              <a:rPr lang="en-US" sz="1600" b="1" dirty="0">
-                <a:solidFill>
-                  <a:srgbClr val="7F0055"/>
-                </a:solidFill>
-                <a:latin typeface="Consolas" pitchFamily="49" charset="0"/>
-                <a:ea typeface="Calibri"/>
-                <a:cs typeface="Consolas" pitchFamily="49" charset="0"/>
-              </a:rPr>
-              <a:t>public</a:t>
-            </a:r>
-            <a:r>
               <a:rPr lang="en-US" sz="1600" dirty="0">
-                <a:solidFill>
-                  <a:srgbClr val="000000"/>
-                </a:solidFill>
-                <a:latin typeface="Consolas" pitchFamily="49" charset="0"/>
-                <a:ea typeface="Calibri"/>
-                <a:cs typeface="Consolas" pitchFamily="49" charset="0"/>
-              </a:rPr>
-              <a:t> </a:t>
-            </a:r>
-            <a:r>
-              <a:rPr lang="en-US" sz="1600" b="1" dirty="0">
-                <a:solidFill>
-                  <a:srgbClr val="7F0055"/>
-                </a:solidFill>
-                <a:latin typeface="Consolas" pitchFamily="49" charset="0"/>
-                <a:ea typeface="Calibri"/>
-                <a:cs typeface="Consolas" pitchFamily="49" charset="0"/>
-              </a:rPr>
-              <a:t>class</a:t>
-            </a:r>
-            <a:r>
-              <a:rPr lang="en-US" sz="1600" dirty="0">
-                <a:solidFill>
-                  <a:srgbClr val="000000"/>
-                </a:solidFill>
-                <a:latin typeface="Consolas" pitchFamily="49" charset="0"/>
-                <a:ea typeface="Calibri"/>
-                <a:cs typeface="Consolas" pitchFamily="49" charset="0"/>
-              </a:rPr>
-              <a:t> Shirt {</a:t>
+                <a:latin typeface="Consolas" pitchFamily="49" charset="0"/>
+                <a:ea typeface="Calibri"/>
+                <a:cs typeface="Consolas" pitchFamily="49" charset="0"/>
+              </a:rPr>
+              <a:t>public class Shirt {</a:t>
             </a:r>
             <a:endParaRPr lang="pt-BR" sz="1600" dirty="0">
               <a:latin typeface="Consolas" pitchFamily="49" charset="0"/>
@@ -9758,31 +9882,22 @@
             </a:pPr>
             <a:r>
               <a:rPr lang="en-US" sz="1600" dirty="0">
-                <a:solidFill>
-                  <a:srgbClr val="000000"/>
-                </a:solidFill>
-                <a:latin typeface="Consolas" pitchFamily="49" charset="0"/>
-                <a:ea typeface="Calibri"/>
-                <a:cs typeface="Consolas" pitchFamily="49" charset="0"/>
-              </a:rPr>
-              <a:t>	</a:t>
-            </a:r>
-            <a:r>
-              <a:rPr lang="en-US" sz="1600" b="1" dirty="0">
-                <a:solidFill>
-                  <a:srgbClr val="7F0055"/>
-                </a:solidFill>
-                <a:latin typeface="Consolas" pitchFamily="49" charset="0"/>
-                <a:ea typeface="Calibri"/>
-                <a:cs typeface="Consolas" pitchFamily="49" charset="0"/>
-              </a:rPr>
-              <a:t>public</a:t>
+                <a:latin typeface="Consolas" pitchFamily="49" charset="0"/>
+                <a:ea typeface="Calibri"/>
+                <a:cs typeface="Consolas" pitchFamily="49" charset="0"/>
+              </a:rPr>
+              <a:t>	public </a:t>
+            </a:r>
+            <a:r>
+              <a:rPr lang="en-US" sz="1600" dirty="0" err="1">
+                <a:latin typeface="Consolas" pitchFamily="49" charset="0"/>
+                <a:ea typeface="Calibri"/>
+                <a:cs typeface="Consolas" pitchFamily="49" charset="0"/>
+              </a:rPr>
+              <a:t>int</a:t>
             </a:r>
             <a:r>
               <a:rPr lang="en-US" sz="1600" dirty="0">
-                <a:solidFill>
-                  <a:srgbClr val="000000"/>
-                </a:solidFill>
                 <a:latin typeface="Consolas" pitchFamily="49" charset="0"/>
                 <a:ea typeface="Calibri"/>
                 <a:cs typeface="Consolas" pitchFamily="49" charset="0"/>
@@ -9790,65 +9905,23 @@
               <a:t> </a:t>
             </a:r>
             <a:r>
-              <a:rPr lang="en-US" sz="1600" b="1" dirty="0" err="1">
-                <a:solidFill>
-                  <a:srgbClr val="7F0055"/>
-                </a:solidFill>
-                <a:latin typeface="Consolas" pitchFamily="49" charset="0"/>
-                <a:ea typeface="Calibri"/>
-                <a:cs typeface="Consolas" pitchFamily="49" charset="0"/>
-              </a:rPr>
-              <a:t>int</a:t>
+              <a:rPr lang="en-US" sz="1600" dirty="0" err="1">
+                <a:latin typeface="Consolas" pitchFamily="49" charset="0"/>
+                <a:ea typeface="Calibri"/>
+                <a:cs typeface="Consolas" pitchFamily="49" charset="0"/>
+              </a:rPr>
+              <a:t>shirtID</a:t>
             </a:r>
             <a:r>
               <a:rPr lang="en-US" sz="1600" dirty="0">
-                <a:solidFill>
-                  <a:srgbClr val="000000"/>
-                </a:solidFill>
-                <a:latin typeface="Consolas" pitchFamily="49" charset="0"/>
-                <a:ea typeface="Calibri"/>
-                <a:cs typeface="Consolas" pitchFamily="49" charset="0"/>
-              </a:rPr>
-              <a:t> </a:t>
-            </a:r>
-            <a:r>
-              <a:rPr lang="en-US" sz="1600" dirty="0" err="1">
-                <a:solidFill>
-                  <a:srgbClr val="0000C0"/>
-                </a:solidFill>
-                <a:latin typeface="Consolas" pitchFamily="49" charset="0"/>
-                <a:ea typeface="Calibri"/>
-                <a:cs typeface="Consolas" pitchFamily="49" charset="0"/>
-              </a:rPr>
-              <a:t>shirtID</a:t>
-            </a:r>
-            <a:r>
-              <a:rPr lang="en-US" sz="1600" dirty="0">
-                <a:solidFill>
-                  <a:srgbClr val="000000"/>
-                </a:solidFill>
-                <a:latin typeface="Consolas" pitchFamily="49" charset="0"/>
-                <a:ea typeface="Calibri"/>
-                <a:cs typeface="Consolas" pitchFamily="49" charset="0"/>
-              </a:rPr>
-              <a:t> = 0; </a:t>
-            </a:r>
-            <a:r>
-              <a:rPr lang="en-US" sz="1600" dirty="0">
-                <a:solidFill>
-                  <a:srgbClr val="3F7F5F"/>
-                </a:solidFill>
-                <a:latin typeface="Consolas" pitchFamily="49" charset="0"/>
-                <a:ea typeface="Calibri"/>
-                <a:cs typeface="Consolas" pitchFamily="49" charset="0"/>
-              </a:rPr>
-              <a:t>// Default ID for the </a:t>
+                <a:latin typeface="Consolas" pitchFamily="49" charset="0"/>
+                <a:ea typeface="Calibri"/>
+                <a:cs typeface="Consolas" pitchFamily="49" charset="0"/>
+              </a:rPr>
+              <a:t> = 0; // Default ID for the </a:t>
             </a:r>
             <a:r>
               <a:rPr lang="en-US" sz="1600" dirty="0" smtClean="0">
-                <a:solidFill>
-                  <a:srgbClr val="3F7F5F"/>
-                </a:solidFill>
                 <a:latin typeface="Consolas" pitchFamily="49" charset="0"/>
                 <a:ea typeface="Calibri"/>
                 <a:cs typeface="Consolas" pitchFamily="49" charset="0"/>
@@ -9864,9 +9937,6 @@
             </a:pPr>
             <a:r>
               <a:rPr lang="en-US" sz="1600" dirty="0" smtClean="0">
-                <a:solidFill>
-                  <a:srgbClr val="3F7F5F"/>
-                </a:solidFill>
                 <a:latin typeface="Consolas" pitchFamily="49" charset="0"/>
                 <a:ea typeface="Calibri"/>
                 <a:cs typeface="Consolas" pitchFamily="49" charset="0"/>
@@ -9875,9 +9945,6 @@
             </a:r>
             <a:r>
               <a:rPr lang="en-US" sz="1600" dirty="0">
-                <a:solidFill>
-                  <a:srgbClr val="3F7F5F"/>
-                </a:solidFill>
                 <a:latin typeface="Consolas" pitchFamily="49" charset="0"/>
                 <a:ea typeface="Calibri"/>
                 <a:cs typeface="Consolas" pitchFamily="49" charset="0"/>
@@ -9886,9 +9953,6 @@
             </a:r>
             <a:r>
               <a:rPr lang="en-US" sz="1600" dirty="0" smtClean="0">
-                <a:solidFill>
-                  <a:srgbClr val="3F7F5F"/>
-                </a:solidFill>
                 <a:latin typeface="Consolas" pitchFamily="49" charset="0"/>
                 <a:ea typeface="Calibri"/>
                 <a:cs typeface="Consolas" pitchFamily="49" charset="0"/>
@@ -9912,85 +9976,13 @@
             </a:pPr>
             <a:r>
               <a:rPr lang="en-US" sz="1600" dirty="0">
-                <a:solidFill>
-                  <a:srgbClr val="000000"/>
-                </a:solidFill>
-                <a:latin typeface="Consolas" pitchFamily="49" charset="0"/>
-                <a:ea typeface="Calibri"/>
-                <a:cs typeface="Consolas" pitchFamily="49" charset="0"/>
-              </a:rPr>
-              <a:t>	</a:t>
-            </a:r>
-            <a:r>
-              <a:rPr lang="en-US" sz="1600" b="1" dirty="0">
-                <a:solidFill>
-                  <a:srgbClr val="7F0055"/>
-                </a:solidFill>
-                <a:latin typeface="Consolas" pitchFamily="49" charset="0"/>
-                <a:ea typeface="Calibri"/>
-                <a:cs typeface="Consolas" pitchFamily="49" charset="0"/>
-              </a:rPr>
-              <a:t>public</a:t>
-            </a:r>
-            <a:r>
-              <a:rPr lang="en-US" sz="1600" dirty="0">
-                <a:solidFill>
-                  <a:srgbClr val="000000"/>
-                </a:solidFill>
-                <a:latin typeface="Consolas" pitchFamily="49" charset="0"/>
-                <a:ea typeface="Calibri"/>
-                <a:cs typeface="Consolas" pitchFamily="49" charset="0"/>
-              </a:rPr>
-              <a:t> String </a:t>
-            </a:r>
-            <a:r>
-              <a:rPr lang="en-US" sz="1600" dirty="0">
-                <a:solidFill>
-                  <a:srgbClr val="0000C0"/>
-                </a:solidFill>
-                <a:latin typeface="Consolas" pitchFamily="49" charset="0"/>
-                <a:ea typeface="Calibri"/>
-                <a:cs typeface="Consolas" pitchFamily="49" charset="0"/>
-              </a:rPr>
-              <a:t>description</a:t>
-            </a:r>
-            <a:r>
-              <a:rPr lang="en-US" sz="1600" dirty="0">
-                <a:solidFill>
-                  <a:srgbClr val="000000"/>
-                </a:solidFill>
-                <a:latin typeface="Consolas" pitchFamily="49" charset="0"/>
-                <a:ea typeface="Calibri"/>
-                <a:cs typeface="Consolas" pitchFamily="49" charset="0"/>
-              </a:rPr>
-              <a:t> = </a:t>
-            </a:r>
-            <a:r>
-              <a:rPr lang="en-US" sz="1600" dirty="0">
-                <a:solidFill>
-                  <a:srgbClr val="2A00FF"/>
-                </a:solidFill>
-                <a:latin typeface="Consolas" pitchFamily="49" charset="0"/>
-                <a:ea typeface="Calibri"/>
-                <a:cs typeface="Consolas" pitchFamily="49" charset="0"/>
-              </a:rPr>
-              <a:t>"-description required-"</a:t>
-            </a:r>
-            <a:r>
-              <a:rPr lang="en-US" sz="1600" dirty="0">
-                <a:solidFill>
-                  <a:srgbClr val="000000"/>
-                </a:solidFill>
-                <a:latin typeface="Consolas" pitchFamily="49" charset="0"/>
-                <a:ea typeface="Calibri"/>
-                <a:cs typeface="Consolas" pitchFamily="49" charset="0"/>
-              </a:rPr>
-              <a:t>; </a:t>
+                <a:latin typeface="Consolas" pitchFamily="49" charset="0"/>
+                <a:ea typeface="Calibri"/>
+                <a:cs typeface="Consolas" pitchFamily="49" charset="0"/>
+              </a:rPr>
+              <a:t>	public String description = "-description required-"; </a:t>
             </a:r>
             <a:endParaRPr lang="en-US" sz="1600" dirty="0" smtClean="0">
-              <a:solidFill>
-                <a:srgbClr val="000000"/>
-              </a:solidFill>
               <a:latin typeface="Consolas" pitchFamily="49" charset="0"/>
               <a:ea typeface="Calibri"/>
               <a:cs typeface="Consolas" pitchFamily="49" charset="0"/>
@@ -10007,31 +9999,14 @@
             </a:pPr>
             <a:r>
               <a:rPr lang="en-US" sz="1600" dirty="0">
-                <a:solidFill>
-                  <a:srgbClr val="000000"/>
-                </a:solidFill>
-                <a:latin typeface="Consolas" pitchFamily="49" charset="0"/>
-                <a:ea typeface="Calibri"/>
-                <a:cs typeface="Consolas" pitchFamily="49" charset="0"/>
-              </a:rPr>
-              <a:t>	</a:t>
-            </a:r>
-            <a:r>
-              <a:rPr lang="en-US" sz="1600" dirty="0">
-                <a:solidFill>
-                  <a:srgbClr val="3F7F5F"/>
-                </a:solidFill>
-                <a:latin typeface="Consolas" pitchFamily="49" charset="0"/>
-                <a:ea typeface="Calibri"/>
-                <a:cs typeface="Consolas" pitchFamily="49" charset="0"/>
-              </a:rPr>
-              <a:t>// The color codes are R=Red, B=Blue, G=Green, U=</a:t>
+                <a:latin typeface="Consolas" pitchFamily="49" charset="0"/>
+                <a:ea typeface="Calibri"/>
+                <a:cs typeface="Consolas" pitchFamily="49" charset="0"/>
+              </a:rPr>
+              <a:t>	// The color codes are R=Red, B=Blue, G=Green, U=</a:t>
             </a:r>
             <a:r>
               <a:rPr lang="en-US" sz="1600" u="sng" dirty="0">
-                <a:solidFill>
-                  <a:srgbClr val="3F7F5F"/>
-                </a:solidFill>
                 <a:latin typeface="Consolas" pitchFamily="49" charset="0"/>
                 <a:ea typeface="Calibri"/>
                 <a:cs typeface="Consolas" pitchFamily="49" charset="0"/>
@@ -10055,102 +10030,27 @@
             </a:pPr>
             <a:r>
               <a:rPr lang="en-US" sz="1600" dirty="0">
-                <a:solidFill>
-                  <a:srgbClr val="000000"/>
-                </a:solidFill>
-                <a:latin typeface="Consolas" pitchFamily="49" charset="0"/>
-                <a:ea typeface="Calibri"/>
-                <a:cs typeface="Consolas" pitchFamily="49" charset="0"/>
-              </a:rPr>
-              <a:t>	</a:t>
-            </a:r>
-            <a:r>
-              <a:rPr lang="en-US" sz="1600" b="1" dirty="0">
-                <a:solidFill>
-                  <a:srgbClr val="7F0055"/>
-                </a:solidFill>
-                <a:latin typeface="Consolas" pitchFamily="49" charset="0"/>
-                <a:ea typeface="Calibri"/>
-                <a:cs typeface="Consolas" pitchFamily="49" charset="0"/>
-              </a:rPr>
-              <a:t>public</a:t>
+                <a:latin typeface="Consolas" pitchFamily="49" charset="0"/>
+                <a:ea typeface="Calibri"/>
+                <a:cs typeface="Consolas" pitchFamily="49" charset="0"/>
+              </a:rPr>
+              <a:t>	public char </a:t>
+            </a:r>
+            <a:r>
+              <a:rPr lang="en-US" sz="1600" dirty="0" err="1">
+                <a:latin typeface="Consolas" pitchFamily="49" charset="0"/>
+                <a:ea typeface="Calibri"/>
+                <a:cs typeface="Consolas" pitchFamily="49" charset="0"/>
+              </a:rPr>
+              <a:t>colorCode</a:t>
             </a:r>
             <a:r>
               <a:rPr lang="en-US" sz="1600" dirty="0">
-                <a:solidFill>
-                  <a:srgbClr val="000000"/>
-                </a:solidFill>
-                <a:latin typeface="Consolas" pitchFamily="49" charset="0"/>
-                <a:ea typeface="Calibri"/>
-                <a:cs typeface="Consolas" pitchFamily="49" charset="0"/>
-              </a:rPr>
-              <a:t> </a:t>
-            </a:r>
-            <a:r>
-              <a:rPr lang="en-US" sz="1600" b="1" dirty="0">
-                <a:solidFill>
-                  <a:srgbClr val="7F0055"/>
-                </a:solidFill>
-                <a:latin typeface="Consolas" pitchFamily="49" charset="0"/>
-                <a:ea typeface="Calibri"/>
-                <a:cs typeface="Consolas" pitchFamily="49" charset="0"/>
-              </a:rPr>
-              <a:t>char</a:t>
-            </a:r>
-            <a:r>
-              <a:rPr lang="en-US" sz="1600" dirty="0">
-                <a:solidFill>
-                  <a:srgbClr val="000000"/>
-                </a:solidFill>
-                <a:latin typeface="Consolas" pitchFamily="49" charset="0"/>
-                <a:ea typeface="Calibri"/>
-                <a:cs typeface="Consolas" pitchFamily="49" charset="0"/>
-              </a:rPr>
-              <a:t> </a:t>
-            </a:r>
-            <a:r>
-              <a:rPr lang="en-US" sz="1600" dirty="0" err="1">
-                <a:solidFill>
-                  <a:srgbClr val="0000C0"/>
-                </a:solidFill>
-                <a:latin typeface="Consolas" pitchFamily="49" charset="0"/>
-                <a:ea typeface="Calibri"/>
-                <a:cs typeface="Consolas" pitchFamily="49" charset="0"/>
-              </a:rPr>
-              <a:t>colorCode</a:t>
-            </a:r>
-            <a:r>
-              <a:rPr lang="en-US" sz="1600" dirty="0">
-                <a:solidFill>
-                  <a:srgbClr val="000000"/>
-                </a:solidFill>
-                <a:latin typeface="Consolas" pitchFamily="49" charset="0"/>
-                <a:ea typeface="Calibri"/>
-                <a:cs typeface="Consolas" pitchFamily="49" charset="0"/>
-              </a:rPr>
-              <a:t> = </a:t>
-            </a:r>
-            <a:r>
-              <a:rPr lang="en-US" sz="1600" dirty="0">
-                <a:solidFill>
-                  <a:srgbClr val="2A00FF"/>
-                </a:solidFill>
-                <a:latin typeface="Consolas" pitchFamily="49" charset="0"/>
-                <a:ea typeface="Calibri"/>
-                <a:cs typeface="Consolas" pitchFamily="49" charset="0"/>
-              </a:rPr>
-              <a:t>'U'</a:t>
-            </a:r>
-            <a:r>
-              <a:rPr lang="en-US" sz="1600" dirty="0">
-                <a:solidFill>
-                  <a:srgbClr val="000000"/>
-                </a:solidFill>
-                <a:latin typeface="Consolas" pitchFamily="49" charset="0"/>
-                <a:ea typeface="Calibri"/>
-                <a:cs typeface="Consolas" pitchFamily="49" charset="0"/>
-              </a:rPr>
-              <a:t>;</a:t>
+                <a:latin typeface="Consolas" pitchFamily="49" charset="0"/>
+                <a:ea typeface="Calibri"/>
+                <a:cs typeface="Consolas" pitchFamily="49" charset="0"/>
+              </a:rPr>
+              <a:t> = 'U';</a:t>
             </a:r>
             <a:endParaRPr lang="pt-BR" sz="1600" dirty="0">
               <a:latin typeface="Consolas" pitchFamily="49" charset="0"/>
@@ -10169,91 +10069,11 @@
             </a:pPr>
             <a:r>
               <a:rPr lang="en-US" sz="1600" dirty="0">
-                <a:solidFill>
-                  <a:srgbClr val="000000"/>
-                </a:solidFill>
-                <a:latin typeface="Consolas" pitchFamily="49" charset="0"/>
-                <a:ea typeface="Calibri"/>
-                <a:cs typeface="Consolas" pitchFamily="49" charset="0"/>
-              </a:rPr>
-              <a:t>	</a:t>
-            </a:r>
-            <a:r>
-              <a:rPr lang="en-US" sz="1600" b="1" dirty="0">
-                <a:solidFill>
-                  <a:srgbClr val="7F0055"/>
-                </a:solidFill>
-                <a:latin typeface="Consolas" pitchFamily="49" charset="0"/>
-                <a:ea typeface="Calibri"/>
-                <a:cs typeface="Consolas" pitchFamily="49" charset="0"/>
-              </a:rPr>
-              <a:t>public</a:t>
-            </a:r>
-            <a:r>
-              <a:rPr lang="en-US" sz="1600" dirty="0">
-                <a:solidFill>
-                  <a:srgbClr val="000000"/>
-                </a:solidFill>
-                <a:latin typeface="Consolas" pitchFamily="49" charset="0"/>
-                <a:ea typeface="Calibri"/>
-                <a:cs typeface="Consolas" pitchFamily="49" charset="0"/>
-              </a:rPr>
-              <a:t> </a:t>
-            </a:r>
-            <a:r>
-              <a:rPr lang="en-US" sz="1600" b="1" dirty="0">
-                <a:solidFill>
-                  <a:srgbClr val="7F0055"/>
-                </a:solidFill>
-                <a:latin typeface="Consolas" pitchFamily="49" charset="0"/>
-                <a:ea typeface="Calibri"/>
-                <a:cs typeface="Consolas" pitchFamily="49" charset="0"/>
-              </a:rPr>
-              <a:t>double</a:t>
-            </a:r>
-            <a:r>
-              <a:rPr lang="en-US" sz="1600" dirty="0">
-                <a:solidFill>
-                  <a:srgbClr val="000000"/>
-                </a:solidFill>
-                <a:latin typeface="Consolas" pitchFamily="49" charset="0"/>
-                <a:ea typeface="Calibri"/>
-                <a:cs typeface="Consolas" pitchFamily="49" charset="0"/>
-              </a:rPr>
-              <a:t> </a:t>
-            </a:r>
-            <a:r>
-              <a:rPr lang="en-US" sz="1600" dirty="0">
-                <a:solidFill>
-                  <a:srgbClr val="0000C0"/>
-                </a:solidFill>
-                <a:latin typeface="Consolas" pitchFamily="49" charset="0"/>
-                <a:ea typeface="Calibri"/>
-                <a:cs typeface="Consolas" pitchFamily="49" charset="0"/>
-              </a:rPr>
-              <a:t>price</a:t>
-            </a:r>
-            <a:r>
-              <a:rPr lang="en-US" sz="1600" dirty="0">
-                <a:solidFill>
-                  <a:srgbClr val="000000"/>
-                </a:solidFill>
-                <a:latin typeface="Consolas" pitchFamily="49" charset="0"/>
-                <a:ea typeface="Calibri"/>
-                <a:cs typeface="Consolas" pitchFamily="49" charset="0"/>
-              </a:rPr>
-              <a:t> = 0.0; </a:t>
-            </a:r>
-            <a:r>
-              <a:rPr lang="en-US" sz="1600" dirty="0">
-                <a:solidFill>
-                  <a:srgbClr val="3F7F5F"/>
-                </a:solidFill>
-                <a:latin typeface="Consolas" pitchFamily="49" charset="0"/>
-                <a:ea typeface="Calibri"/>
-                <a:cs typeface="Consolas" pitchFamily="49" charset="0"/>
-              </a:rPr>
-              <a:t>// Default price for all shirts</a:t>
+                <a:latin typeface="Consolas" pitchFamily="49" charset="0"/>
+                <a:ea typeface="Calibri"/>
+                <a:cs typeface="Consolas" pitchFamily="49" charset="0"/>
+              </a:rPr>
+              <a:t>	public double price = 0.0; // Default price for all shirts</a:t>
             </a:r>
             <a:endParaRPr lang="pt-BR" sz="1600" dirty="0">
               <a:latin typeface="Consolas" pitchFamily="49" charset="0"/>
@@ -10272,31 +10092,22 @@
             </a:pPr>
             <a:r>
               <a:rPr lang="en-US" sz="1600" dirty="0">
-                <a:solidFill>
-                  <a:srgbClr val="000000"/>
-                </a:solidFill>
-                <a:latin typeface="Consolas" pitchFamily="49" charset="0"/>
-                <a:ea typeface="Calibri"/>
-                <a:cs typeface="Consolas" pitchFamily="49" charset="0"/>
-              </a:rPr>
-              <a:t>	</a:t>
-            </a:r>
-            <a:r>
-              <a:rPr lang="en-US" sz="1600" b="1" dirty="0">
-                <a:solidFill>
-                  <a:srgbClr val="7F0055"/>
-                </a:solidFill>
-                <a:latin typeface="Consolas" pitchFamily="49" charset="0"/>
-                <a:ea typeface="Calibri"/>
-                <a:cs typeface="Consolas" pitchFamily="49" charset="0"/>
-              </a:rPr>
-              <a:t>public</a:t>
+                <a:latin typeface="Consolas" pitchFamily="49" charset="0"/>
+                <a:ea typeface="Calibri"/>
+                <a:cs typeface="Consolas" pitchFamily="49" charset="0"/>
+              </a:rPr>
+              <a:t>	public </a:t>
+            </a:r>
+            <a:r>
+              <a:rPr lang="en-US" sz="1600" dirty="0" err="1">
+                <a:latin typeface="Consolas" pitchFamily="49" charset="0"/>
+                <a:ea typeface="Calibri"/>
+                <a:cs typeface="Consolas" pitchFamily="49" charset="0"/>
+              </a:rPr>
+              <a:t>int</a:t>
             </a:r>
             <a:r>
               <a:rPr lang="en-US" sz="1600" dirty="0">
-                <a:solidFill>
-                  <a:srgbClr val="000000"/>
-                </a:solidFill>
                 <a:latin typeface="Consolas" pitchFamily="49" charset="0"/>
                 <a:ea typeface="Calibri"/>
                 <a:cs typeface="Consolas" pitchFamily="49" charset="0"/>
@@ -10304,59 +10115,20 @@
               <a:t> </a:t>
             </a:r>
             <a:r>
-              <a:rPr lang="en-US" sz="1600" b="1" dirty="0" err="1">
-                <a:solidFill>
-                  <a:srgbClr val="7F0055"/>
-                </a:solidFill>
-                <a:latin typeface="Consolas" pitchFamily="49" charset="0"/>
-                <a:ea typeface="Calibri"/>
-                <a:cs typeface="Consolas" pitchFamily="49" charset="0"/>
-              </a:rPr>
-              <a:t>int</a:t>
+              <a:rPr lang="en-US" sz="1600" dirty="0" err="1">
+                <a:latin typeface="Consolas" pitchFamily="49" charset="0"/>
+                <a:ea typeface="Calibri"/>
+                <a:cs typeface="Consolas" pitchFamily="49" charset="0"/>
+              </a:rPr>
+              <a:t>quantityInStock</a:t>
             </a:r>
             <a:r>
               <a:rPr lang="en-US" sz="1600" dirty="0">
-                <a:solidFill>
-                  <a:srgbClr val="000000"/>
-                </a:solidFill>
-                <a:latin typeface="Consolas" pitchFamily="49" charset="0"/>
-                <a:ea typeface="Calibri"/>
-                <a:cs typeface="Consolas" pitchFamily="49" charset="0"/>
-              </a:rPr>
-              <a:t> </a:t>
-            </a:r>
-            <a:r>
-              <a:rPr lang="en-US" sz="1600" dirty="0" err="1">
-                <a:solidFill>
-                  <a:srgbClr val="0000C0"/>
-                </a:solidFill>
-                <a:latin typeface="Consolas" pitchFamily="49" charset="0"/>
-                <a:ea typeface="Calibri"/>
-                <a:cs typeface="Consolas" pitchFamily="49" charset="0"/>
-              </a:rPr>
-              <a:t>quantityInStock</a:t>
-            </a:r>
-            <a:r>
-              <a:rPr lang="en-US" sz="1600" dirty="0">
-                <a:solidFill>
-                  <a:srgbClr val="000000"/>
-                </a:solidFill>
-                <a:latin typeface="Consolas" pitchFamily="49" charset="0"/>
-                <a:ea typeface="Calibri"/>
-                <a:cs typeface="Consolas" pitchFamily="49" charset="0"/>
-              </a:rPr>
-              <a:t> = 0; </a:t>
-            </a:r>
-            <a:r>
-              <a:rPr lang="en-US" sz="1600" dirty="0">
-                <a:solidFill>
-                  <a:srgbClr val="3F7F5F"/>
-                </a:solidFill>
-                <a:latin typeface="Consolas" pitchFamily="49" charset="0"/>
-                <a:ea typeface="Calibri"/>
-                <a:cs typeface="Consolas" pitchFamily="49" charset="0"/>
-              </a:rPr>
-              <a:t>// Default quantity for all shirts</a:t>
+                <a:latin typeface="Consolas" pitchFamily="49" charset="0"/>
+                <a:ea typeface="Calibri"/>
+                <a:cs typeface="Consolas" pitchFamily="49" charset="0"/>
+              </a:rPr>
+              <a:t> = 0; // Default quantity for all shirts</a:t>
             </a:r>
             <a:endParaRPr lang="pt-BR" sz="1600" dirty="0">
               <a:latin typeface="Consolas" pitchFamily="49" charset="0"/>
@@ -10375,25 +10147,11 @@
             </a:pPr>
             <a:r>
               <a:rPr lang="en-US" sz="1600" dirty="0">
-                <a:solidFill>
-                  <a:srgbClr val="000000"/>
-                </a:solidFill>
-                <a:latin typeface="Consolas" pitchFamily="49" charset="0"/>
-                <a:ea typeface="Calibri"/>
-                <a:cs typeface="Consolas" pitchFamily="49" charset="0"/>
-              </a:rPr>
-              <a:t>	</a:t>
-            </a:r>
-            <a:r>
-              <a:rPr lang="en-US" sz="1600" dirty="0">
-                <a:solidFill>
-                  <a:srgbClr val="3F7F5F"/>
-                </a:solidFill>
-                <a:latin typeface="Consolas" pitchFamily="49" charset="0"/>
-                <a:ea typeface="Calibri"/>
-                <a:cs typeface="Consolas" pitchFamily="49" charset="0"/>
-              </a:rPr>
-              <a:t>// This method displays the values for an item</a:t>
+                <a:latin typeface="Consolas" pitchFamily="49" charset="0"/>
+                <a:ea typeface="Calibri"/>
+                <a:cs typeface="Consolas" pitchFamily="49" charset="0"/>
+              </a:rPr>
+              <a:t>	// This method displays the values for an item</a:t>
             </a:r>
             <a:endParaRPr lang="pt-BR" sz="1600" dirty="0">
               <a:latin typeface="Consolas" pitchFamily="49" charset="0"/>
@@ -10412,75 +10170,22 @@
             </a:pPr>
             <a:r>
               <a:rPr lang="en-US" sz="1600" dirty="0">
-                <a:solidFill>
-                  <a:srgbClr val="000000"/>
-                </a:solidFill>
-                <a:latin typeface="Consolas" pitchFamily="49" charset="0"/>
-                <a:ea typeface="Calibri"/>
-                <a:cs typeface="Consolas" pitchFamily="49" charset="0"/>
-              </a:rPr>
-              <a:t>	</a:t>
-            </a:r>
-            <a:r>
-              <a:rPr lang="en-US" sz="1600" b="1" dirty="0">
-                <a:solidFill>
-                  <a:srgbClr val="7F0055"/>
-                </a:solidFill>
-                <a:latin typeface="Consolas" pitchFamily="49" charset="0"/>
-                <a:ea typeface="Calibri"/>
-                <a:cs typeface="Consolas" pitchFamily="49" charset="0"/>
-              </a:rPr>
-              <a:t>public</a:t>
+                <a:latin typeface="Consolas" pitchFamily="49" charset="0"/>
+                <a:ea typeface="Calibri"/>
+                <a:cs typeface="Consolas" pitchFamily="49" charset="0"/>
+              </a:rPr>
+              <a:t>	public void </a:t>
+            </a:r>
+            <a:r>
+              <a:rPr lang="en-US" sz="1600" dirty="0" err="1">
+                <a:latin typeface="Consolas" pitchFamily="49" charset="0"/>
+                <a:ea typeface="Calibri"/>
+                <a:cs typeface="Consolas" pitchFamily="49" charset="0"/>
+              </a:rPr>
+              <a:t>displayShirtInformation</a:t>
             </a:r>
             <a:r>
               <a:rPr lang="en-US" sz="1600" dirty="0">
-                <a:solidFill>
-                  <a:srgbClr val="000000"/>
-                </a:solidFill>
-                <a:latin typeface="Consolas" pitchFamily="49" charset="0"/>
-                <a:ea typeface="Calibri"/>
-                <a:cs typeface="Consolas" pitchFamily="49" charset="0"/>
-              </a:rPr>
-              <a:t> </a:t>
-            </a:r>
-            <a:r>
-              <a:rPr lang="en-US" sz="1600" b="1" dirty="0">
-                <a:solidFill>
-                  <a:srgbClr val="7F0055"/>
-                </a:solidFill>
-                <a:latin typeface="Consolas" pitchFamily="49" charset="0"/>
-                <a:ea typeface="Calibri"/>
-                <a:cs typeface="Consolas" pitchFamily="49" charset="0"/>
-              </a:rPr>
-              <a:t>void</a:t>
-            </a:r>
-            <a:r>
-              <a:rPr lang="en-US" sz="1600" dirty="0">
-                <a:solidFill>
-                  <a:srgbClr val="000000"/>
-                </a:solidFill>
-                <a:latin typeface="Consolas" pitchFamily="49" charset="0"/>
-                <a:ea typeface="Calibri"/>
-                <a:cs typeface="Consolas" pitchFamily="49" charset="0"/>
-              </a:rPr>
-              <a:t> </a:t>
-            </a:r>
-            <a:r>
-              <a:rPr lang="en-US" sz="1600" dirty="0" err="1">
-                <a:solidFill>
-                  <a:srgbClr val="000000"/>
-                </a:solidFill>
-                <a:latin typeface="Consolas" pitchFamily="49" charset="0"/>
-                <a:ea typeface="Calibri"/>
-                <a:cs typeface="Consolas" pitchFamily="49" charset="0"/>
-              </a:rPr>
-              <a:t>displayShirtInformation</a:t>
-            </a:r>
-            <a:r>
-              <a:rPr lang="en-US" sz="1600" dirty="0">
-                <a:solidFill>
-                  <a:srgbClr val="000000"/>
-                </a:solidFill>
                 <a:latin typeface="Consolas" pitchFamily="49" charset="0"/>
                 <a:ea typeface="Calibri"/>
                 <a:cs typeface="Consolas" pitchFamily="49" charset="0"/>
@@ -10504,9 +10209,6 @@
             </a:pPr>
             <a:r>
               <a:rPr lang="en-US" sz="1600" dirty="0">
-                <a:solidFill>
-                  <a:srgbClr val="000000"/>
-                </a:solidFill>
                 <a:latin typeface="Consolas" pitchFamily="49" charset="0"/>
                 <a:ea typeface="Calibri"/>
                 <a:cs typeface="Consolas" pitchFamily="49" charset="0"/>
@@ -10515,9 +10217,6 @@
             </a:r>
             <a:r>
               <a:rPr lang="en-US" sz="1600" dirty="0" err="1">
-                <a:solidFill>
-                  <a:srgbClr val="000000"/>
-                </a:solidFill>
                 <a:latin typeface="Consolas" pitchFamily="49" charset="0"/>
                 <a:ea typeface="Calibri"/>
                 <a:cs typeface="Consolas" pitchFamily="49" charset="0"/>
@@ -10526,9 +10225,6 @@
             </a:r>
             <a:r>
               <a:rPr lang="en-US" sz="1600" i="1" dirty="0" err="1">
-                <a:solidFill>
-                  <a:srgbClr val="0000C0"/>
-                </a:solidFill>
                 <a:latin typeface="Consolas" pitchFamily="49" charset="0"/>
                 <a:ea typeface="Calibri"/>
                 <a:cs typeface="Consolas" pitchFamily="49" charset="0"/>
@@ -10537,9 +10233,6 @@
             </a:r>
             <a:r>
               <a:rPr lang="en-US" sz="1600" dirty="0" err="1">
-                <a:solidFill>
-                  <a:srgbClr val="000000"/>
-                </a:solidFill>
                 <a:latin typeface="Consolas" pitchFamily="49" charset="0"/>
                 <a:ea typeface="Calibri"/>
                 <a:cs typeface="Consolas" pitchFamily="49" charset="0"/>
@@ -10548,53 +10241,22 @@
             </a:r>
             <a:r>
               <a:rPr lang="en-US" sz="1600" dirty="0">
-                <a:solidFill>
-                  <a:srgbClr val="000000"/>
-                </a:solidFill>
-                <a:latin typeface="Consolas" pitchFamily="49" charset="0"/>
-                <a:ea typeface="Calibri"/>
-                <a:cs typeface="Consolas" pitchFamily="49" charset="0"/>
-              </a:rPr>
-              <a:t>(</a:t>
+                <a:latin typeface="Consolas" pitchFamily="49" charset="0"/>
+                <a:ea typeface="Calibri"/>
+                <a:cs typeface="Consolas" pitchFamily="49" charset="0"/>
+              </a:rPr>
+              <a:t>("Shirt ID: " + </a:t>
+            </a:r>
+            <a:r>
+              <a:rPr lang="en-US" sz="1600" dirty="0" err="1">
+                <a:latin typeface="Consolas" pitchFamily="49" charset="0"/>
+                <a:ea typeface="Calibri"/>
+                <a:cs typeface="Consolas" pitchFamily="49" charset="0"/>
+              </a:rPr>
+              <a:t>shirtID</a:t>
             </a:r>
             <a:r>
               <a:rPr lang="en-US" sz="1600" dirty="0">
-                <a:solidFill>
-                  <a:srgbClr val="2A00FF"/>
-                </a:solidFill>
-                <a:latin typeface="Consolas" pitchFamily="49" charset="0"/>
-                <a:ea typeface="Calibri"/>
-                <a:cs typeface="Consolas" pitchFamily="49" charset="0"/>
-              </a:rPr>
-              <a:t>"Shirt ID: "</a:t>
-            </a:r>
-            <a:r>
-              <a:rPr lang="en-US" sz="1600" dirty="0">
-                <a:solidFill>
-                  <a:srgbClr val="000000"/>
-                </a:solidFill>
-                <a:latin typeface="Consolas" pitchFamily="49" charset="0"/>
-                <a:ea typeface="Calibri"/>
-                <a:cs typeface="Consolas" pitchFamily="49" charset="0"/>
-              </a:rPr>
-              <a:t> + </a:t>
-            </a:r>
-            <a:r>
-              <a:rPr lang="en-US" sz="1600" dirty="0" err="1">
-                <a:solidFill>
-                  <a:srgbClr val="0000C0"/>
-                </a:solidFill>
-                <a:latin typeface="Consolas" pitchFamily="49" charset="0"/>
-                <a:ea typeface="Calibri"/>
-                <a:cs typeface="Consolas" pitchFamily="49" charset="0"/>
-              </a:rPr>
-              <a:t>shirtID</a:t>
-            </a:r>
-            <a:r>
-              <a:rPr lang="en-US" sz="1600" dirty="0">
-                <a:solidFill>
-                  <a:srgbClr val="000000"/>
-                </a:solidFill>
                 <a:latin typeface="Consolas" pitchFamily="49" charset="0"/>
                 <a:ea typeface="Calibri"/>
                 <a:cs typeface="Consolas" pitchFamily="49" charset="0"/>
@@ -10618,9 +10280,6 @@
             </a:pPr>
             <a:r>
               <a:rPr lang="en-US" sz="1600" dirty="0">
-                <a:solidFill>
-                  <a:srgbClr val="000000"/>
-                </a:solidFill>
                 <a:latin typeface="Consolas" pitchFamily="49" charset="0"/>
                 <a:ea typeface="Calibri"/>
                 <a:cs typeface="Consolas" pitchFamily="49" charset="0"/>
@@ -10629,9 +10288,6 @@
             </a:r>
             <a:r>
               <a:rPr lang="en-US" sz="1600" dirty="0" err="1">
-                <a:solidFill>
-                  <a:srgbClr val="000000"/>
-                </a:solidFill>
                 <a:latin typeface="Consolas" pitchFamily="49" charset="0"/>
                 <a:ea typeface="Calibri"/>
                 <a:cs typeface="Consolas" pitchFamily="49" charset="0"/>
@@ -10640,9 +10296,6 @@
             </a:r>
             <a:r>
               <a:rPr lang="en-US" sz="1600" i="1" dirty="0" err="1">
-                <a:solidFill>
-                  <a:srgbClr val="0000C0"/>
-                </a:solidFill>
                 <a:latin typeface="Consolas" pitchFamily="49" charset="0"/>
                 <a:ea typeface="Calibri"/>
                 <a:cs typeface="Consolas" pitchFamily="49" charset="0"/>
@@ -10651,9 +10304,6 @@
             </a:r>
             <a:r>
               <a:rPr lang="en-US" sz="1600" dirty="0" err="1">
-                <a:solidFill>
-                  <a:srgbClr val="000000"/>
-                </a:solidFill>
                 <a:latin typeface="Consolas" pitchFamily="49" charset="0"/>
                 <a:ea typeface="Calibri"/>
                 <a:cs typeface="Consolas" pitchFamily="49" charset="0"/>
@@ -10662,58 +10312,11 @@
             </a:r>
             <a:r>
               <a:rPr lang="en-US" sz="1600" dirty="0">
-                <a:solidFill>
-                  <a:srgbClr val="000000"/>
-                </a:solidFill>
-                <a:latin typeface="Consolas" pitchFamily="49" charset="0"/>
-                <a:ea typeface="Calibri"/>
-                <a:cs typeface="Consolas" pitchFamily="49" charset="0"/>
-              </a:rPr>
-              <a:t>(</a:t>
-            </a:r>
-            <a:r>
-              <a:rPr lang="en-US" sz="1600" dirty="0">
-                <a:solidFill>
-                  <a:srgbClr val="2A00FF"/>
-                </a:solidFill>
-                <a:latin typeface="Consolas" pitchFamily="49" charset="0"/>
-                <a:ea typeface="Calibri"/>
-                <a:cs typeface="Consolas" pitchFamily="49" charset="0"/>
-              </a:rPr>
-              <a:t>"Shirt description:"</a:t>
-            </a:r>
-            <a:r>
-              <a:rPr lang="en-US" sz="1600" dirty="0">
-                <a:solidFill>
-                  <a:srgbClr val="000000"/>
-                </a:solidFill>
-                <a:latin typeface="Consolas" pitchFamily="49" charset="0"/>
-                <a:ea typeface="Calibri"/>
-                <a:cs typeface="Consolas" pitchFamily="49" charset="0"/>
-              </a:rPr>
-              <a:t> + </a:t>
-            </a:r>
-            <a:r>
-              <a:rPr lang="en-US" sz="1600" dirty="0">
-                <a:solidFill>
-                  <a:srgbClr val="0000C0"/>
-                </a:solidFill>
-                <a:latin typeface="Consolas" pitchFamily="49" charset="0"/>
-                <a:ea typeface="Calibri"/>
-                <a:cs typeface="Consolas" pitchFamily="49" charset="0"/>
-              </a:rPr>
-              <a:t>description</a:t>
-            </a:r>
-            <a:r>
-              <a:rPr lang="en-US" sz="1600" dirty="0">
-                <a:solidFill>
-                  <a:srgbClr val="000000"/>
-                </a:solidFill>
-                <a:latin typeface="Consolas" pitchFamily="49" charset="0"/>
-                <a:ea typeface="Calibri"/>
-                <a:cs typeface="Consolas" pitchFamily="49" charset="0"/>
-              </a:rPr>
-              <a:t>);</a:t>
+                <a:latin typeface="Consolas" pitchFamily="49" charset="0"/>
+                <a:ea typeface="Calibri"/>
+                <a:cs typeface="Consolas" pitchFamily="49" charset="0"/>
+              </a:rPr>
+              <a:t>("Shirt description:" + description);</a:t>
             </a:r>
             <a:endParaRPr lang="pt-BR" sz="1600" dirty="0">
               <a:latin typeface="Consolas" pitchFamily="49" charset="0"/>
@@ -10732,9 +10335,6 @@
             </a:pPr>
             <a:r>
               <a:rPr lang="en-US" sz="1600" dirty="0">
-                <a:solidFill>
-                  <a:srgbClr val="000000"/>
-                </a:solidFill>
                 <a:latin typeface="Consolas" pitchFamily="49" charset="0"/>
                 <a:ea typeface="Calibri"/>
                 <a:cs typeface="Consolas" pitchFamily="49" charset="0"/>
@@ -10743,9 +10343,6 @@
             </a:r>
             <a:r>
               <a:rPr lang="en-US" sz="1600" dirty="0" err="1">
-                <a:solidFill>
-                  <a:srgbClr val="000000"/>
-                </a:solidFill>
                 <a:latin typeface="Consolas" pitchFamily="49" charset="0"/>
                 <a:ea typeface="Calibri"/>
                 <a:cs typeface="Consolas" pitchFamily="49" charset="0"/>
@@ -10754,9 +10351,6 @@
             </a:r>
             <a:r>
               <a:rPr lang="en-US" sz="1600" i="1" dirty="0" err="1">
-                <a:solidFill>
-                  <a:srgbClr val="0000C0"/>
-                </a:solidFill>
                 <a:latin typeface="Consolas" pitchFamily="49" charset="0"/>
                 <a:ea typeface="Calibri"/>
                 <a:cs typeface="Consolas" pitchFamily="49" charset="0"/>
@@ -10765,9 +10359,6 @@
             </a:r>
             <a:r>
               <a:rPr lang="en-US" sz="1600" dirty="0" err="1">
-                <a:solidFill>
-                  <a:srgbClr val="000000"/>
-                </a:solidFill>
                 <a:latin typeface="Consolas" pitchFamily="49" charset="0"/>
                 <a:ea typeface="Calibri"/>
                 <a:cs typeface="Consolas" pitchFamily="49" charset="0"/>
@@ -10776,53 +10367,22 @@
             </a:r>
             <a:r>
               <a:rPr lang="en-US" sz="1600" dirty="0">
-                <a:solidFill>
-                  <a:srgbClr val="000000"/>
-                </a:solidFill>
-                <a:latin typeface="Consolas" pitchFamily="49" charset="0"/>
-                <a:ea typeface="Calibri"/>
-                <a:cs typeface="Consolas" pitchFamily="49" charset="0"/>
-              </a:rPr>
-              <a:t>(</a:t>
+                <a:latin typeface="Consolas" pitchFamily="49" charset="0"/>
+                <a:ea typeface="Calibri"/>
+                <a:cs typeface="Consolas" pitchFamily="49" charset="0"/>
+              </a:rPr>
+              <a:t>("Color Code: " + </a:t>
+            </a:r>
+            <a:r>
+              <a:rPr lang="en-US" sz="1600" dirty="0" err="1">
+                <a:latin typeface="Consolas" pitchFamily="49" charset="0"/>
+                <a:ea typeface="Calibri"/>
+                <a:cs typeface="Consolas" pitchFamily="49" charset="0"/>
+              </a:rPr>
+              <a:t>colorCode</a:t>
             </a:r>
             <a:r>
               <a:rPr lang="en-US" sz="1600" dirty="0">
-                <a:solidFill>
-                  <a:srgbClr val="2A00FF"/>
-                </a:solidFill>
-                <a:latin typeface="Consolas" pitchFamily="49" charset="0"/>
-                <a:ea typeface="Calibri"/>
-                <a:cs typeface="Consolas" pitchFamily="49" charset="0"/>
-              </a:rPr>
-              <a:t>"Color Code: "</a:t>
-            </a:r>
-            <a:r>
-              <a:rPr lang="en-US" sz="1600" dirty="0">
-                <a:solidFill>
-                  <a:srgbClr val="000000"/>
-                </a:solidFill>
-                <a:latin typeface="Consolas" pitchFamily="49" charset="0"/>
-                <a:ea typeface="Calibri"/>
-                <a:cs typeface="Consolas" pitchFamily="49" charset="0"/>
-              </a:rPr>
-              <a:t> + </a:t>
-            </a:r>
-            <a:r>
-              <a:rPr lang="en-US" sz="1600" dirty="0" err="1">
-                <a:solidFill>
-                  <a:srgbClr val="0000C0"/>
-                </a:solidFill>
-                <a:latin typeface="Consolas" pitchFamily="49" charset="0"/>
-                <a:ea typeface="Calibri"/>
-                <a:cs typeface="Consolas" pitchFamily="49" charset="0"/>
-              </a:rPr>
-              <a:t>colorCode</a:t>
-            </a:r>
-            <a:r>
-              <a:rPr lang="en-US" sz="1600" dirty="0">
-                <a:solidFill>
-                  <a:srgbClr val="000000"/>
-                </a:solidFill>
                 <a:latin typeface="Consolas" pitchFamily="49" charset="0"/>
                 <a:ea typeface="Calibri"/>
                 <a:cs typeface="Consolas" pitchFamily="49" charset="0"/>
@@ -10846,9 +10406,6 @@
             </a:pPr>
             <a:r>
               <a:rPr lang="en-US" sz="1600" dirty="0">
-                <a:solidFill>
-                  <a:srgbClr val="000000"/>
-                </a:solidFill>
                 <a:latin typeface="Consolas" pitchFamily="49" charset="0"/>
                 <a:ea typeface="Calibri"/>
                 <a:cs typeface="Consolas" pitchFamily="49" charset="0"/>
@@ -10857,9 +10414,6 @@
             </a:r>
             <a:r>
               <a:rPr lang="en-US" sz="1600" dirty="0" err="1">
-                <a:solidFill>
-                  <a:srgbClr val="000000"/>
-                </a:solidFill>
                 <a:latin typeface="Consolas" pitchFamily="49" charset="0"/>
                 <a:ea typeface="Calibri"/>
                 <a:cs typeface="Consolas" pitchFamily="49" charset="0"/>
@@ -10868,9 +10422,6 @@
             </a:r>
             <a:r>
               <a:rPr lang="en-US" sz="1600" i="1" dirty="0" err="1">
-                <a:solidFill>
-                  <a:srgbClr val="0000C0"/>
-                </a:solidFill>
                 <a:latin typeface="Consolas" pitchFamily="49" charset="0"/>
                 <a:ea typeface="Calibri"/>
                 <a:cs typeface="Consolas" pitchFamily="49" charset="0"/>
@@ -10879,9 +10430,6 @@
             </a:r>
             <a:r>
               <a:rPr lang="en-US" sz="1600" dirty="0" err="1">
-                <a:solidFill>
-                  <a:srgbClr val="000000"/>
-                </a:solidFill>
                 <a:latin typeface="Consolas" pitchFamily="49" charset="0"/>
                 <a:ea typeface="Calibri"/>
                 <a:cs typeface="Consolas" pitchFamily="49" charset="0"/>
@@ -10890,58 +10438,11 @@
             </a:r>
             <a:r>
               <a:rPr lang="en-US" sz="1600" dirty="0">
-                <a:solidFill>
-                  <a:srgbClr val="000000"/>
-                </a:solidFill>
-                <a:latin typeface="Consolas" pitchFamily="49" charset="0"/>
-                <a:ea typeface="Calibri"/>
-                <a:cs typeface="Consolas" pitchFamily="49" charset="0"/>
-              </a:rPr>
-              <a:t>(</a:t>
-            </a:r>
-            <a:r>
-              <a:rPr lang="en-US" sz="1600" dirty="0">
-                <a:solidFill>
-                  <a:srgbClr val="2A00FF"/>
-                </a:solidFill>
-                <a:latin typeface="Consolas" pitchFamily="49" charset="0"/>
-                <a:ea typeface="Calibri"/>
-                <a:cs typeface="Consolas" pitchFamily="49" charset="0"/>
-              </a:rPr>
-              <a:t>"Shirt price: "</a:t>
-            </a:r>
-            <a:r>
-              <a:rPr lang="en-US" sz="1600" dirty="0">
-                <a:solidFill>
-                  <a:srgbClr val="000000"/>
-                </a:solidFill>
-                <a:latin typeface="Consolas" pitchFamily="49" charset="0"/>
-                <a:ea typeface="Calibri"/>
-                <a:cs typeface="Consolas" pitchFamily="49" charset="0"/>
-              </a:rPr>
-              <a:t> + </a:t>
-            </a:r>
-            <a:r>
-              <a:rPr lang="en-US" sz="1600" dirty="0">
-                <a:solidFill>
-                  <a:srgbClr val="0000C0"/>
-                </a:solidFill>
-                <a:latin typeface="Consolas" pitchFamily="49" charset="0"/>
-                <a:ea typeface="Calibri"/>
-                <a:cs typeface="Consolas" pitchFamily="49" charset="0"/>
-              </a:rPr>
-              <a:t>price</a:t>
-            </a:r>
-            <a:r>
-              <a:rPr lang="en-US" sz="1600" dirty="0">
-                <a:solidFill>
-                  <a:srgbClr val="000000"/>
-                </a:solidFill>
-                <a:latin typeface="Consolas" pitchFamily="49" charset="0"/>
-                <a:ea typeface="Calibri"/>
-                <a:cs typeface="Consolas" pitchFamily="49" charset="0"/>
-              </a:rPr>
-              <a:t>);</a:t>
+                <a:latin typeface="Consolas" pitchFamily="49" charset="0"/>
+                <a:ea typeface="Calibri"/>
+                <a:cs typeface="Consolas" pitchFamily="49" charset="0"/>
+              </a:rPr>
+              <a:t>("Shirt price: " + price);</a:t>
             </a:r>
             <a:endParaRPr lang="pt-BR" sz="1600" dirty="0">
               <a:latin typeface="Consolas" pitchFamily="49" charset="0"/>
@@ -10960,9 +10461,6 @@
             </a:pPr>
             <a:r>
               <a:rPr lang="en-US" sz="1600" dirty="0">
-                <a:solidFill>
-                  <a:srgbClr val="000000"/>
-                </a:solidFill>
                 <a:latin typeface="Consolas" pitchFamily="49" charset="0"/>
                 <a:ea typeface="Calibri"/>
                 <a:cs typeface="Consolas" pitchFamily="49" charset="0"/>
@@ -10971,9 +10469,6 @@
             </a:r>
             <a:r>
               <a:rPr lang="en-US" sz="1600" dirty="0" err="1">
-                <a:solidFill>
-                  <a:srgbClr val="000000"/>
-                </a:solidFill>
                 <a:latin typeface="Consolas" pitchFamily="49" charset="0"/>
                 <a:ea typeface="Calibri"/>
                 <a:cs typeface="Consolas" pitchFamily="49" charset="0"/>
@@ -10982,9 +10477,6 @@
             </a:r>
             <a:r>
               <a:rPr lang="en-US" sz="1600" i="1" dirty="0" err="1">
-                <a:solidFill>
-                  <a:srgbClr val="0000C0"/>
-                </a:solidFill>
                 <a:latin typeface="Consolas" pitchFamily="49" charset="0"/>
                 <a:ea typeface="Calibri"/>
                 <a:cs typeface="Consolas" pitchFamily="49" charset="0"/>
@@ -10993,9 +10485,6 @@
             </a:r>
             <a:r>
               <a:rPr lang="en-US" sz="1600" dirty="0" err="1">
-                <a:solidFill>
-                  <a:srgbClr val="000000"/>
-                </a:solidFill>
                 <a:latin typeface="Consolas" pitchFamily="49" charset="0"/>
                 <a:ea typeface="Calibri"/>
                 <a:cs typeface="Consolas" pitchFamily="49" charset="0"/>
@@ -11004,53 +10493,22 @@
             </a:r>
             <a:r>
               <a:rPr lang="en-US" sz="1600" dirty="0">
-                <a:solidFill>
-                  <a:srgbClr val="000000"/>
-                </a:solidFill>
-                <a:latin typeface="Consolas" pitchFamily="49" charset="0"/>
-                <a:ea typeface="Calibri"/>
-                <a:cs typeface="Consolas" pitchFamily="49" charset="0"/>
-              </a:rPr>
-              <a:t>(</a:t>
+                <a:latin typeface="Consolas" pitchFamily="49" charset="0"/>
+                <a:ea typeface="Calibri"/>
+                <a:cs typeface="Consolas" pitchFamily="49" charset="0"/>
+              </a:rPr>
+              <a:t>("Quantity in stock: " + </a:t>
+            </a:r>
+            <a:r>
+              <a:rPr lang="en-US" sz="1600" dirty="0" err="1">
+                <a:latin typeface="Consolas" pitchFamily="49" charset="0"/>
+                <a:ea typeface="Calibri"/>
+                <a:cs typeface="Consolas" pitchFamily="49" charset="0"/>
+              </a:rPr>
+              <a:t>quantityInStock</a:t>
             </a:r>
             <a:r>
               <a:rPr lang="en-US" sz="1600" dirty="0">
-                <a:solidFill>
-                  <a:srgbClr val="2A00FF"/>
-                </a:solidFill>
-                <a:latin typeface="Consolas" pitchFamily="49" charset="0"/>
-                <a:ea typeface="Calibri"/>
-                <a:cs typeface="Consolas" pitchFamily="49" charset="0"/>
-              </a:rPr>
-              <a:t>"Quantity in stock: "</a:t>
-            </a:r>
-            <a:r>
-              <a:rPr lang="en-US" sz="1600" dirty="0">
-                <a:solidFill>
-                  <a:srgbClr val="000000"/>
-                </a:solidFill>
-                <a:latin typeface="Consolas" pitchFamily="49" charset="0"/>
-                <a:ea typeface="Calibri"/>
-                <a:cs typeface="Consolas" pitchFamily="49" charset="0"/>
-              </a:rPr>
-              <a:t> + </a:t>
-            </a:r>
-            <a:r>
-              <a:rPr lang="en-US" sz="1600" dirty="0" err="1">
-                <a:solidFill>
-                  <a:srgbClr val="0000C0"/>
-                </a:solidFill>
-                <a:latin typeface="Consolas" pitchFamily="49" charset="0"/>
-                <a:ea typeface="Calibri"/>
-                <a:cs typeface="Consolas" pitchFamily="49" charset="0"/>
-              </a:rPr>
-              <a:t>quantityInStock</a:t>
-            </a:r>
-            <a:r>
-              <a:rPr lang="en-US" sz="1600" dirty="0">
-                <a:solidFill>
-                  <a:srgbClr val="000000"/>
-                </a:solidFill>
                 <a:latin typeface="Consolas" pitchFamily="49" charset="0"/>
                 <a:ea typeface="Calibri"/>
                 <a:cs typeface="Consolas" pitchFamily="49" charset="0"/>
@@ -11074,9 +10532,6 @@
             </a:pPr>
             <a:r>
               <a:rPr lang="en-US" sz="1600" dirty="0">
-                <a:solidFill>
-                  <a:srgbClr val="000000"/>
-                </a:solidFill>
                 <a:latin typeface="Consolas" pitchFamily="49" charset="0"/>
                 <a:ea typeface="Calibri"/>
                 <a:cs typeface="Consolas" pitchFamily="49" charset="0"/>
@@ -11085,75 +10540,46 @@
             </a:r>
             <a:r>
               <a:rPr lang="pt-BR" sz="1600" dirty="0">
-                <a:solidFill>
-                  <a:srgbClr val="000000"/>
-                </a:solidFill>
-                <a:latin typeface="Consolas" pitchFamily="49" charset="0"/>
-                <a:ea typeface="Calibri"/>
-                <a:cs typeface="Consolas" pitchFamily="49" charset="0"/>
-              </a:rPr>
-              <a:t>} </a:t>
+                <a:latin typeface="Consolas" pitchFamily="49" charset="0"/>
+                <a:ea typeface="Calibri"/>
+                <a:cs typeface="Consolas" pitchFamily="49" charset="0"/>
+              </a:rPr>
+              <a:t>} // </a:t>
+            </a:r>
+            <a:r>
+              <a:rPr lang="pt-BR" sz="1600" dirty="0" err="1">
+                <a:latin typeface="Consolas" pitchFamily="49" charset="0"/>
+                <a:ea typeface="Calibri"/>
+                <a:cs typeface="Consolas" pitchFamily="49" charset="0"/>
+              </a:rPr>
+              <a:t>end</a:t>
             </a:r>
             <a:r>
               <a:rPr lang="pt-BR" sz="1600" dirty="0">
-                <a:solidFill>
-                  <a:srgbClr val="3F7F5F"/>
-                </a:solidFill>
-                <a:latin typeface="Consolas" pitchFamily="49" charset="0"/>
-                <a:ea typeface="Calibri"/>
-                <a:cs typeface="Consolas" pitchFamily="49" charset="0"/>
-              </a:rPr>
-              <a:t>// </a:t>
+                <a:latin typeface="Consolas" pitchFamily="49" charset="0"/>
+                <a:ea typeface="Calibri"/>
+                <a:cs typeface="Consolas" pitchFamily="49" charset="0"/>
+              </a:rPr>
+              <a:t> </a:t>
             </a:r>
             <a:r>
               <a:rPr lang="pt-BR" sz="1600" dirty="0" err="1">
-                <a:solidFill>
-                  <a:srgbClr val="3F7F5F"/>
-                </a:solidFill>
-                <a:latin typeface="Consolas" pitchFamily="49" charset="0"/>
-                <a:ea typeface="Calibri"/>
-                <a:cs typeface="Consolas" pitchFamily="49" charset="0"/>
-              </a:rPr>
-              <a:t>end</a:t>
+                <a:latin typeface="Consolas" pitchFamily="49" charset="0"/>
+                <a:ea typeface="Calibri"/>
+                <a:cs typeface="Consolas" pitchFamily="49" charset="0"/>
+              </a:rPr>
+              <a:t>of</a:t>
             </a:r>
             <a:r>
               <a:rPr lang="pt-BR" sz="1600" dirty="0">
-                <a:solidFill>
-                  <a:srgbClr val="3F7F5F"/>
-                </a:solidFill>
-                <a:latin typeface="Consolas" pitchFamily="49" charset="0"/>
-                <a:ea typeface="Calibri"/>
-                <a:cs typeface="Consolas" pitchFamily="49" charset="0"/>
-              </a:rPr>
-              <a:t> </a:t>
+                <a:latin typeface="Consolas" pitchFamily="49" charset="0"/>
+                <a:ea typeface="Calibri"/>
+                <a:cs typeface="Consolas" pitchFamily="49" charset="0"/>
+              </a:rPr>
+              <a:t> display </a:t>
             </a:r>
             <a:r>
               <a:rPr lang="pt-BR" sz="1600" dirty="0" err="1">
-                <a:solidFill>
-                  <a:srgbClr val="3F7F5F"/>
-                </a:solidFill>
-                <a:latin typeface="Consolas" pitchFamily="49" charset="0"/>
-                <a:ea typeface="Calibri"/>
-                <a:cs typeface="Consolas" pitchFamily="49" charset="0"/>
-              </a:rPr>
-              <a:t>of</a:t>
-            </a:r>
-            <a:r>
-              <a:rPr lang="pt-BR" sz="1600" dirty="0">
-                <a:solidFill>
-                  <a:srgbClr val="3F7F5F"/>
-                </a:solidFill>
-                <a:latin typeface="Consolas" pitchFamily="49" charset="0"/>
-                <a:ea typeface="Calibri"/>
-                <a:cs typeface="Consolas" pitchFamily="49" charset="0"/>
-              </a:rPr>
-              <a:t> display </a:t>
-            </a:r>
-            <a:r>
-              <a:rPr lang="pt-BR" sz="1600" dirty="0" err="1">
-                <a:solidFill>
-                  <a:srgbClr val="3F7F5F"/>
-                </a:solidFill>
                 <a:latin typeface="Consolas" pitchFamily="49" charset="0"/>
                 <a:ea typeface="Calibri"/>
                 <a:cs typeface="Consolas" pitchFamily="49" charset="0"/>
@@ -11177,42 +10603,38 @@
             </a:pPr>
             <a:r>
               <a:rPr lang="pt-BR" sz="1600" dirty="0">
-                <a:solidFill>
-                  <a:srgbClr val="000000"/>
-                </a:solidFill>
-                <a:latin typeface="Consolas" pitchFamily="49" charset="0"/>
-                <a:ea typeface="Calibri"/>
-                <a:cs typeface="Consolas" pitchFamily="49" charset="0"/>
-              </a:rPr>
-              <a:t>} </a:t>
+                <a:latin typeface="Consolas" pitchFamily="49" charset="0"/>
+                <a:ea typeface="Calibri"/>
+                <a:cs typeface="Consolas" pitchFamily="49" charset="0"/>
+              </a:rPr>
+              <a:t>} // </a:t>
+            </a:r>
+            <a:r>
+              <a:rPr lang="pt-BR" sz="1600" dirty="0" err="1">
+                <a:latin typeface="Consolas" pitchFamily="49" charset="0"/>
+                <a:ea typeface="Calibri"/>
+                <a:cs typeface="Consolas" pitchFamily="49" charset="0"/>
+              </a:rPr>
+              <a:t>end</a:t>
             </a:r>
             <a:r>
               <a:rPr lang="pt-BR" sz="1600" dirty="0">
-                <a:solidFill>
-                  <a:srgbClr val="3F7F5F"/>
-                </a:solidFill>
-                <a:latin typeface="Consolas" pitchFamily="49" charset="0"/>
-                <a:ea typeface="Calibri"/>
-                <a:cs typeface="Consolas" pitchFamily="49" charset="0"/>
-              </a:rPr>
-              <a:t>// </a:t>
+                <a:latin typeface="Consolas" pitchFamily="49" charset="0"/>
+                <a:ea typeface="Calibri"/>
+                <a:cs typeface="Consolas" pitchFamily="49" charset="0"/>
+              </a:rPr>
+              <a:t> </a:t>
             </a:r>
             <a:r>
               <a:rPr lang="pt-BR" sz="1600" dirty="0" err="1">
-                <a:solidFill>
-                  <a:srgbClr val="3F7F5F"/>
-                </a:solidFill>
-                <a:latin typeface="Consolas" pitchFamily="49" charset="0"/>
-                <a:ea typeface="Calibri"/>
-                <a:cs typeface="Consolas" pitchFamily="49" charset="0"/>
-              </a:rPr>
-              <a:t>end</a:t>
+                <a:latin typeface="Consolas" pitchFamily="49" charset="0"/>
+                <a:ea typeface="Calibri"/>
+                <a:cs typeface="Consolas" pitchFamily="49" charset="0"/>
+              </a:rPr>
+              <a:t>of</a:t>
             </a:r>
             <a:r>
               <a:rPr lang="pt-BR" sz="1600" dirty="0">
-                <a:solidFill>
-                  <a:srgbClr val="3F7F5F"/>
-                </a:solidFill>
                 <a:latin typeface="Consolas" pitchFamily="49" charset="0"/>
                 <a:ea typeface="Calibri"/>
                 <a:cs typeface="Consolas" pitchFamily="49" charset="0"/>
@@ -11221,31 +10643,6 @@
             </a:r>
             <a:r>
               <a:rPr lang="pt-BR" sz="1600" dirty="0" err="1">
-                <a:solidFill>
-                  <a:srgbClr val="3F7F5F"/>
-                </a:solidFill>
-                <a:latin typeface="Consolas" pitchFamily="49" charset="0"/>
-                <a:ea typeface="Calibri"/>
-                <a:cs typeface="Consolas" pitchFamily="49" charset="0"/>
-              </a:rPr>
-              <a:t>of</a:t>
-            </a:r>
-            <a:r>
-              <a:rPr lang="pt-BR" sz="1600" dirty="0">
-                <a:solidFill>
-                  <a:srgbClr val="3F7F5F"/>
-                </a:solidFill>
-                <a:latin typeface="Consolas" pitchFamily="49" charset="0"/>
-                <a:ea typeface="Calibri"/>
-                <a:cs typeface="Consolas" pitchFamily="49" charset="0"/>
-              </a:rPr>
-              <a:t> </a:t>
-            </a:r>
-            <a:r>
-              <a:rPr lang="pt-BR" sz="1600" dirty="0" err="1">
-                <a:solidFill>
-                  <a:srgbClr val="3F7F5F"/>
-                </a:solidFill>
                 <a:latin typeface="Consolas" pitchFamily="49" charset="0"/>
                 <a:ea typeface="Calibri"/>
                 <a:cs typeface="Consolas" pitchFamily="49" charset="0"/>
@@ -11263,7 +10660,7 @@
     </p:spTree>
     <p:extLst>
       <p:ext uri="{BB962C8B-B14F-4D97-AF65-F5344CB8AC3E}">
-        <p14:creationId xmlns="" xmlns:p14="http://schemas.microsoft.com/office/powerpoint/2010/main" val="4013780297"/>
+        <p14:creationId xmlns:p14="http://schemas.microsoft.com/office/powerpoint/2010/main" val="4013780297"/>
       </p:ext>
     </p:extLst>
   </p:cSld>
@@ -11422,7 +10819,7 @@
     </p:spTree>
     <p:extLst>
       <p:ext uri="{BB962C8B-B14F-4D97-AF65-F5344CB8AC3E}">
-        <p14:creationId xmlns="" xmlns:p14="http://schemas.microsoft.com/office/powerpoint/2010/main" val="3597679204"/>
+        <p14:creationId xmlns:p14="http://schemas.microsoft.com/office/powerpoint/2010/main" val="3597679204"/>
       </p:ext>
     </p:extLst>
   </p:cSld>
